--- a/materials/slides/ch08-async-io-and-swoole.pptx
+++ b/materials/slides/ch08-async-io-and-swoole.pptx
@@ -5,10 +5,10 @@
     <p:sldMasterId id="2147483648" r:id="rId1"/>
   </p:sldMasterIdLst>
   <p:notesMasterIdLst>
-    <p:notesMasterId r:id="rId19"/>
+    <p:notesMasterId r:id="rId20"/>
   </p:notesMasterIdLst>
   <p:handoutMasterIdLst>
-    <p:handoutMasterId r:id="rId20"/>
+    <p:handoutMasterId r:id="rId21"/>
   </p:handoutMasterIdLst>
   <p:sldIdLst>
     <p:sldId id="257" r:id="rId2"/>
@@ -25,9 +25,10 @@
     <p:sldId id="302" r:id="rId13"/>
     <p:sldId id="300" r:id="rId14"/>
     <p:sldId id="265" r:id="rId15"/>
-    <p:sldId id="289" r:id="rId16"/>
-    <p:sldId id="291" r:id="rId17"/>
-    <p:sldId id="296" r:id="rId18"/>
+    <p:sldId id="303" r:id="rId16"/>
+    <p:sldId id="304" r:id="rId17"/>
+    <p:sldId id="305" r:id="rId18"/>
+    <p:sldId id="306" r:id="rId19"/>
   </p:sldIdLst>
   <p:sldSz cx="12192000" cy="6858000"/>
   <p:notesSz cx="6858000" cy="9144000"/>
@@ -231,7 +232,7 @@
           <a:p>
             <a:fld id="{E923E828-953C-4D4A-9B10-11E7329F433D}" type="datetimeFigureOut">
               <a:rPr lang="zh-CN" altLang="en-US" smtClean="0"/>
-              <a:t>2018/2/7</a:t>
+              <a:t>2018/2/28</a:t>
             </a:fld>
             <a:endParaRPr lang="zh-CN" altLang="en-US"/>
           </a:p>
@@ -412,7 +413,7 @@
           <a:p>
             <a:fld id="{867C5346-22E5-4085-8130-851344A84DFF}" type="datetimeFigureOut">
               <a:rPr lang="zh-CN" altLang="en-US" smtClean="0"/>
-              <a:t>2018/2/7</a:t>
+              <a:t>2018/2/28</a:t>
             </a:fld>
             <a:endParaRPr lang="zh-CN" altLang="en-US"/>
           </a:p>
@@ -838,7 +839,7 @@
     </p:spTree>
     <p:extLst>
       <p:ext uri="{BB962C8B-B14F-4D97-AF65-F5344CB8AC3E}">
-        <p14:creationId xmlns:p14="http://schemas.microsoft.com/office/powerpoint/2010/main" val="1493681198"/>
+        <p14:creationId xmlns:p14="http://schemas.microsoft.com/office/powerpoint/2010/main" val="3014117400"/>
       </p:ext>
     </p:extLst>
   </p:cSld>
@@ -922,7 +923,7 @@
     </p:spTree>
     <p:extLst>
       <p:ext uri="{BB962C8B-B14F-4D97-AF65-F5344CB8AC3E}">
-        <p14:creationId xmlns:p14="http://schemas.microsoft.com/office/powerpoint/2010/main" val="272207272"/>
+        <p14:creationId xmlns:p14="http://schemas.microsoft.com/office/powerpoint/2010/main" val="3860897270"/>
       </p:ext>
     </p:extLst>
   </p:cSld>
@@ -1006,7 +1007,91 @@
     </p:spTree>
     <p:extLst>
       <p:ext uri="{BB962C8B-B14F-4D97-AF65-F5344CB8AC3E}">
-        <p14:creationId xmlns:p14="http://schemas.microsoft.com/office/powerpoint/2010/main" val="3214956434"/>
+        <p14:creationId xmlns:p14="http://schemas.microsoft.com/office/powerpoint/2010/main" val="1928496244"/>
+      </p:ext>
+    </p:extLst>
+  </p:cSld>
+  <p:clrMapOvr>
+    <a:masterClrMapping/>
+  </p:clrMapOvr>
+</p:notes>
+</file>
+
+<file path=ppt/notesSlides/notesSlide13.xml><?xml version="1.0" encoding="utf-8"?>
+<p:notes xmlns:a="http://schemas.openxmlformats.org/drawingml/2006/main" xmlns:r="http://schemas.openxmlformats.org/officeDocument/2006/relationships" xmlns:p="http://schemas.openxmlformats.org/presentationml/2006/main">
+  <p:cSld>
+    <p:spTree>
+      <p:nvGrpSpPr>
+        <p:cNvPr id="1" name=""/>
+        <p:cNvGrpSpPr/>
+        <p:nvPr/>
+      </p:nvGrpSpPr>
+      <p:grpSpPr>
+        <a:xfrm>
+          <a:off x="0" y="0"/>
+          <a:ext cx="0" cy="0"/>
+          <a:chOff x="0" y="0"/>
+          <a:chExt cx="0" cy="0"/>
+        </a:xfrm>
+      </p:grpSpPr>
+      <p:sp>
+        <p:nvSpPr>
+          <p:cNvPr id="2" name="幻灯片图像占位符 1"/>
+          <p:cNvSpPr>
+            <a:spLocks noGrp="1" noRot="1" noChangeAspect="1"/>
+          </p:cNvSpPr>
+          <p:nvPr>
+            <p:ph type="sldImg"/>
+          </p:nvPr>
+        </p:nvSpPr>
+        <p:spPr/>
+      </p:sp>
+      <p:sp>
+        <p:nvSpPr>
+          <p:cNvPr id="3" name="备注占位符 2"/>
+          <p:cNvSpPr>
+            <a:spLocks noGrp="1"/>
+          </p:cNvSpPr>
+          <p:nvPr>
+            <p:ph type="body" idx="1"/>
+          </p:nvPr>
+        </p:nvSpPr>
+        <p:spPr/>
+        <p:txBody>
+          <a:bodyPr/>
+          <a:lstStyle/>
+          <a:p>
+            <a:endParaRPr lang="zh-CN" altLang="en-US" dirty="0"/>
+          </a:p>
+        </p:txBody>
+      </p:sp>
+      <p:sp>
+        <p:nvSpPr>
+          <p:cNvPr id="4" name="灯片编号占位符 3"/>
+          <p:cNvSpPr>
+            <a:spLocks noGrp="1"/>
+          </p:cNvSpPr>
+          <p:nvPr>
+            <p:ph type="sldNum" sz="quarter" idx="10"/>
+          </p:nvPr>
+        </p:nvSpPr>
+        <p:spPr/>
+        <p:txBody>
+          <a:bodyPr/>
+          <a:lstStyle/>
+          <a:p>
+            <a:fld id="{9FB975F3-1C40-4D40-A7FE-36EEB7CAFC85}" type="slidenum">
+              <a:rPr lang="zh-CN" altLang="en-US" smtClean="0"/>
+              <a:t>18</a:t>
+            </a:fld>
+            <a:endParaRPr lang="zh-CN" altLang="en-US"/>
+          </a:p>
+        </p:txBody>
+      </p:sp>
+    </p:spTree>
+    <p:extLst>
+      <p:ext uri="{BB962C8B-B14F-4D97-AF65-F5344CB8AC3E}">
+        <p14:creationId xmlns:p14="http://schemas.microsoft.com/office/powerpoint/2010/main" val="471224001"/>
       </p:ext>
     </p:extLst>
   </p:cSld>
@@ -1846,7 +1931,7 @@
           <a:p>
             <a:fld id="{A5E21016-498F-4141-B0CA-D95A38CA7D62}" type="datetimeFigureOut">
               <a:rPr lang="zh-CN" altLang="en-US" smtClean="0"/>
-              <a:t>2018/2/7</a:t>
+              <a:t>2018/2/28</a:t>
             </a:fld>
             <a:endParaRPr lang="zh-CN" altLang="en-US"/>
           </a:p>
@@ -2076,7 +2161,7 @@
           <a:p>
             <a:fld id="{A5E21016-498F-4141-B0CA-D95A38CA7D62}" type="datetimeFigureOut">
               <a:rPr lang="zh-CN" altLang="en-US" smtClean="0"/>
-              <a:t>2018/2/7</a:t>
+              <a:t>2018/2/28</a:t>
             </a:fld>
             <a:endParaRPr lang="zh-CN" altLang="en-US"/>
           </a:p>
@@ -2311,7 +2396,7 @@
           <a:p>
             <a:fld id="{A5E21016-498F-4141-B0CA-D95A38CA7D62}" type="datetimeFigureOut">
               <a:rPr lang="zh-CN" altLang="en-US" smtClean="0"/>
-              <a:t>2018/2/7</a:t>
+              <a:t>2018/2/28</a:t>
             </a:fld>
             <a:endParaRPr lang="zh-CN" altLang="en-US"/>
           </a:p>
@@ -2909,7 +2994,7 @@
           <a:p>
             <a:fld id="{A5E21016-498F-4141-B0CA-D95A38CA7D62}" type="datetimeFigureOut">
               <a:rPr lang="zh-CN" altLang="en-US" smtClean="0"/>
-              <a:t>2018/2/7</a:t>
+              <a:t>2018/2/28</a:t>
             </a:fld>
             <a:endParaRPr lang="zh-CN" altLang="en-US"/>
           </a:p>
@@ -3206,7 +3291,7 @@
           <a:p>
             <a:fld id="{A5E21016-498F-4141-B0CA-D95A38CA7D62}" type="datetimeFigureOut">
               <a:rPr lang="zh-CN" altLang="en-US" smtClean="0"/>
-              <a:t>2018/2/7</a:t>
+              <a:t>2018/2/28</a:t>
             </a:fld>
             <a:endParaRPr lang="zh-CN" altLang="en-US"/>
           </a:p>
@@ -3645,7 +3730,7 @@
           <a:p>
             <a:fld id="{A5E21016-498F-4141-B0CA-D95A38CA7D62}" type="datetimeFigureOut">
               <a:rPr lang="zh-CN" altLang="en-US" smtClean="0"/>
-              <a:t>2018/2/7</a:t>
+              <a:t>2018/2/28</a:t>
             </a:fld>
             <a:endParaRPr lang="zh-CN" altLang="en-US"/>
           </a:p>
@@ -3818,7 +3903,7 @@
           <a:p>
             <a:fld id="{A5E21016-498F-4141-B0CA-D95A38CA7D62}" type="datetimeFigureOut">
               <a:rPr lang="zh-CN" altLang="en-US" smtClean="0"/>
-              <a:t>2018/2/7</a:t>
+              <a:t>2018/2/28</a:t>
             </a:fld>
             <a:endParaRPr lang="zh-CN" altLang="en-US"/>
           </a:p>
@@ -3955,7 +4040,7 @@
           <a:p>
             <a:fld id="{A5E21016-498F-4141-B0CA-D95A38CA7D62}" type="datetimeFigureOut">
               <a:rPr lang="zh-CN" altLang="en-US" smtClean="0"/>
-              <a:t>2018/2/7</a:t>
+              <a:t>2018/2/28</a:t>
             </a:fld>
             <a:endParaRPr lang="zh-CN" altLang="en-US"/>
           </a:p>
@@ -4329,7 +4414,7 @@
           <a:p>
             <a:fld id="{A5E21016-498F-4141-B0CA-D95A38CA7D62}" type="datetimeFigureOut">
               <a:rPr lang="zh-CN" altLang="en-US" smtClean="0"/>
-              <a:t>2018/2/7</a:t>
+              <a:t>2018/2/28</a:t>
             </a:fld>
             <a:endParaRPr lang="zh-CN" altLang="en-US"/>
           </a:p>
@@ -4644,7 +4729,7 @@
           <a:p>
             <a:fld id="{A5E21016-498F-4141-B0CA-D95A38CA7D62}" type="datetimeFigureOut">
               <a:rPr lang="zh-CN" altLang="en-US" smtClean="0"/>
-              <a:t>2018/2/7</a:t>
+              <a:t>2018/2/28</a:t>
             </a:fld>
             <a:endParaRPr lang="zh-CN" altLang="en-US"/>
           </a:p>
@@ -7105,7 +7190,27 @@
           <a:p>
             <a:r>
               <a:rPr lang="zh-CN" altLang="en-US" sz="2000" dirty="0"/>
-              <a:t>这一节的主要目标是实现一个</a:t>
+              <a:t>返回静态文件，不做动态处理。</a:t>
+            </a:r>
+            <a:endParaRPr lang="en-US" altLang="zh-CN" sz="2000" dirty="0"/>
+          </a:p>
+          <a:p>
+            <a:endParaRPr lang="en-US" altLang="zh-CN" sz="2000" dirty="0"/>
+          </a:p>
+          <a:p>
+            <a:r>
+              <a:rPr lang="zh-CN" altLang="en-US" sz="2000" dirty="0"/>
+              <a:t>可用于静态网站。</a:t>
+            </a:r>
+            <a:endParaRPr lang="en-US" altLang="zh-CN" sz="2000" dirty="0"/>
+          </a:p>
+          <a:p>
+            <a:endParaRPr lang="en-US" altLang="zh-CN" sz="2000" dirty="0"/>
+          </a:p>
+          <a:p>
+            <a:r>
+              <a:rPr lang="zh-CN" altLang="en-US" sz="2000" dirty="0"/>
+              <a:t>大规模网站，会单独有一个静态文件分发服务器。对于变动不频繁的页面部署在一个单独的服务上，减轻整体系统的负载压力。</a:t>
             </a:r>
             <a:endParaRPr lang="en-US" altLang="zh-CN" sz="2000" dirty="0"/>
           </a:p>
@@ -7392,6 +7497,15 @@
             </a:r>
           </a:p>
           <a:p>
+            <a:pPr marL="457200" lvl="1" indent="0">
+              <a:buNone/>
+            </a:pPr>
+            <a:endParaRPr lang="en-US" altLang="zh-CN" sz="1800" dirty="0">
+              <a:latin typeface="等线" panose="02010600030101010101" pitchFamily="2" charset="-122"/>
+              <a:ea typeface="等线" panose="02010600030101010101" pitchFamily="2" charset="-122"/>
+            </a:endParaRPr>
+          </a:p>
+          <a:p>
             <a:r>
               <a:rPr lang="en-US" altLang="zh-CN" sz="2000" dirty="0" err="1">
                 <a:latin typeface="等线" panose="02010600030101010101" pitchFamily="2" charset="-122"/>
@@ -7426,6 +7540,12 @@
             </a:endParaRPr>
           </a:p>
           <a:p>
+            <a:endParaRPr lang="en-US" altLang="zh-CN" sz="2000" dirty="0">
+              <a:latin typeface="等线" panose="02010600030101010101" pitchFamily="2" charset="-122"/>
+              <a:ea typeface="等线" panose="02010600030101010101" pitchFamily="2" charset="-122"/>
+            </a:endParaRPr>
+          </a:p>
+          <a:p>
             <a:r>
               <a:rPr lang="zh-CN" altLang="en-US" sz="2000" dirty="0">
                 <a:latin typeface="等线" panose="02010600030101010101" pitchFamily="2" charset="-122"/>
@@ -7433,6 +7553,12 @@
               </a:rPr>
               <a:t>这两个选项设置后，如果在设置的路径存在请求的文件则直接返回文件数据。</a:t>
             </a:r>
+            <a:endParaRPr lang="en-US" altLang="zh-CN" sz="2000" dirty="0">
+              <a:latin typeface="等线" panose="02010600030101010101" pitchFamily="2" charset="-122"/>
+              <a:ea typeface="等线" panose="02010600030101010101" pitchFamily="2" charset="-122"/>
+            </a:endParaRPr>
+          </a:p>
+          <a:p>
             <a:endParaRPr lang="en-US" altLang="zh-CN" sz="2000" dirty="0">
               <a:latin typeface="等线" panose="02010600030101010101" pitchFamily="2" charset="-122"/>
               <a:ea typeface="等线" panose="02010600030101010101" pitchFamily="2" charset="-122"/>
@@ -7525,17 +7651,17 @@
           <a:p>
             <a:r>
               <a:rPr lang="zh-CN" altLang="en-US" dirty="0"/>
-              <a:t>写成守护进程</a:t>
-            </a:r>
-          </a:p>
-        </p:txBody>
-      </p:sp>
-      <p:sp>
-        <p:nvSpPr>
-          <p:cNvPr id="3" name="内容占位符 2">
+              <a:t>文件未发现</a:t>
+            </a:r>
+          </a:p>
+        </p:txBody>
+      </p:sp>
+      <p:sp>
+        <p:nvSpPr>
+          <p:cNvPr id="6" name="内容占位符 5">
             <a:extLst>
               <a:ext uri="{FF2B5EF4-FFF2-40B4-BE49-F238E27FC236}">
-                <a16:creationId xmlns:a16="http://schemas.microsoft.com/office/drawing/2014/main" id="{3E92D374-780A-4664-A957-CB8EB1EF481B}"/>
+                <a16:creationId xmlns:a16="http://schemas.microsoft.com/office/drawing/2014/main" id="{B83E9AD4-C606-4679-B884-01F71CC97E44}"/>
               </a:ext>
             </a:extLst>
           </p:cNvPr>
@@ -7546,17 +7672,358 @@
             <p:ph idx="1"/>
           </p:nvPr>
         </p:nvSpPr>
-        <p:spPr/>
+        <p:spPr>
+          <a:xfrm>
+            <a:off x="838200" y="1656500"/>
+            <a:ext cx="10515600" cy="4850832"/>
+          </a:xfrm>
+        </p:spPr>
         <p:txBody>
           <a:bodyPr>
             <a:normAutofit/>
           </a:bodyPr>
           <a:lstStyle/>
           <a:p>
+            <a:r>
+              <a:rPr lang="zh-CN" altLang="en-US" sz="2000" dirty="0">
+                <a:latin typeface="等线" panose="02010600030101010101" pitchFamily="2" charset="-122"/>
+                <a:ea typeface="等线" panose="02010600030101010101" pitchFamily="2" charset="-122"/>
+              </a:rPr>
+              <a:t>如果文件未发现，则会触发</a:t>
+            </a:r>
+            <a:r>
+              <a:rPr lang="en-US" altLang="zh-CN" sz="2000" dirty="0" err="1">
+                <a:latin typeface="等线" panose="02010600030101010101" pitchFamily="2" charset="-122"/>
+                <a:ea typeface="等线" panose="02010600030101010101" pitchFamily="2" charset="-122"/>
+              </a:rPr>
+              <a:t>onRequest</a:t>
+            </a:r>
+            <a:r>
+              <a:rPr lang="zh-CN" altLang="en-US" sz="2000" dirty="0">
+                <a:latin typeface="等线" panose="02010600030101010101" pitchFamily="2" charset="-122"/>
+                <a:ea typeface="等线" panose="02010600030101010101" pitchFamily="2" charset="-122"/>
+              </a:rPr>
+              <a:t>事件处理请求。</a:t>
+            </a:r>
+            <a:endParaRPr lang="en-US" altLang="zh-CN" sz="2000" dirty="0">
+              <a:latin typeface="等线" panose="02010600030101010101" pitchFamily="2" charset="-122"/>
+              <a:ea typeface="等线" panose="02010600030101010101" pitchFamily="2" charset="-122"/>
+            </a:endParaRPr>
+          </a:p>
+          <a:p>
+            <a:endParaRPr lang="en-US" altLang="zh-CN" sz="2000" dirty="0">
+              <a:latin typeface="等线" panose="02010600030101010101" pitchFamily="2" charset="-122"/>
+              <a:ea typeface="等线" panose="02010600030101010101" pitchFamily="2" charset="-122"/>
+            </a:endParaRPr>
+          </a:p>
+          <a:p>
+            <a:r>
+              <a:rPr lang="zh-CN" altLang="en-US" sz="2000" dirty="0">
+                <a:latin typeface="等线" panose="02010600030101010101" pitchFamily="2" charset="-122"/>
+                <a:ea typeface="等线" panose="02010600030101010101" pitchFamily="2" charset="-122"/>
+              </a:rPr>
+              <a:t>可以在</a:t>
+            </a:r>
+            <a:r>
+              <a:rPr lang="en-US" altLang="zh-CN" sz="2000" dirty="0" err="1">
+                <a:latin typeface="等线" panose="02010600030101010101" pitchFamily="2" charset="-122"/>
+                <a:ea typeface="等线" panose="02010600030101010101" pitchFamily="2" charset="-122"/>
+              </a:rPr>
+              <a:t>onRequest</a:t>
+            </a:r>
+            <a:r>
+              <a:rPr lang="zh-CN" altLang="en-US" sz="2000" dirty="0">
+                <a:latin typeface="等线" panose="02010600030101010101" pitchFamily="2" charset="-122"/>
+                <a:ea typeface="等线" panose="02010600030101010101" pitchFamily="2" charset="-122"/>
+              </a:rPr>
+              <a:t>事件回调函数中给出错误提示：</a:t>
+            </a:r>
+            <a:endParaRPr lang="en-US" altLang="zh-CN" sz="2000" dirty="0">
+              <a:latin typeface="等线" panose="02010600030101010101" pitchFamily="2" charset="-122"/>
+              <a:ea typeface="等线" panose="02010600030101010101" pitchFamily="2" charset="-122"/>
+            </a:endParaRPr>
+          </a:p>
+          <a:p>
+            <a:pPr marL="0" indent="0">
+              <a:buNone/>
+            </a:pPr>
+            <a:endParaRPr lang="en-US" altLang="zh-CN" sz="2000" dirty="0">
+              <a:latin typeface="等线" panose="02010600030101010101" pitchFamily="2" charset="-122"/>
+              <a:ea typeface="等线" panose="02010600030101010101" pitchFamily="2" charset="-122"/>
+            </a:endParaRPr>
+          </a:p>
+          <a:p>
+            <a:pPr marL="0" indent="0">
+              <a:buNone/>
+            </a:pPr>
+            <a:endParaRPr lang="en-US" altLang="zh-CN" sz="2000" dirty="0">
+              <a:latin typeface="等线" panose="02010600030101010101" pitchFamily="2" charset="-122"/>
+              <a:ea typeface="等线" panose="02010600030101010101" pitchFamily="2" charset="-122"/>
+            </a:endParaRPr>
+          </a:p>
+          <a:p>
+            <a:pPr marL="0" indent="0">
+              <a:buNone/>
+            </a:pPr>
+            <a:endParaRPr lang="en-US" altLang="zh-CN" sz="2000" dirty="0">
+              <a:latin typeface="等线" panose="02010600030101010101" pitchFamily="2" charset="-122"/>
+              <a:ea typeface="等线" panose="02010600030101010101" pitchFamily="2" charset="-122"/>
+            </a:endParaRPr>
+          </a:p>
+          <a:p>
+            <a:pPr marL="0" indent="0">
+              <a:buNone/>
+            </a:pPr>
+            <a:endParaRPr lang="en-US" altLang="zh-CN" sz="2000" dirty="0">
+              <a:latin typeface="等线" panose="02010600030101010101" pitchFamily="2" charset="-122"/>
+              <a:ea typeface="等线" panose="02010600030101010101" pitchFamily="2" charset="-122"/>
+            </a:endParaRPr>
+          </a:p>
+          <a:p>
+            <a:pPr marL="0" indent="0">
+              <a:buNone/>
+            </a:pPr>
+            <a:endParaRPr lang="en-US" altLang="zh-CN" sz="2000" dirty="0">
+              <a:latin typeface="等线" panose="02010600030101010101" pitchFamily="2" charset="-122"/>
+              <a:ea typeface="等线" panose="02010600030101010101" pitchFamily="2" charset="-122"/>
+            </a:endParaRPr>
+          </a:p>
+        </p:txBody>
+      </p:sp>
+      <p:pic>
+        <p:nvPicPr>
+          <p:cNvPr id="3" name="图片 2">
+            <a:extLst>
+              <a:ext uri="{FF2B5EF4-FFF2-40B4-BE49-F238E27FC236}">
+                <a16:creationId xmlns:a16="http://schemas.microsoft.com/office/drawing/2014/main" id="{1411C3EA-5AB6-4585-B1A2-C0E713D0F6E3}"/>
+              </a:ext>
+            </a:extLst>
+          </p:cNvPr>
+          <p:cNvPicPr>
+            <a:picLocks noChangeAspect="1"/>
+          </p:cNvPicPr>
+          <p:nvPr/>
+        </p:nvPicPr>
+        <p:blipFill>
+          <a:blip r:embed="rId3">
+            <a:extLst>
+              <a:ext uri="{28A0092B-C50C-407E-A947-70E740481C1C}">
+                <a14:useLocalDpi xmlns:a14="http://schemas.microsoft.com/office/drawing/2010/main" val="0"/>
+              </a:ext>
+            </a:extLst>
+          </a:blip>
+          <a:stretch>
+            <a:fillRect/>
+          </a:stretch>
+        </p:blipFill>
+        <p:spPr>
+          <a:xfrm>
+            <a:off x="1281713" y="3989846"/>
+            <a:ext cx="9628573" cy="1417320"/>
+          </a:xfrm>
+          <a:prstGeom prst="rect">
+            <a:avLst/>
+          </a:prstGeom>
+        </p:spPr>
+      </p:pic>
+    </p:spTree>
+    <p:extLst>
+      <p:ext uri="{BB962C8B-B14F-4D97-AF65-F5344CB8AC3E}">
+        <p14:creationId xmlns:p14="http://schemas.microsoft.com/office/powerpoint/2010/main" val="1893492525"/>
+      </p:ext>
+    </p:extLst>
+  </p:cSld>
+  <p:clrMapOvr>
+    <a:masterClrMapping/>
+  </p:clrMapOvr>
+</p:sld>
+</file>
+
+<file path=ppt/slides/slide18.xml><?xml version="1.0" encoding="utf-8"?>
+<p:sld xmlns:a="http://schemas.openxmlformats.org/drawingml/2006/main" xmlns:r="http://schemas.openxmlformats.org/officeDocument/2006/relationships" xmlns:p="http://schemas.openxmlformats.org/presentationml/2006/main">
+  <p:cSld>
+    <p:spTree>
+      <p:nvGrpSpPr>
+        <p:cNvPr id="1" name=""/>
+        <p:cNvGrpSpPr/>
+        <p:nvPr/>
+      </p:nvGrpSpPr>
+      <p:grpSpPr>
+        <a:xfrm>
+          <a:off x="0" y="0"/>
+          <a:ext cx="0" cy="0"/>
+          <a:chOff x="0" y="0"/>
+          <a:chExt cx="0" cy="0"/>
+        </a:xfrm>
+      </p:grpSpPr>
+      <p:sp>
+        <p:nvSpPr>
+          <p:cNvPr id="4" name="标题 3">
+            <a:extLst>
+              <a:ext uri="{FF2B5EF4-FFF2-40B4-BE49-F238E27FC236}">
+                <a16:creationId xmlns:a16="http://schemas.microsoft.com/office/drawing/2014/main" id="{2729939D-814A-4BD2-9922-3F8EA865938B}"/>
+              </a:ext>
+            </a:extLst>
+          </p:cNvPr>
+          <p:cNvSpPr>
+            <a:spLocks noGrp="1"/>
+          </p:cNvSpPr>
+          <p:nvPr>
+            <p:ph type="title"/>
+          </p:nvPr>
+        </p:nvSpPr>
+        <p:spPr>
+          <a:xfrm>
+            <a:off x="838200" y="683581"/>
+            <a:ext cx="10515600" cy="736846"/>
+          </a:xfrm>
+        </p:spPr>
+        <p:txBody>
+          <a:bodyPr/>
+          <a:lstStyle/>
+          <a:p>
+            <a:r>
+              <a:rPr lang="zh-CN" altLang="en-US" dirty="0"/>
+              <a:t>写成守护进程</a:t>
+            </a:r>
+          </a:p>
+        </p:txBody>
+      </p:sp>
+      <p:sp>
+        <p:nvSpPr>
+          <p:cNvPr id="3" name="内容占位符 2">
+            <a:extLst>
+              <a:ext uri="{FF2B5EF4-FFF2-40B4-BE49-F238E27FC236}">
+                <a16:creationId xmlns:a16="http://schemas.microsoft.com/office/drawing/2014/main" id="{3E92D374-780A-4664-A957-CB8EB1EF481B}"/>
+              </a:ext>
+            </a:extLst>
+          </p:cNvPr>
+          <p:cNvSpPr>
+            <a:spLocks noGrp="1"/>
+          </p:cNvSpPr>
+          <p:nvPr>
+            <p:ph idx="1"/>
+          </p:nvPr>
+        </p:nvSpPr>
+        <p:spPr/>
+        <p:txBody>
+          <a:bodyPr>
+            <a:normAutofit/>
+          </a:bodyPr>
+          <a:lstStyle/>
+          <a:p>
+            <a:r>
+              <a:rPr lang="zh-CN" altLang="en-US" sz="2000" dirty="0"/>
+              <a:t>作为一个静态文件服务程序，运行时要在后台运行，否则</a:t>
+            </a:r>
+            <a:r>
+              <a:rPr lang="en-US" altLang="zh-CN" sz="2000" dirty="0"/>
+              <a:t>shell</a:t>
+            </a:r>
+            <a:r>
+              <a:rPr lang="zh-CN" altLang="en-US" sz="2000" dirty="0"/>
+              <a:t>退出，就会随之退出。</a:t>
+            </a:r>
+            <a:endParaRPr lang="en-US" altLang="zh-CN" sz="2000" dirty="0"/>
+          </a:p>
+          <a:p>
+            <a:endParaRPr lang="en-US" altLang="zh-CN" sz="2000" dirty="0"/>
+          </a:p>
+          <a:p>
+            <a:r>
+              <a:rPr lang="zh-CN" altLang="en-US" sz="2000" dirty="0"/>
+              <a:t>使用配置创建守护进程：</a:t>
+            </a:r>
+            <a:endParaRPr lang="en-US" altLang="zh-CN" sz="2000" dirty="0"/>
+          </a:p>
+          <a:p>
+            <a:endParaRPr lang="en-US" altLang="zh-CN" sz="2000" dirty="0"/>
+          </a:p>
+          <a:p>
+            <a:endParaRPr lang="en-US" altLang="zh-CN" sz="2000" dirty="0"/>
+          </a:p>
+          <a:p>
+            <a:endParaRPr lang="en-US" altLang="zh-CN" sz="2000" dirty="0"/>
+          </a:p>
+          <a:p>
+            <a:endParaRPr lang="en-US" altLang="zh-CN" sz="2000" dirty="0"/>
+          </a:p>
+          <a:p>
+            <a:endParaRPr lang="en-US" altLang="zh-CN" sz="2000" dirty="0"/>
+          </a:p>
+          <a:p>
+            <a:endParaRPr lang="en-US" altLang="zh-CN" sz="2000" dirty="0"/>
+          </a:p>
+          <a:p>
+            <a:endParaRPr lang="en-US" altLang="zh-CN" sz="2000" dirty="0"/>
+          </a:p>
+          <a:p>
+            <a:r>
+              <a:rPr lang="zh-CN" altLang="en-US" sz="2000" dirty="0"/>
+              <a:t>最后一行加入‘</a:t>
+            </a:r>
+            <a:r>
+              <a:rPr lang="en-US" altLang="zh-CN" sz="2000" dirty="0" err="1"/>
+              <a:t>daemonize</a:t>
+            </a:r>
+            <a:r>
+              <a:rPr lang="zh-CN" altLang="en-US" sz="2000" dirty="0"/>
+              <a:t>’</a:t>
+            </a:r>
+            <a:r>
+              <a:rPr lang="en-US" altLang="zh-CN" sz="2000" dirty="0"/>
+              <a:t>=&gt;1</a:t>
+            </a:r>
+            <a:r>
+              <a:rPr lang="zh-CN" altLang="en-US" sz="2000" dirty="0"/>
+              <a:t>即可。</a:t>
+            </a:r>
+            <a:endParaRPr lang="en-US" altLang="zh-CN" sz="2000" dirty="0"/>
+          </a:p>
+          <a:p>
+            <a:pPr marL="0" indent="0">
+              <a:buNone/>
+            </a:pPr>
             <a:endParaRPr lang="zh-CN" altLang="en-US" sz="2000" dirty="0"/>
           </a:p>
         </p:txBody>
       </p:sp>
+      <p:pic>
+        <p:nvPicPr>
+          <p:cNvPr id="5" name="图片 4">
+            <a:extLst>
+              <a:ext uri="{FF2B5EF4-FFF2-40B4-BE49-F238E27FC236}">
+                <a16:creationId xmlns:a16="http://schemas.microsoft.com/office/drawing/2014/main" id="{990F988B-D601-4BF2-B8CC-25FD478A00AB}"/>
+              </a:ext>
+            </a:extLst>
+          </p:cNvPr>
+          <p:cNvPicPr>
+            <a:picLocks noChangeAspect="1"/>
+          </p:cNvPicPr>
+          <p:nvPr/>
+        </p:nvPicPr>
+        <p:blipFill>
+          <a:blip r:embed="rId3">
+            <a:extLst>
+              <a:ext uri="{28A0092B-C50C-407E-A947-70E740481C1C}">
+                <a14:useLocalDpi xmlns:a14="http://schemas.microsoft.com/office/drawing/2010/main" val="0"/>
+              </a:ext>
+            </a:extLst>
+          </a:blip>
+          <a:stretch>
+            <a:fillRect/>
+          </a:stretch>
+        </p:blipFill>
+        <p:spPr>
+          <a:xfrm>
+            <a:off x="1199964" y="3139032"/>
+            <a:ext cx="9319939" cy="2062468"/>
+          </a:xfrm>
+          <a:prstGeom prst="rect">
+            <a:avLst/>
+          </a:prstGeom>
+        </p:spPr>
+      </p:pic>
     </p:spTree>
     <p:extLst>
       <p:ext uri="{BB962C8B-B14F-4D97-AF65-F5344CB8AC3E}">

--- a/materials/slides/ch08-async-io-and-swoole.pptx
+++ b/materials/slides/ch08-async-io-and-swoole.pptx
@@ -5,10 +5,10 @@
     <p:sldMasterId id="2147483648" r:id="rId1"/>
   </p:sldMasterIdLst>
   <p:notesMasterIdLst>
-    <p:notesMasterId r:id="rId20"/>
+    <p:notesMasterId r:id="rId19"/>
   </p:notesMasterIdLst>
   <p:handoutMasterIdLst>
-    <p:handoutMasterId r:id="rId21"/>
+    <p:handoutMasterId r:id="rId20"/>
   </p:handoutMasterIdLst>
   <p:sldIdLst>
     <p:sldId id="257" r:id="rId2"/>
@@ -16,19 +16,18 @@
     <p:sldId id="258" r:id="rId4"/>
     <p:sldId id="292" r:id="rId5"/>
     <p:sldId id="293" r:id="rId6"/>
-    <p:sldId id="294" r:id="rId7"/>
-    <p:sldId id="297" r:id="rId8"/>
+    <p:sldId id="297" r:id="rId7"/>
+    <p:sldId id="264" r:id="rId8"/>
     <p:sldId id="288" r:id="rId9"/>
-    <p:sldId id="264" r:id="rId10"/>
-    <p:sldId id="295" r:id="rId11"/>
-    <p:sldId id="299" r:id="rId12"/>
-    <p:sldId id="302" r:id="rId13"/>
-    <p:sldId id="300" r:id="rId14"/>
-    <p:sldId id="265" r:id="rId15"/>
-    <p:sldId id="303" r:id="rId16"/>
-    <p:sldId id="304" r:id="rId17"/>
-    <p:sldId id="305" r:id="rId18"/>
-    <p:sldId id="306" r:id="rId19"/>
+    <p:sldId id="295" r:id="rId10"/>
+    <p:sldId id="299" r:id="rId11"/>
+    <p:sldId id="302" r:id="rId12"/>
+    <p:sldId id="300" r:id="rId13"/>
+    <p:sldId id="265" r:id="rId14"/>
+    <p:sldId id="303" r:id="rId15"/>
+    <p:sldId id="304" r:id="rId16"/>
+    <p:sldId id="305" r:id="rId17"/>
+    <p:sldId id="306" r:id="rId18"/>
   </p:sldIdLst>
   <p:sldSz cx="12192000" cy="6858000"/>
   <p:notesSz cx="6858000" cy="9144000"/>
@@ -839,7 +838,7 @@
     </p:spTree>
     <p:extLst>
       <p:ext uri="{BB962C8B-B14F-4D97-AF65-F5344CB8AC3E}">
-        <p14:creationId xmlns:p14="http://schemas.microsoft.com/office/powerpoint/2010/main" val="3014117400"/>
+        <p14:creationId xmlns:p14="http://schemas.microsoft.com/office/powerpoint/2010/main" val="3860897270"/>
       </p:ext>
     </p:extLst>
   </p:cSld>
@@ -923,7 +922,7 @@
     </p:spTree>
     <p:extLst>
       <p:ext uri="{BB962C8B-B14F-4D97-AF65-F5344CB8AC3E}">
-        <p14:creationId xmlns:p14="http://schemas.microsoft.com/office/powerpoint/2010/main" val="3860897270"/>
+        <p14:creationId xmlns:p14="http://schemas.microsoft.com/office/powerpoint/2010/main" val="1928496244"/>
       </p:ext>
     </p:extLst>
   </p:cSld>
@@ -999,90 +998,6 @@
             <a:fld id="{9FB975F3-1C40-4D40-A7FE-36EEB7CAFC85}" type="slidenum">
               <a:rPr lang="zh-CN" altLang="en-US" smtClean="0"/>
               <a:t>17</a:t>
-            </a:fld>
-            <a:endParaRPr lang="zh-CN" altLang="en-US"/>
-          </a:p>
-        </p:txBody>
-      </p:sp>
-    </p:spTree>
-    <p:extLst>
-      <p:ext uri="{BB962C8B-B14F-4D97-AF65-F5344CB8AC3E}">
-        <p14:creationId xmlns:p14="http://schemas.microsoft.com/office/powerpoint/2010/main" val="1928496244"/>
-      </p:ext>
-    </p:extLst>
-  </p:cSld>
-  <p:clrMapOvr>
-    <a:masterClrMapping/>
-  </p:clrMapOvr>
-</p:notes>
-</file>
-
-<file path=ppt/notesSlides/notesSlide13.xml><?xml version="1.0" encoding="utf-8"?>
-<p:notes xmlns:a="http://schemas.openxmlformats.org/drawingml/2006/main" xmlns:r="http://schemas.openxmlformats.org/officeDocument/2006/relationships" xmlns:p="http://schemas.openxmlformats.org/presentationml/2006/main">
-  <p:cSld>
-    <p:spTree>
-      <p:nvGrpSpPr>
-        <p:cNvPr id="1" name=""/>
-        <p:cNvGrpSpPr/>
-        <p:nvPr/>
-      </p:nvGrpSpPr>
-      <p:grpSpPr>
-        <a:xfrm>
-          <a:off x="0" y="0"/>
-          <a:ext cx="0" cy="0"/>
-          <a:chOff x="0" y="0"/>
-          <a:chExt cx="0" cy="0"/>
-        </a:xfrm>
-      </p:grpSpPr>
-      <p:sp>
-        <p:nvSpPr>
-          <p:cNvPr id="2" name="幻灯片图像占位符 1"/>
-          <p:cNvSpPr>
-            <a:spLocks noGrp="1" noRot="1" noChangeAspect="1"/>
-          </p:cNvSpPr>
-          <p:nvPr>
-            <p:ph type="sldImg"/>
-          </p:nvPr>
-        </p:nvSpPr>
-        <p:spPr/>
-      </p:sp>
-      <p:sp>
-        <p:nvSpPr>
-          <p:cNvPr id="3" name="备注占位符 2"/>
-          <p:cNvSpPr>
-            <a:spLocks noGrp="1"/>
-          </p:cNvSpPr>
-          <p:nvPr>
-            <p:ph type="body" idx="1"/>
-          </p:nvPr>
-        </p:nvSpPr>
-        <p:spPr/>
-        <p:txBody>
-          <a:bodyPr/>
-          <a:lstStyle/>
-          <a:p>
-            <a:endParaRPr lang="zh-CN" altLang="en-US" dirty="0"/>
-          </a:p>
-        </p:txBody>
-      </p:sp>
-      <p:sp>
-        <p:nvSpPr>
-          <p:cNvPr id="4" name="灯片编号占位符 3"/>
-          <p:cNvSpPr>
-            <a:spLocks noGrp="1"/>
-          </p:cNvSpPr>
-          <p:nvPr>
-            <p:ph type="sldNum" sz="quarter" idx="10"/>
-          </p:nvPr>
-        </p:nvSpPr>
-        <p:spPr/>
-        <p:txBody>
-          <a:bodyPr/>
-          <a:lstStyle/>
-          <a:p>
-            <a:fld id="{9FB975F3-1C40-4D40-A7FE-36EEB7CAFC85}" type="slidenum">
-              <a:rPr lang="zh-CN" altLang="en-US" smtClean="0"/>
-              <a:t>18</a:t>
             </a:fld>
             <a:endParaRPr lang="zh-CN" altLang="en-US"/>
           </a:p>
@@ -1259,7 +1174,7 @@
     </p:spTree>
     <p:extLst>
       <p:ext uri="{BB962C8B-B14F-4D97-AF65-F5344CB8AC3E}">
-        <p14:creationId xmlns:p14="http://schemas.microsoft.com/office/powerpoint/2010/main" val="3820153201"/>
+        <p14:creationId xmlns:p14="http://schemas.microsoft.com/office/powerpoint/2010/main" val="314447112"/>
       </p:ext>
     </p:extLst>
   </p:cSld>
@@ -1334,7 +1249,7 @@
           <a:p>
             <a:fld id="{9FB975F3-1C40-4D40-A7FE-36EEB7CAFC85}" type="slidenum">
               <a:rPr lang="zh-CN" altLang="en-US" smtClean="0"/>
-              <a:t>7</a:t>
+              <a:t>8</a:t>
             </a:fld>
             <a:endParaRPr lang="zh-CN" altLang="en-US"/>
           </a:p>
@@ -1343,7 +1258,7 @@
     </p:spTree>
     <p:extLst>
       <p:ext uri="{BB962C8B-B14F-4D97-AF65-F5344CB8AC3E}">
-        <p14:creationId xmlns:p14="http://schemas.microsoft.com/office/powerpoint/2010/main" val="314447112"/>
+        <p14:creationId xmlns:p14="http://schemas.microsoft.com/office/powerpoint/2010/main" val="251414515"/>
       </p:ext>
     </p:extLst>
   </p:cSld>
@@ -1418,7 +1333,7 @@
           <a:p>
             <a:fld id="{9FB975F3-1C40-4D40-A7FE-36EEB7CAFC85}" type="slidenum">
               <a:rPr lang="zh-CN" altLang="en-US" smtClean="0"/>
-              <a:t>8</a:t>
+              <a:t>9</a:t>
             </a:fld>
             <a:endParaRPr lang="zh-CN" altLang="en-US"/>
           </a:p>
@@ -1427,7 +1342,7 @@
     </p:spTree>
     <p:extLst>
       <p:ext uri="{BB962C8B-B14F-4D97-AF65-F5344CB8AC3E}">
-        <p14:creationId xmlns:p14="http://schemas.microsoft.com/office/powerpoint/2010/main" val="251414515"/>
+        <p14:creationId xmlns:p14="http://schemas.microsoft.com/office/powerpoint/2010/main" val="1476944173"/>
       </p:ext>
     </p:extLst>
   </p:cSld>
@@ -1511,7 +1426,7 @@
     </p:spTree>
     <p:extLst>
       <p:ext uri="{BB962C8B-B14F-4D97-AF65-F5344CB8AC3E}">
-        <p14:creationId xmlns:p14="http://schemas.microsoft.com/office/powerpoint/2010/main" val="1476944173"/>
+        <p14:creationId xmlns:p14="http://schemas.microsoft.com/office/powerpoint/2010/main" val="467974563"/>
       </p:ext>
     </p:extLst>
   </p:cSld>
@@ -1595,7 +1510,7 @@
     </p:spTree>
     <p:extLst>
       <p:ext uri="{BB962C8B-B14F-4D97-AF65-F5344CB8AC3E}">
-        <p14:creationId xmlns:p14="http://schemas.microsoft.com/office/powerpoint/2010/main" val="467974563"/>
+        <p14:creationId xmlns:p14="http://schemas.microsoft.com/office/powerpoint/2010/main" val="1254337709"/>
       </p:ext>
     </p:extLst>
   </p:cSld>
@@ -1679,7 +1594,7 @@
     </p:spTree>
     <p:extLst>
       <p:ext uri="{BB962C8B-B14F-4D97-AF65-F5344CB8AC3E}">
-        <p14:creationId xmlns:p14="http://schemas.microsoft.com/office/powerpoint/2010/main" val="1254337709"/>
+        <p14:creationId xmlns:p14="http://schemas.microsoft.com/office/powerpoint/2010/main" val="1840762838"/>
       </p:ext>
     </p:extLst>
   </p:cSld>
@@ -1754,7 +1669,7 @@
           <a:p>
             <a:fld id="{9FB975F3-1C40-4D40-A7FE-36EEB7CAFC85}" type="slidenum">
               <a:rPr lang="zh-CN" altLang="en-US" smtClean="0"/>
-              <a:t>13</a:t>
+              <a:t>14</a:t>
             </a:fld>
             <a:endParaRPr lang="zh-CN" altLang="en-US"/>
           </a:p>
@@ -1763,7 +1678,7 @@
     </p:spTree>
     <p:extLst>
       <p:ext uri="{BB962C8B-B14F-4D97-AF65-F5344CB8AC3E}">
-        <p14:creationId xmlns:p14="http://schemas.microsoft.com/office/powerpoint/2010/main" val="1840762838"/>
+        <p14:creationId xmlns:p14="http://schemas.microsoft.com/office/powerpoint/2010/main" val="3014117400"/>
       </p:ext>
     </p:extLst>
   </p:cSld>
@@ -2732,42 +2647,6 @@
           </a:fontRef>
         </p:style>
       </p:cxnSp>
-      <p:pic>
-        <p:nvPicPr>
-          <p:cNvPr id="7" name="图片 6">
-            <a:extLst>
-              <a:ext uri="{FF2B5EF4-FFF2-40B4-BE49-F238E27FC236}">
-                <a16:creationId xmlns:a16="http://schemas.microsoft.com/office/drawing/2014/main" id="{A5DFFA0F-C362-4DDB-B20F-B4AC0FAE5869}"/>
-              </a:ext>
-            </a:extLst>
-          </p:cNvPr>
-          <p:cNvPicPr>
-            <a:picLocks noChangeAspect="1"/>
-          </p:cNvPicPr>
-          <p:nvPr userDrawn="1"/>
-        </p:nvPicPr>
-        <p:blipFill>
-          <a:blip r:embed="rId2">
-            <a:extLst>
-              <a:ext uri="{28A0092B-C50C-407E-A947-70E740481C1C}">
-                <a14:useLocalDpi xmlns:a14="http://schemas.microsoft.com/office/drawing/2010/main" val="0"/>
-              </a:ext>
-            </a:extLst>
-          </a:blip>
-          <a:stretch>
-            <a:fillRect/>
-          </a:stretch>
-        </p:blipFill>
-        <p:spPr>
-          <a:xfrm>
-            <a:off x="8910551" y="51748"/>
-            <a:ext cx="508238" cy="470310"/>
-          </a:xfrm>
-          <a:prstGeom prst="rect">
-            <a:avLst/>
-          </a:prstGeom>
-        </p:spPr>
-      </p:pic>
     </p:spTree>
     <p:extLst>
       <p:ext uri="{BB962C8B-B14F-4D97-AF65-F5344CB8AC3E}">
@@ -4116,42 +3995,6 @@
           </a:p>
         </p:txBody>
       </p:sp>
-      <p:pic>
-        <p:nvPicPr>
-          <p:cNvPr id="6" name="图片 5">
-            <a:extLst>
-              <a:ext uri="{FF2B5EF4-FFF2-40B4-BE49-F238E27FC236}">
-                <a16:creationId xmlns:a16="http://schemas.microsoft.com/office/drawing/2014/main" id="{3AC9A0EB-363F-435B-B631-0C09457A3E95}"/>
-              </a:ext>
-            </a:extLst>
-          </p:cNvPr>
-          <p:cNvPicPr>
-            <a:picLocks noChangeAspect="1"/>
-          </p:cNvPicPr>
-          <p:nvPr userDrawn="1"/>
-        </p:nvPicPr>
-        <p:blipFill>
-          <a:blip r:embed="rId2">
-            <a:extLst>
-              <a:ext uri="{28A0092B-C50C-407E-A947-70E740481C1C}">
-                <a14:useLocalDpi xmlns:a14="http://schemas.microsoft.com/office/drawing/2010/main" val="0"/>
-              </a:ext>
-            </a:extLst>
-          </a:blip>
-          <a:stretch>
-            <a:fillRect/>
-          </a:stretch>
-        </p:blipFill>
-        <p:spPr>
-          <a:xfrm>
-            <a:off x="8908127" y="67194"/>
-            <a:ext cx="510540" cy="472440"/>
-          </a:xfrm>
-          <a:prstGeom prst="rect">
-            <a:avLst/>
-          </a:prstGeom>
-        </p:spPr>
-      </p:pic>
     </p:spTree>
     <p:extLst>
       <p:ext uri="{BB962C8B-B14F-4D97-AF65-F5344CB8AC3E}">
@@ -5328,7 +5171,7 @@
         <p:spPr>
           <a:xfrm>
             <a:off x="672483" y="1012055"/>
-            <a:ext cx="10847034" cy="5170646"/>
+            <a:ext cx="10847034" cy="4893647"/>
           </a:xfrm>
           <a:prstGeom prst="rect">
             <a:avLst/>
@@ -5343,16 +5186,25 @@
           <a:p>
             <a:r>
               <a:rPr lang="en-US" altLang="zh-CN" sz="3200" dirty="0"/>
+              <a:t>Linux</a:t>
+            </a:r>
+            <a:r>
+              <a:rPr lang="zh-CN" altLang="en-US" sz="3200" dirty="0"/>
+              <a:t>平台</a:t>
+            </a:r>
+            <a:r>
+              <a:rPr lang="en-US" altLang="zh-CN" sz="3200" dirty="0"/>
               <a:t>PHP</a:t>
             </a:r>
             <a:r>
-              <a:rPr lang="zh-CN" altLang="en-US" sz="3200" dirty="0"/>
-              <a:t>底层开发 </a:t>
-            </a:r>
-            <a:r>
-              <a:rPr lang="en-US" altLang="zh-CN" sz="3200" dirty="0"/>
+              <a:rPr lang="zh-CN" altLang="en-US" sz="3200"/>
+              <a:t>服务端开发</a:t>
+            </a:r>
+            <a:r>
+              <a:rPr lang="en-US" altLang="zh-CN" sz="3200"/>
               <a:t>——</a:t>
             </a:r>
+            <a:endParaRPr lang="en-US" altLang="zh-CN" sz="3200" dirty="0"/>
           </a:p>
           <a:p>
             <a:endParaRPr lang="en-US" altLang="zh-CN" dirty="0"/>
@@ -5367,74 +5219,24 @@
             <a:endParaRPr lang="en-US" altLang="zh-CN" dirty="0"/>
           </a:p>
           <a:p>
+            <a:endParaRPr lang="en-US" altLang="zh-CN" dirty="0"/>
+          </a:p>
+          <a:p>
+            <a:endParaRPr lang="en-US" altLang="zh-CN" dirty="0"/>
+          </a:p>
+          <a:p>
+            <a:endParaRPr lang="en-US" altLang="zh-CN" dirty="0"/>
+          </a:p>
+          <a:p>
             <a:pPr algn="ctr"/>
-            <a:r>
-              <a:rPr lang="en-US" altLang="zh-CN" dirty="0">
-                <a:solidFill>
-                  <a:schemeClr val="tx1">
-                    <a:lumMod val="50000"/>
-                    <a:lumOff val="50000"/>
-                  </a:schemeClr>
-                </a:solidFill>
-              </a:rPr>
-              <a:t>1  0  0  1</a:t>
-            </a:r>
-          </a:p>
-          <a:p>
-            <a:pPr algn="ctr"/>
-            <a:r>
-              <a:rPr lang="en-US" altLang="zh-CN" dirty="0">
-                <a:solidFill>
-                  <a:schemeClr val="tx1">
-                    <a:lumMod val="50000"/>
-                    <a:lumOff val="50000"/>
-                  </a:schemeClr>
-                </a:solidFill>
-              </a:rPr>
-              <a:t>0  1  1  0</a:t>
-            </a:r>
-          </a:p>
-          <a:p>
-            <a:pPr algn="ctr"/>
-            <a:r>
-              <a:rPr lang="en-US" altLang="zh-CN" dirty="0">
-                <a:solidFill>
-                  <a:schemeClr val="tx1">
-                    <a:lumMod val="50000"/>
-                    <a:lumOff val="50000"/>
-                  </a:schemeClr>
-                </a:solidFill>
-              </a:rPr>
-              <a:t>1  0  0  1</a:t>
-            </a:r>
-          </a:p>
-          <a:p>
-            <a:pPr algn="ctr"/>
-            <a:r>
-              <a:rPr lang="en-US" altLang="zh-CN" dirty="0">
-                <a:solidFill>
-                  <a:schemeClr val="tx1">
-                    <a:lumMod val="50000"/>
-                    <a:lumOff val="50000"/>
-                  </a:schemeClr>
-                </a:solidFill>
-              </a:rPr>
-              <a:t>0  1  1  0</a:t>
-            </a:r>
-          </a:p>
-          <a:p>
-            <a:pPr algn="ctr"/>
-            <a:r>
-              <a:rPr lang="en-US" altLang="zh-CN" dirty="0">
-                <a:solidFill>
-                  <a:schemeClr val="tx1">
-                    <a:lumMod val="50000"/>
-                    <a:lumOff val="50000"/>
-                  </a:schemeClr>
-                </a:solidFill>
-              </a:rPr>
-              <a:t>1  0  0  1</a:t>
-            </a:r>
+            <a:endParaRPr lang="en-US" altLang="zh-CN" dirty="0">
+              <a:solidFill>
+                <a:schemeClr val="tx1">
+                  <a:lumMod val="50000"/>
+                  <a:lumOff val="50000"/>
+                </a:schemeClr>
+              </a:solidFill>
+            </a:endParaRPr>
           </a:p>
           <a:p>
             <a:pPr algn="ctr"/>
@@ -5478,61 +5280,6 @@
           </a:p>
           <a:p>
             <a:endParaRPr lang="en-US" altLang="zh-CN" dirty="0"/>
-          </a:p>
-        </p:txBody>
-      </p:sp>
-      <p:sp>
-        <p:nvSpPr>
-          <p:cNvPr id="4" name="云形 3">
-            <a:extLst>
-              <a:ext uri="{FF2B5EF4-FFF2-40B4-BE49-F238E27FC236}">
-                <a16:creationId xmlns:a16="http://schemas.microsoft.com/office/drawing/2014/main" id="{FB93CA04-9A10-4FDC-B520-5825D0C2A77A}"/>
-              </a:ext>
-            </a:extLst>
-          </p:cNvPr>
-          <p:cNvSpPr/>
-          <p:nvPr/>
-        </p:nvSpPr>
-        <p:spPr>
-          <a:xfrm>
-            <a:off x="4685710" y="1632582"/>
-            <a:ext cx="2521259" cy="1020932"/>
-          </a:xfrm>
-          <a:prstGeom prst="cloud">
-            <a:avLst/>
-          </a:prstGeom>
-          <a:noFill/>
-          <a:ln>
-            <a:solidFill>
-              <a:schemeClr val="tx1">
-                <a:lumMod val="65000"/>
-                <a:lumOff val="35000"/>
-              </a:schemeClr>
-            </a:solidFill>
-          </a:ln>
-        </p:spPr>
-        <p:style>
-          <a:lnRef idx="2">
-            <a:schemeClr val="accent1">
-              <a:shade val="50000"/>
-            </a:schemeClr>
-          </a:lnRef>
-          <a:fillRef idx="1">
-            <a:schemeClr val="accent1"/>
-          </a:fillRef>
-          <a:effectRef idx="0">
-            <a:schemeClr val="accent1"/>
-          </a:effectRef>
-          <a:fontRef idx="minor">
-            <a:schemeClr val="lt1"/>
-          </a:fontRef>
-        </p:style>
-        <p:txBody>
-          <a:bodyPr rtlCol="0" anchor="ctr"/>
-          <a:lstStyle/>
-          <a:p>
-            <a:pPr algn="ctr"/>
-            <a:endParaRPr lang="zh-CN" altLang="en-US"/>
           </a:p>
         </p:txBody>
       </p:sp>
@@ -5594,292 +5341,6 @@
           <a:p>
             <a:r>
               <a:rPr lang="zh-CN" altLang="en-US" dirty="0"/>
-              <a:t>编译安装</a:t>
-            </a:r>
-            <a:r>
-              <a:rPr lang="en-US" altLang="zh-CN" dirty="0" err="1"/>
-              <a:t>Swoole</a:t>
-            </a:r>
-            <a:endParaRPr lang="zh-CN" altLang="en-US" dirty="0"/>
-          </a:p>
-        </p:txBody>
-      </p:sp>
-      <p:sp>
-        <p:nvSpPr>
-          <p:cNvPr id="6" name="内容占位符 5">
-            <a:extLst>
-              <a:ext uri="{FF2B5EF4-FFF2-40B4-BE49-F238E27FC236}">
-                <a16:creationId xmlns:a16="http://schemas.microsoft.com/office/drawing/2014/main" id="{B83E9AD4-C606-4679-B884-01F71CC97E44}"/>
-              </a:ext>
-            </a:extLst>
-          </p:cNvPr>
-          <p:cNvSpPr>
-            <a:spLocks noGrp="1"/>
-          </p:cNvSpPr>
-          <p:nvPr>
-            <p:ph idx="1"/>
-          </p:nvPr>
-        </p:nvSpPr>
-        <p:spPr>
-          <a:xfrm>
-            <a:off x="838200" y="1656500"/>
-            <a:ext cx="10515600" cy="4850832"/>
-          </a:xfrm>
-        </p:spPr>
-        <p:txBody>
-          <a:bodyPr>
-            <a:normAutofit/>
-          </a:bodyPr>
-          <a:lstStyle/>
-          <a:p>
-            <a:r>
-              <a:rPr lang="zh-CN" altLang="en-US" sz="2000" dirty="0"/>
-              <a:t>国内</a:t>
-            </a:r>
-            <a:r>
-              <a:rPr lang="en-US" altLang="zh-CN" sz="2000" dirty="0"/>
-              <a:t>git</a:t>
-            </a:r>
-            <a:r>
-              <a:rPr lang="zh-CN" altLang="en-US" sz="2000" dirty="0"/>
-              <a:t>镜像：</a:t>
-            </a:r>
-            <a:r>
-              <a:rPr lang="en-US" altLang="zh-CN" sz="2000" dirty="0">
-                <a:hlinkClick r:id="rId3"/>
-              </a:rPr>
-              <a:t>https://gitee.com/swoole/swoole</a:t>
-            </a:r>
-            <a:endParaRPr lang="en-US" altLang="zh-CN" sz="2000" dirty="0"/>
-          </a:p>
-          <a:p>
-            <a:r>
-              <a:rPr lang="zh-CN" altLang="en-US" sz="2000" dirty="0"/>
-              <a:t>安装：</a:t>
-            </a:r>
-            <a:endParaRPr lang="en-US" altLang="zh-CN" sz="2000" dirty="0"/>
-          </a:p>
-          <a:p>
-            <a:pPr marL="457200" lvl="1" indent="0">
-              <a:buNone/>
-            </a:pPr>
-            <a:r>
-              <a:rPr lang="zh-CN" altLang="en-US" sz="1600" dirty="0"/>
-              <a:t>下载</a:t>
-            </a:r>
-            <a:r>
-              <a:rPr lang="en-US" altLang="zh-CN" sz="1600" dirty="0" err="1"/>
-              <a:t>swoole</a:t>
-            </a:r>
-            <a:r>
-              <a:rPr lang="zh-CN" altLang="en-US" sz="1600" dirty="0"/>
-              <a:t>源代码后，使用</a:t>
-            </a:r>
-            <a:r>
-              <a:rPr lang="en-US" altLang="zh-CN" sz="1600" dirty="0"/>
-              <a:t>PHP</a:t>
-            </a:r>
-            <a:r>
-              <a:rPr lang="zh-CN" altLang="en-US" sz="1600" dirty="0"/>
-              <a:t>扩展编译的步骤操作即可。</a:t>
-            </a:r>
-            <a:endParaRPr lang="en-US" altLang="zh-CN" sz="1600" dirty="0"/>
-          </a:p>
-          <a:p>
-            <a:pPr marL="457200" lvl="1" indent="0">
-              <a:buNone/>
-            </a:pPr>
-            <a:r>
-              <a:rPr lang="en-US" altLang="zh-CN" sz="1600" dirty="0" err="1"/>
-              <a:t>phpize</a:t>
-            </a:r>
-            <a:endParaRPr lang="en-US" altLang="zh-CN" sz="1600" dirty="0"/>
-          </a:p>
-          <a:p>
-            <a:pPr marL="457200" lvl="1" indent="0">
-              <a:buNone/>
-            </a:pPr>
-            <a:r>
-              <a:rPr lang="en-US" altLang="zh-CN" sz="1600" dirty="0"/>
-              <a:t>./configure –with-</a:t>
-            </a:r>
-            <a:r>
-              <a:rPr lang="en-US" altLang="zh-CN" sz="1600" dirty="0" err="1"/>
-              <a:t>php</a:t>
-            </a:r>
-            <a:r>
-              <a:rPr lang="en-US" altLang="zh-CN" sz="1600" dirty="0"/>
-              <a:t>-config=PHP_INSTALL_DIR/bin/</a:t>
-            </a:r>
-            <a:r>
-              <a:rPr lang="en-US" altLang="zh-CN" sz="1600" dirty="0" err="1"/>
-              <a:t>php</a:t>
-            </a:r>
-            <a:r>
-              <a:rPr lang="en-US" altLang="zh-CN" sz="1600" dirty="0"/>
-              <a:t>-config</a:t>
-            </a:r>
-          </a:p>
-          <a:p>
-            <a:pPr marL="457200" lvl="1" indent="0">
-              <a:buNone/>
-            </a:pPr>
-            <a:r>
-              <a:rPr lang="en-US" altLang="zh-CN" sz="1600" dirty="0"/>
-              <a:t>make install</a:t>
-            </a:r>
-          </a:p>
-          <a:p>
-            <a:r>
-              <a:rPr lang="zh-CN" altLang="en-US" sz="2000" dirty="0"/>
-              <a:t>安装完成后，在</a:t>
-            </a:r>
-            <a:r>
-              <a:rPr lang="en-US" altLang="zh-CN" sz="2000" dirty="0"/>
-              <a:t>php.ini</a:t>
-            </a:r>
-            <a:r>
-              <a:rPr lang="zh-CN" altLang="en-US" sz="2000" dirty="0"/>
-              <a:t>中加入：</a:t>
-            </a:r>
-            <a:r>
-              <a:rPr lang="en-US" altLang="zh-CN" sz="2000" dirty="0"/>
-              <a:t>extension=swoole.so</a:t>
-            </a:r>
-            <a:r>
-              <a:rPr lang="zh-CN" altLang="en-US" sz="2000" dirty="0"/>
-              <a:t>；注意，在</a:t>
-            </a:r>
-            <a:r>
-              <a:rPr lang="en-US" altLang="zh-CN" sz="2000" dirty="0"/>
-              <a:t>PHP7.2</a:t>
-            </a:r>
-            <a:r>
-              <a:rPr lang="zh-CN" altLang="en-US" sz="2000" dirty="0"/>
-              <a:t>中，不需要加入</a:t>
-            </a:r>
-            <a:r>
-              <a:rPr lang="en-US" altLang="zh-CN" sz="2000" dirty="0"/>
-              <a:t>.so</a:t>
-            </a:r>
-          </a:p>
-          <a:p>
-            <a:r>
-              <a:rPr lang="zh-CN" altLang="en-US" sz="2000" dirty="0"/>
-              <a:t>使用</a:t>
-            </a:r>
-            <a:r>
-              <a:rPr lang="en-US" altLang="zh-CN" sz="2000" dirty="0" err="1"/>
-              <a:t>pecl</a:t>
-            </a:r>
-            <a:r>
-              <a:rPr lang="zh-CN" altLang="en-US" sz="2000" dirty="0"/>
-              <a:t>安装：</a:t>
-            </a:r>
-            <a:r>
-              <a:rPr lang="en-US" altLang="zh-CN" sz="2000" dirty="0" err="1"/>
-              <a:t>pecl</a:t>
-            </a:r>
-            <a:r>
-              <a:rPr lang="en-US" altLang="zh-CN" sz="2000" dirty="0"/>
-              <a:t>  install  </a:t>
-            </a:r>
-            <a:r>
-              <a:rPr lang="en-US" altLang="zh-CN" sz="2000" dirty="0" err="1"/>
-              <a:t>swoole</a:t>
-            </a:r>
-            <a:endParaRPr lang="en-US" altLang="zh-CN" sz="2000" dirty="0"/>
-          </a:p>
-          <a:p>
-            <a:r>
-              <a:rPr lang="zh-CN" altLang="en-US" sz="2000" dirty="0"/>
-              <a:t>然后重启</a:t>
-            </a:r>
-            <a:r>
-              <a:rPr lang="en-US" altLang="zh-CN" sz="2000" dirty="0"/>
-              <a:t>web</a:t>
-            </a:r>
-            <a:r>
-              <a:rPr lang="zh-CN" altLang="en-US" sz="2000" dirty="0"/>
-              <a:t>服务： </a:t>
-            </a:r>
-            <a:r>
-              <a:rPr lang="en-US" altLang="zh-CN" sz="2000" dirty="0" err="1"/>
-              <a:t>webrun</a:t>
-            </a:r>
-            <a:r>
-              <a:rPr lang="en-US" altLang="zh-CN" sz="2000" dirty="0"/>
-              <a:t>  restart</a:t>
-            </a:r>
-            <a:r>
-              <a:rPr lang="zh-CN" altLang="en-US" sz="2000" dirty="0"/>
-              <a:t>。</a:t>
-            </a:r>
-            <a:endParaRPr lang="en-US" altLang="zh-CN" sz="2000" dirty="0"/>
-          </a:p>
-          <a:p>
-            <a:endParaRPr lang="en-US" altLang="zh-CN" sz="2000" dirty="0"/>
-          </a:p>
-        </p:txBody>
-      </p:sp>
-    </p:spTree>
-    <p:extLst>
-      <p:ext uri="{BB962C8B-B14F-4D97-AF65-F5344CB8AC3E}">
-        <p14:creationId xmlns:p14="http://schemas.microsoft.com/office/powerpoint/2010/main" val="1284186908"/>
-      </p:ext>
-    </p:extLst>
-  </p:cSld>
-  <p:clrMapOvr>
-    <a:masterClrMapping/>
-  </p:clrMapOvr>
-</p:sld>
-</file>
-
-<file path=ppt/slides/slide11.xml><?xml version="1.0" encoding="utf-8"?>
-<p:sld xmlns:a="http://schemas.openxmlformats.org/drawingml/2006/main" xmlns:r="http://schemas.openxmlformats.org/officeDocument/2006/relationships" xmlns:p="http://schemas.openxmlformats.org/presentationml/2006/main">
-  <p:cSld>
-    <p:spTree>
-      <p:nvGrpSpPr>
-        <p:cNvPr id="1" name=""/>
-        <p:cNvGrpSpPr/>
-        <p:nvPr/>
-      </p:nvGrpSpPr>
-      <p:grpSpPr>
-        <a:xfrm>
-          <a:off x="0" y="0"/>
-          <a:ext cx="0" cy="0"/>
-          <a:chOff x="0" y="0"/>
-          <a:chExt cx="0" cy="0"/>
-        </a:xfrm>
-      </p:grpSpPr>
-      <p:sp>
-        <p:nvSpPr>
-          <p:cNvPr id="4" name="标题 3">
-            <a:extLst>
-              <a:ext uri="{FF2B5EF4-FFF2-40B4-BE49-F238E27FC236}">
-                <a16:creationId xmlns:a16="http://schemas.microsoft.com/office/drawing/2014/main" id="{2729939D-814A-4BD2-9922-3F8EA865938B}"/>
-              </a:ext>
-            </a:extLst>
-          </p:cNvPr>
-          <p:cNvSpPr>
-            <a:spLocks noGrp="1"/>
-          </p:cNvSpPr>
-          <p:nvPr>
-            <p:ph type="title"/>
-          </p:nvPr>
-        </p:nvSpPr>
-        <p:spPr>
-          <a:xfrm>
-            <a:off x="838200" y="683581"/>
-            <a:ext cx="10515600" cy="736846"/>
-          </a:xfrm>
-        </p:spPr>
-        <p:txBody>
-          <a:bodyPr/>
-          <a:lstStyle/>
-          <a:p>
-            <a:r>
-              <a:rPr lang="zh-CN" altLang="en-US" dirty="0"/>
               <a:t>代码示例</a:t>
             </a:r>
           </a:p>
@@ -5933,7 +5394,7 @@
 </p:sld>
 </file>
 
-<file path=ppt/slides/slide12.xml><?xml version="1.0" encoding="utf-8"?>
+<file path=ppt/slides/slide11.xml><?xml version="1.0" encoding="utf-8"?>
 <p:sld xmlns:a="http://schemas.openxmlformats.org/drawingml/2006/main" xmlns:r="http://schemas.openxmlformats.org/officeDocument/2006/relationships" xmlns:p="http://schemas.openxmlformats.org/presentationml/2006/main">
   <p:cSld>
     <p:spTree>
@@ -6735,6 +6196,220 @@
 </p:sld>
 </file>
 
+<file path=ppt/slides/slide12.xml><?xml version="1.0" encoding="utf-8"?>
+<p:sld xmlns:a="http://schemas.openxmlformats.org/drawingml/2006/main" xmlns:r="http://schemas.openxmlformats.org/officeDocument/2006/relationships" xmlns:p="http://schemas.openxmlformats.org/presentationml/2006/main">
+  <p:cSld>
+    <p:spTree>
+      <p:nvGrpSpPr>
+        <p:cNvPr id="1" name=""/>
+        <p:cNvGrpSpPr/>
+        <p:nvPr/>
+      </p:nvGrpSpPr>
+      <p:grpSpPr>
+        <a:xfrm>
+          <a:off x="0" y="0"/>
+          <a:ext cx="0" cy="0"/>
+          <a:chOff x="0" y="0"/>
+          <a:chExt cx="0" cy="0"/>
+        </a:xfrm>
+      </p:grpSpPr>
+      <p:sp>
+        <p:nvSpPr>
+          <p:cNvPr id="4" name="标题 3">
+            <a:extLst>
+              <a:ext uri="{FF2B5EF4-FFF2-40B4-BE49-F238E27FC236}">
+                <a16:creationId xmlns:a16="http://schemas.microsoft.com/office/drawing/2014/main" id="{2729939D-814A-4BD2-9922-3F8EA865938B}"/>
+              </a:ext>
+            </a:extLst>
+          </p:cNvPr>
+          <p:cNvSpPr>
+            <a:spLocks noGrp="1"/>
+          </p:cNvSpPr>
+          <p:nvPr>
+            <p:ph type="title"/>
+          </p:nvPr>
+        </p:nvSpPr>
+        <p:spPr>
+          <a:xfrm>
+            <a:off x="838200" y="683581"/>
+            <a:ext cx="10515600" cy="736846"/>
+          </a:xfrm>
+        </p:spPr>
+        <p:txBody>
+          <a:bodyPr/>
+          <a:lstStyle/>
+          <a:p>
+            <a:r>
+              <a:rPr lang="zh-CN" altLang="en-US" dirty="0"/>
+              <a:t>把</a:t>
+            </a:r>
+            <a:r>
+              <a:rPr lang="en-US" altLang="zh-CN" dirty="0" err="1"/>
+              <a:t>Swoole</a:t>
+            </a:r>
+            <a:r>
+              <a:rPr lang="zh-CN" altLang="en-US" dirty="0"/>
+              <a:t>程序变成守护进程</a:t>
+            </a:r>
+          </a:p>
+        </p:txBody>
+      </p:sp>
+      <p:sp>
+        <p:nvSpPr>
+          <p:cNvPr id="3" name="内容占位符 2">
+            <a:extLst>
+              <a:ext uri="{FF2B5EF4-FFF2-40B4-BE49-F238E27FC236}">
+                <a16:creationId xmlns:a16="http://schemas.microsoft.com/office/drawing/2014/main" id="{0AD66112-A95E-43A5-BEC1-800B737F8E8C}"/>
+              </a:ext>
+            </a:extLst>
+          </p:cNvPr>
+          <p:cNvSpPr>
+            <a:spLocks noGrp="1"/>
+          </p:cNvSpPr>
+          <p:nvPr>
+            <p:ph idx="1"/>
+          </p:nvPr>
+        </p:nvSpPr>
+        <p:spPr/>
+        <p:txBody>
+          <a:bodyPr>
+            <a:normAutofit/>
+          </a:bodyPr>
+          <a:lstStyle/>
+          <a:p>
+            <a:r>
+              <a:rPr lang="zh-CN" altLang="en-US" sz="2000" dirty="0"/>
+              <a:t>之前的演示代码是在终端直接执行，如果</a:t>
+            </a:r>
+            <a:r>
+              <a:rPr lang="en-US" altLang="zh-CN" sz="2000" dirty="0"/>
+              <a:t>shell</a:t>
+            </a:r>
+            <a:r>
+              <a:rPr lang="zh-CN" altLang="en-US" sz="2000" dirty="0"/>
+              <a:t>结束运行，则程序也退出。这时候需要把</a:t>
+            </a:r>
+            <a:r>
+              <a:rPr lang="en-US" altLang="zh-CN" sz="2000" dirty="0" err="1"/>
+              <a:t>Swoole</a:t>
+            </a:r>
+            <a:r>
+              <a:rPr lang="zh-CN" altLang="en-US" sz="2000" dirty="0"/>
+              <a:t>的程序变成守护进程。</a:t>
+            </a:r>
+            <a:endParaRPr lang="en-US" altLang="zh-CN" sz="2000" dirty="0"/>
+          </a:p>
+          <a:p>
+            <a:r>
+              <a:rPr lang="zh-CN" altLang="en-US" sz="2000" dirty="0"/>
+              <a:t>两种方式：</a:t>
+            </a:r>
+            <a:endParaRPr lang="en-US" altLang="zh-CN" sz="2000" dirty="0"/>
+          </a:p>
+          <a:p>
+            <a:pPr lvl="1"/>
+            <a:r>
+              <a:rPr lang="en-US" altLang="zh-CN" sz="1800" dirty="0"/>
+              <a:t>1.  </a:t>
+            </a:r>
+            <a:r>
+              <a:rPr lang="zh-CN" altLang="en-US" sz="1800" dirty="0"/>
+              <a:t>使用</a:t>
+            </a:r>
+            <a:r>
+              <a:rPr lang="en-US" altLang="zh-CN" sz="1800" dirty="0"/>
+              <a:t>PCNTL+POSIX</a:t>
+            </a:r>
+            <a:r>
+              <a:rPr lang="zh-CN" altLang="en-US" sz="1800" dirty="0"/>
+              <a:t>扩展编写守护进程的方式。</a:t>
+            </a:r>
+            <a:endParaRPr lang="en-US" altLang="zh-CN" sz="1800" dirty="0"/>
+          </a:p>
+          <a:p>
+            <a:pPr lvl="1"/>
+            <a:r>
+              <a:rPr lang="en-US" altLang="zh-CN" sz="1800" dirty="0"/>
+              <a:t>2.  </a:t>
+            </a:r>
+            <a:r>
+              <a:rPr lang="zh-CN" altLang="en-US" sz="1800" dirty="0"/>
+              <a:t>使用</a:t>
+            </a:r>
+            <a:r>
+              <a:rPr lang="en-US" altLang="zh-CN" sz="1800" dirty="0" err="1"/>
+              <a:t>Swoole</a:t>
+            </a:r>
+            <a:r>
+              <a:rPr lang="zh-CN" altLang="en-US" sz="1800" dirty="0"/>
+              <a:t>的配置选项：</a:t>
+            </a:r>
+            <a:endParaRPr lang="en-US" altLang="zh-CN" sz="1800" dirty="0"/>
+          </a:p>
+          <a:p>
+            <a:pPr marL="914400" lvl="2" indent="0">
+              <a:buNone/>
+            </a:pPr>
+            <a:r>
+              <a:rPr lang="en-US" altLang="zh-CN" sz="1600" dirty="0"/>
+              <a:t>$</a:t>
+            </a:r>
+            <a:r>
+              <a:rPr lang="en-US" altLang="zh-CN" sz="1600" dirty="0" err="1"/>
+              <a:t>sw_http_server</a:t>
+            </a:r>
+            <a:r>
+              <a:rPr lang="en-US" altLang="zh-CN" sz="1600" dirty="0"/>
+              <a:t>-&gt;set([</a:t>
+            </a:r>
+          </a:p>
+          <a:p>
+            <a:pPr marL="914400" lvl="2" indent="0">
+              <a:buNone/>
+            </a:pPr>
+            <a:r>
+              <a:rPr lang="en-US" altLang="zh-CN" sz="1600" dirty="0"/>
+              <a:t>        ‘</a:t>
+            </a:r>
+            <a:r>
+              <a:rPr lang="en-US" altLang="zh-CN" sz="1600" dirty="0" err="1"/>
+              <a:t>daemonize</a:t>
+            </a:r>
+            <a:r>
+              <a:rPr lang="en-US" altLang="zh-CN" sz="1600" dirty="0"/>
+              <a:t>’ =&gt; 1</a:t>
+            </a:r>
+          </a:p>
+          <a:p>
+            <a:pPr marL="914400" lvl="2" indent="0">
+              <a:buNone/>
+            </a:pPr>
+            <a:r>
+              <a:rPr lang="en-US" altLang="zh-CN" sz="1600" dirty="0"/>
+              <a:t>]);</a:t>
+            </a:r>
+          </a:p>
+          <a:p>
+            <a:r>
+              <a:rPr lang="zh-CN" altLang="en-US" sz="2000" dirty="0"/>
+              <a:t>完整代码参考示例文件。</a:t>
+            </a:r>
+          </a:p>
+        </p:txBody>
+      </p:sp>
+    </p:spTree>
+    <p:extLst>
+      <p:ext uri="{BB962C8B-B14F-4D97-AF65-F5344CB8AC3E}">
+        <p14:creationId xmlns:p14="http://schemas.microsoft.com/office/powerpoint/2010/main" val="1299681857"/>
+      </p:ext>
+    </p:extLst>
+  </p:cSld>
+  <p:clrMapOvr>
+    <a:masterClrMapping/>
+  </p:clrMapOvr>
+</p:sld>
+</file>
+
 <file path=ppt/slides/slide13.xml><?xml version="1.0" encoding="utf-8"?>
 <p:sld xmlns:a="http://schemas.openxmlformats.org/drawingml/2006/main" xmlns:r="http://schemas.openxmlformats.org/officeDocument/2006/relationships" xmlns:p="http://schemas.openxmlformats.org/presentationml/2006/main">
   <p:cSld>
@@ -6779,17 +6454,10 @@
           <a:lstStyle/>
           <a:p>
             <a:r>
-              <a:rPr lang="zh-CN" altLang="en-US" dirty="0"/>
-              <a:t>把</a:t>
-            </a:r>
-            <a:r>
-              <a:rPr lang="en-US" altLang="zh-CN" dirty="0" err="1"/>
-              <a:t>Swoole</a:t>
-            </a:r>
-            <a:r>
-              <a:rPr lang="zh-CN" altLang="en-US" dirty="0"/>
-              <a:t>程序变成守护进程</a:t>
-            </a:r>
+              <a:rPr lang="en-US" altLang="zh-CN" dirty="0"/>
+              <a:t>3</a:t>
+            </a:r>
+            <a:endParaRPr lang="zh-CN" altLang="en-US" dirty="0"/>
           </a:p>
         </p:txBody>
       </p:sp>
@@ -6798,7 +6466,7 @@
           <p:cNvPr id="3" name="内容占位符 2">
             <a:extLst>
               <a:ext uri="{FF2B5EF4-FFF2-40B4-BE49-F238E27FC236}">
-                <a16:creationId xmlns:a16="http://schemas.microsoft.com/office/drawing/2014/main" id="{0AD66112-A95E-43A5-BEC1-800B737F8E8C}"/>
+                <a16:creationId xmlns:a16="http://schemas.microsoft.com/office/drawing/2014/main" id="{ED7249CC-3D11-4FF8-8CF2-30C36502BA8B}"/>
               </a:ext>
             </a:extLst>
           </p:cNvPr>
@@ -6811,127 +6479,79 @@
         </p:nvSpPr>
         <p:spPr/>
         <p:txBody>
-          <a:bodyPr>
-            <a:normAutofit/>
-          </a:bodyPr>
-          <a:lstStyle/>
-          <a:p>
-            <a:r>
-              <a:rPr lang="zh-CN" altLang="en-US" sz="2000" dirty="0"/>
-              <a:t>之前的演示代码是在终端直接执行，如果</a:t>
-            </a:r>
-            <a:r>
-              <a:rPr lang="en-US" altLang="zh-CN" sz="2000" dirty="0"/>
-              <a:t>shell</a:t>
-            </a:r>
-            <a:r>
-              <a:rPr lang="zh-CN" altLang="en-US" sz="2000" dirty="0"/>
-              <a:t>结束运行，则程序也退出。这时候需要把</a:t>
-            </a:r>
-            <a:r>
-              <a:rPr lang="en-US" altLang="zh-CN" sz="2000" dirty="0" err="1"/>
-              <a:t>Swoole</a:t>
-            </a:r>
-            <a:r>
-              <a:rPr lang="zh-CN" altLang="en-US" sz="2000" dirty="0"/>
-              <a:t>的程序变成守护进程。</a:t>
-            </a:r>
-            <a:endParaRPr lang="en-US" altLang="zh-CN" sz="2000" dirty="0"/>
-          </a:p>
-          <a:p>
-            <a:r>
-              <a:rPr lang="zh-CN" altLang="en-US" sz="2000" dirty="0"/>
-              <a:t>两种方式：</a:t>
-            </a:r>
-            <a:endParaRPr lang="en-US" altLang="zh-CN" sz="2000" dirty="0"/>
-          </a:p>
-          <a:p>
-            <a:pPr lvl="1"/>
-            <a:r>
-              <a:rPr lang="en-US" altLang="zh-CN" sz="1800" dirty="0"/>
-              <a:t>1.  </a:t>
-            </a:r>
-            <a:r>
-              <a:rPr lang="zh-CN" altLang="en-US" sz="1800" dirty="0"/>
-              <a:t>使用</a:t>
-            </a:r>
-            <a:r>
-              <a:rPr lang="en-US" altLang="zh-CN" sz="1800" dirty="0"/>
-              <a:t>PCNTL+POSIX</a:t>
-            </a:r>
-            <a:r>
-              <a:rPr lang="zh-CN" altLang="en-US" sz="1800" dirty="0"/>
-              <a:t>扩展编写守护进程的方式。</a:t>
-            </a:r>
-            <a:endParaRPr lang="en-US" altLang="zh-CN" sz="1800" dirty="0"/>
-          </a:p>
-          <a:p>
-            <a:pPr lvl="1"/>
-            <a:r>
-              <a:rPr lang="en-US" altLang="zh-CN" sz="1800" dirty="0"/>
-              <a:t>2.  </a:t>
-            </a:r>
-            <a:r>
-              <a:rPr lang="zh-CN" altLang="en-US" sz="1800" dirty="0"/>
-              <a:t>使用</a:t>
-            </a:r>
-            <a:r>
-              <a:rPr lang="en-US" altLang="zh-CN" sz="1800" dirty="0" err="1"/>
-              <a:t>Swoole</a:t>
-            </a:r>
-            <a:r>
-              <a:rPr lang="zh-CN" altLang="en-US" sz="1800" dirty="0"/>
-              <a:t>的配置选项：</a:t>
-            </a:r>
-            <a:endParaRPr lang="en-US" altLang="zh-CN" sz="1800" dirty="0"/>
-          </a:p>
-          <a:p>
-            <a:pPr marL="914400" lvl="2" indent="0">
+          <a:bodyPr/>
+          <a:lstStyle/>
+          <a:p>
+            <a:pPr marL="0" indent="0" algn="ctr">
               <a:buNone/>
             </a:pPr>
-            <a:r>
-              <a:rPr lang="en-US" altLang="zh-CN" sz="1600" dirty="0"/>
-              <a:t>$</a:t>
-            </a:r>
-            <a:r>
-              <a:rPr lang="en-US" altLang="zh-CN" sz="1600" dirty="0" err="1"/>
-              <a:t>sw_http_server</a:t>
-            </a:r>
-            <a:r>
-              <a:rPr lang="en-US" altLang="zh-CN" sz="1600" dirty="0"/>
-              <a:t>-&gt;set([</a:t>
-            </a:r>
-          </a:p>
-          <a:p>
-            <a:pPr marL="914400" lvl="2" indent="0">
+            <a:endParaRPr lang="en-US" altLang="zh-CN" dirty="0">
+              <a:solidFill>
+                <a:schemeClr val="accent1">
+                  <a:lumMod val="75000"/>
+                </a:schemeClr>
+              </a:solidFill>
+            </a:endParaRPr>
+          </a:p>
+          <a:p>
+            <a:pPr marL="0" indent="0" algn="ctr">
               <a:buNone/>
             </a:pPr>
-            <a:r>
-              <a:rPr lang="en-US" altLang="zh-CN" sz="1600" dirty="0"/>
-              <a:t>        ‘</a:t>
-            </a:r>
-            <a:r>
-              <a:rPr lang="en-US" altLang="zh-CN" sz="1600" dirty="0" err="1"/>
-              <a:t>daemonize</a:t>
-            </a:r>
-            <a:r>
-              <a:rPr lang="en-US" altLang="zh-CN" sz="1600" dirty="0"/>
-              <a:t>’ =&gt; 1</a:t>
-            </a:r>
-          </a:p>
-          <a:p>
-            <a:pPr marL="914400" lvl="2" indent="0">
+            <a:endParaRPr lang="en-US" altLang="zh-CN" dirty="0">
+              <a:solidFill>
+                <a:schemeClr val="accent1">
+                  <a:lumMod val="75000"/>
+                </a:schemeClr>
+              </a:solidFill>
+            </a:endParaRPr>
+          </a:p>
+          <a:p>
+            <a:pPr marL="0" indent="0" algn="ctr">
               <a:buNone/>
             </a:pPr>
-            <a:r>
-              <a:rPr lang="en-US" altLang="zh-CN" sz="1600" dirty="0"/>
-              <a:t>]);</a:t>
-            </a:r>
-          </a:p>
-          <a:p>
-            <a:r>
-              <a:rPr lang="zh-CN" altLang="en-US" sz="2000" dirty="0"/>
-              <a:t>完整代码参考示例文件。</a:t>
+            <a:endParaRPr lang="en-US" altLang="zh-CN" dirty="0">
+              <a:solidFill>
+                <a:schemeClr val="accent1">
+                  <a:lumMod val="75000"/>
+                </a:schemeClr>
+              </a:solidFill>
+            </a:endParaRPr>
+          </a:p>
+          <a:p>
+            <a:pPr marL="0" indent="0" algn="ctr">
+              <a:buNone/>
+            </a:pPr>
+            <a:endParaRPr lang="en-US" altLang="zh-CN" dirty="0">
+              <a:solidFill>
+                <a:schemeClr val="accent1">
+                  <a:lumMod val="75000"/>
+                </a:schemeClr>
+              </a:solidFill>
+            </a:endParaRPr>
+          </a:p>
+          <a:p>
+            <a:pPr marL="0" indent="0" algn="ctr">
+              <a:buNone/>
+            </a:pPr>
+            <a:r>
+              <a:rPr lang="en-US" altLang="zh-CN" sz="3200" dirty="0" err="1">
+                <a:solidFill>
+                  <a:schemeClr val="accent1">
+                    <a:lumMod val="75000"/>
+                  </a:schemeClr>
+                </a:solidFill>
+              </a:rPr>
+              <a:t>Swoole</a:t>
+            </a:r>
+            <a:r>
+              <a:rPr lang="zh-CN" altLang="en-US" sz="3200" dirty="0">
+                <a:solidFill>
+                  <a:schemeClr val="accent1">
+                    <a:lumMod val="75000"/>
+                  </a:schemeClr>
+                </a:solidFill>
+              </a:rPr>
+              <a:t>静态文件服务器</a:t>
             </a:r>
           </a:p>
         </p:txBody>
@@ -6939,7 +6559,7 @@
     </p:spTree>
     <p:extLst>
       <p:ext uri="{BB962C8B-B14F-4D97-AF65-F5344CB8AC3E}">
-        <p14:creationId xmlns:p14="http://schemas.microsoft.com/office/powerpoint/2010/main" val="1299681857"/>
+        <p14:creationId xmlns:p14="http://schemas.microsoft.com/office/powerpoint/2010/main" val="1908713046"/>
       </p:ext>
     </p:extLst>
   </p:cSld>
@@ -6989,23 +6609,24 @@
           </a:xfrm>
         </p:spPr>
         <p:txBody>
-          <a:bodyPr/>
-          <a:lstStyle/>
-          <a:p>
-            <a:r>
-              <a:rPr lang="en-US" altLang="zh-CN" dirty="0"/>
-              <a:t>3</a:t>
-            </a:r>
-            <a:endParaRPr lang="zh-CN" altLang="en-US" dirty="0"/>
-          </a:p>
-        </p:txBody>
-      </p:sp>
-      <p:sp>
-        <p:nvSpPr>
-          <p:cNvPr id="3" name="内容占位符 2">
+          <a:bodyPr>
+            <a:normAutofit/>
+          </a:bodyPr>
+          <a:lstStyle/>
+          <a:p>
+            <a:r>
+              <a:rPr lang="zh-CN" altLang="en-US" dirty="0"/>
+              <a:t>静态文件服务器</a:t>
+            </a:r>
+          </a:p>
+        </p:txBody>
+      </p:sp>
+      <p:sp>
+        <p:nvSpPr>
+          <p:cNvPr id="6" name="内容占位符 5">
             <a:extLst>
               <a:ext uri="{FF2B5EF4-FFF2-40B4-BE49-F238E27FC236}">
-                <a16:creationId xmlns:a16="http://schemas.microsoft.com/office/drawing/2014/main" id="{ED7249CC-3D11-4FF8-8CF2-30C36502BA8B}"/>
+                <a16:creationId xmlns:a16="http://schemas.microsoft.com/office/drawing/2014/main" id="{B83E9AD4-C606-4679-B884-01F71CC97E44}"/>
               </a:ext>
             </a:extLst>
           </p:cNvPr>
@@ -7016,89 +6637,53 @@
             <p:ph idx="1"/>
           </p:nvPr>
         </p:nvSpPr>
-        <p:spPr/>
-        <p:txBody>
-          <a:bodyPr/>
-          <a:lstStyle/>
-          <a:p>
-            <a:pPr marL="0" indent="0" algn="ctr">
-              <a:buNone/>
-            </a:pPr>
-            <a:endParaRPr lang="en-US" altLang="zh-CN" dirty="0">
-              <a:solidFill>
-                <a:schemeClr val="accent1">
-                  <a:lumMod val="75000"/>
-                </a:schemeClr>
-              </a:solidFill>
-            </a:endParaRPr>
-          </a:p>
-          <a:p>
-            <a:pPr marL="0" indent="0" algn="ctr">
-              <a:buNone/>
-            </a:pPr>
-            <a:endParaRPr lang="en-US" altLang="zh-CN" dirty="0">
-              <a:solidFill>
-                <a:schemeClr val="accent1">
-                  <a:lumMod val="75000"/>
-                </a:schemeClr>
-              </a:solidFill>
-            </a:endParaRPr>
-          </a:p>
-          <a:p>
-            <a:pPr marL="0" indent="0" algn="ctr">
-              <a:buNone/>
-            </a:pPr>
-            <a:endParaRPr lang="en-US" altLang="zh-CN" dirty="0">
-              <a:solidFill>
-                <a:schemeClr val="accent1">
-                  <a:lumMod val="75000"/>
-                </a:schemeClr>
-              </a:solidFill>
-            </a:endParaRPr>
-          </a:p>
-          <a:p>
-            <a:pPr marL="0" indent="0" algn="ctr">
-              <a:buNone/>
-            </a:pPr>
-            <a:endParaRPr lang="en-US" altLang="zh-CN" dirty="0">
-              <a:solidFill>
-                <a:schemeClr val="accent1">
-                  <a:lumMod val="75000"/>
-                </a:schemeClr>
-              </a:solidFill>
-            </a:endParaRPr>
-          </a:p>
-          <a:p>
-            <a:pPr marL="0" indent="0" algn="ctr">
-              <a:buNone/>
-            </a:pPr>
-            <a:r>
-              <a:rPr lang="en-US" altLang="zh-CN" sz="3200" dirty="0" err="1">
-                <a:solidFill>
-                  <a:schemeClr val="accent1">
-                    <a:lumMod val="75000"/>
-                  </a:schemeClr>
-                </a:solidFill>
-              </a:rPr>
-              <a:t>Swoole</a:t>
-            </a:r>
-            <a:r>
-              <a:rPr lang="zh-CN" altLang="en-US" sz="3200" dirty="0">
-                <a:solidFill>
-                  <a:schemeClr val="accent1">
-                    <a:lumMod val="75000"/>
-                  </a:schemeClr>
-                </a:solidFill>
-              </a:rPr>
-              <a:t>静态文件服务器</a:t>
-            </a:r>
+        <p:spPr>
+          <a:xfrm>
+            <a:off x="838200" y="1656500"/>
+            <a:ext cx="10515600" cy="4850832"/>
+          </a:xfrm>
+        </p:spPr>
+        <p:txBody>
+          <a:bodyPr>
+            <a:normAutofit/>
+          </a:bodyPr>
+          <a:lstStyle/>
+          <a:p>
+            <a:r>
+              <a:rPr lang="zh-CN" altLang="en-US" sz="2000" dirty="0"/>
+              <a:t>返回静态文件，不做动态处理。</a:t>
+            </a:r>
+            <a:endParaRPr lang="en-US" altLang="zh-CN" sz="2000" dirty="0"/>
+          </a:p>
+          <a:p>
+            <a:endParaRPr lang="en-US" altLang="zh-CN" sz="2000" dirty="0"/>
+          </a:p>
+          <a:p>
+            <a:r>
+              <a:rPr lang="zh-CN" altLang="en-US" sz="2000" dirty="0"/>
+              <a:t>可用于静态网站。</a:t>
+            </a:r>
+            <a:endParaRPr lang="en-US" altLang="zh-CN" sz="2000" dirty="0"/>
+          </a:p>
+          <a:p>
+            <a:endParaRPr lang="en-US" altLang="zh-CN" sz="2000" dirty="0"/>
+          </a:p>
+          <a:p>
+            <a:r>
+              <a:rPr lang="zh-CN" altLang="en-US" sz="2000" dirty="0"/>
+              <a:t>大规模网站，会单独有一个静态文件分发服务器。对于变动不频繁的页面部署在一个单独的服务上，减轻整体系统的负载压力。</a:t>
+            </a:r>
+            <a:endParaRPr lang="en-US" altLang="zh-CN" sz="2000" dirty="0"/>
+          </a:p>
+          <a:p>
+            <a:endParaRPr lang="en-US" altLang="zh-CN" sz="2000" dirty="0"/>
           </a:p>
         </p:txBody>
       </p:sp>
     </p:spTree>
     <p:extLst>
       <p:ext uri="{BB962C8B-B14F-4D97-AF65-F5344CB8AC3E}">
-        <p14:creationId xmlns:p14="http://schemas.microsoft.com/office/powerpoint/2010/main" val="1908713046"/>
+        <p14:creationId xmlns:p14="http://schemas.microsoft.com/office/powerpoint/2010/main" val="1857825616"/>
       </p:ext>
     </p:extLst>
   </p:cSld>
@@ -7148,130 +6733,6 @@
           </a:xfrm>
         </p:spPr>
         <p:txBody>
-          <a:bodyPr>
-            <a:normAutofit/>
-          </a:bodyPr>
-          <a:lstStyle/>
-          <a:p>
-            <a:r>
-              <a:rPr lang="zh-CN" altLang="en-US" dirty="0"/>
-              <a:t>静态文件服务器</a:t>
-            </a:r>
-          </a:p>
-        </p:txBody>
-      </p:sp>
-      <p:sp>
-        <p:nvSpPr>
-          <p:cNvPr id="6" name="内容占位符 5">
-            <a:extLst>
-              <a:ext uri="{FF2B5EF4-FFF2-40B4-BE49-F238E27FC236}">
-                <a16:creationId xmlns:a16="http://schemas.microsoft.com/office/drawing/2014/main" id="{B83E9AD4-C606-4679-B884-01F71CC97E44}"/>
-              </a:ext>
-            </a:extLst>
-          </p:cNvPr>
-          <p:cNvSpPr>
-            <a:spLocks noGrp="1"/>
-          </p:cNvSpPr>
-          <p:nvPr>
-            <p:ph idx="1"/>
-          </p:nvPr>
-        </p:nvSpPr>
-        <p:spPr>
-          <a:xfrm>
-            <a:off x="838200" y="1656500"/>
-            <a:ext cx="10515600" cy="4850832"/>
-          </a:xfrm>
-        </p:spPr>
-        <p:txBody>
-          <a:bodyPr>
-            <a:normAutofit/>
-          </a:bodyPr>
-          <a:lstStyle/>
-          <a:p>
-            <a:r>
-              <a:rPr lang="zh-CN" altLang="en-US" sz="2000" dirty="0"/>
-              <a:t>返回静态文件，不做动态处理。</a:t>
-            </a:r>
-            <a:endParaRPr lang="en-US" altLang="zh-CN" sz="2000" dirty="0"/>
-          </a:p>
-          <a:p>
-            <a:endParaRPr lang="en-US" altLang="zh-CN" sz="2000" dirty="0"/>
-          </a:p>
-          <a:p>
-            <a:r>
-              <a:rPr lang="zh-CN" altLang="en-US" sz="2000" dirty="0"/>
-              <a:t>可用于静态网站。</a:t>
-            </a:r>
-            <a:endParaRPr lang="en-US" altLang="zh-CN" sz="2000" dirty="0"/>
-          </a:p>
-          <a:p>
-            <a:endParaRPr lang="en-US" altLang="zh-CN" sz="2000" dirty="0"/>
-          </a:p>
-          <a:p>
-            <a:r>
-              <a:rPr lang="zh-CN" altLang="en-US" sz="2000" dirty="0"/>
-              <a:t>大规模网站，会单独有一个静态文件分发服务器。对于变动不频繁的页面部署在一个单独的服务上，减轻整体系统的负载压力。</a:t>
-            </a:r>
-            <a:endParaRPr lang="en-US" altLang="zh-CN" sz="2000" dirty="0"/>
-          </a:p>
-          <a:p>
-            <a:endParaRPr lang="en-US" altLang="zh-CN" sz="2000" dirty="0"/>
-          </a:p>
-        </p:txBody>
-      </p:sp>
-    </p:spTree>
-    <p:extLst>
-      <p:ext uri="{BB962C8B-B14F-4D97-AF65-F5344CB8AC3E}">
-        <p14:creationId xmlns:p14="http://schemas.microsoft.com/office/powerpoint/2010/main" val="1857825616"/>
-      </p:ext>
-    </p:extLst>
-  </p:cSld>
-  <p:clrMapOvr>
-    <a:masterClrMapping/>
-  </p:clrMapOvr>
-</p:sld>
-</file>
-
-<file path=ppt/slides/slide16.xml><?xml version="1.0" encoding="utf-8"?>
-<p:sld xmlns:a="http://schemas.openxmlformats.org/drawingml/2006/main" xmlns:r="http://schemas.openxmlformats.org/officeDocument/2006/relationships" xmlns:p="http://schemas.openxmlformats.org/presentationml/2006/main">
-  <p:cSld>
-    <p:spTree>
-      <p:nvGrpSpPr>
-        <p:cNvPr id="1" name=""/>
-        <p:cNvGrpSpPr/>
-        <p:nvPr/>
-      </p:nvGrpSpPr>
-      <p:grpSpPr>
-        <a:xfrm>
-          <a:off x="0" y="0"/>
-          <a:ext cx="0" cy="0"/>
-          <a:chOff x="0" y="0"/>
-          <a:chExt cx="0" cy="0"/>
-        </a:xfrm>
-      </p:grpSpPr>
-      <p:sp>
-        <p:nvSpPr>
-          <p:cNvPr id="4" name="标题 3">
-            <a:extLst>
-              <a:ext uri="{FF2B5EF4-FFF2-40B4-BE49-F238E27FC236}">
-                <a16:creationId xmlns:a16="http://schemas.microsoft.com/office/drawing/2014/main" id="{2729939D-814A-4BD2-9922-3F8EA865938B}"/>
-              </a:ext>
-            </a:extLst>
-          </p:cNvPr>
-          <p:cNvSpPr>
-            <a:spLocks noGrp="1"/>
-          </p:cNvSpPr>
-          <p:nvPr>
-            <p:ph type="title"/>
-          </p:nvPr>
-        </p:nvSpPr>
-        <p:spPr>
-          <a:xfrm>
-            <a:off x="838200" y="683581"/>
-            <a:ext cx="10515600" cy="736846"/>
-          </a:xfrm>
-        </p:spPr>
-        <p:txBody>
           <a:bodyPr/>
           <a:lstStyle/>
           <a:p>
@@ -7606,7 +7067,7 @@
 </p:sld>
 </file>
 
-<file path=ppt/slides/slide17.xml><?xml version="1.0" encoding="utf-8"?>
+<file path=ppt/slides/slide16.xml><?xml version="1.0" encoding="utf-8"?>
 <p:sld xmlns:a="http://schemas.openxmlformats.org/drawingml/2006/main" xmlns:r="http://schemas.openxmlformats.org/officeDocument/2006/relationships" xmlns:p="http://schemas.openxmlformats.org/presentationml/2006/main">
   <p:cSld>
     <p:spTree>
@@ -7839,7 +7300,7 @@
 </p:sld>
 </file>
 
-<file path=ppt/slides/slide18.xml><?xml version="1.0" encoding="utf-8"?>
+<file path=ppt/slides/slide17.xml><?xml version="1.0" encoding="utf-8"?>
 <p:sld xmlns:a="http://schemas.openxmlformats.org/drawingml/2006/main" xmlns:r="http://schemas.openxmlformats.org/officeDocument/2006/relationships" xmlns:p="http://schemas.openxmlformats.org/presentationml/2006/main">
   <p:cSld>
     <p:spTree>
@@ -8613,6 +8074,30 @@
           </a:bodyPr>
           <a:lstStyle/>
           <a:p>
+            <a:r>
+              <a:rPr lang="zh-CN" altLang="en-US" sz="2000" dirty="0"/>
+              <a:t>以烧水为例：同步过程就是一直等待水烧开，沏到壶里。中间不做其他事情。</a:t>
+            </a:r>
+            <a:endParaRPr lang="en-US" altLang="zh-CN" sz="2000" dirty="0"/>
+          </a:p>
+          <a:p>
+            <a:endParaRPr lang="en-US" altLang="zh-CN" sz="2000" dirty="0"/>
+          </a:p>
+          <a:p>
+            <a:r>
+              <a:rPr lang="zh-CN" altLang="en-US" sz="2000" dirty="0"/>
+              <a:t>对于不需要即时返回结果的操作，同步过程加大了网络延迟，降低了网站整体的响应速度。</a:t>
+            </a:r>
+            <a:endParaRPr lang="en-US" altLang="zh-CN" sz="2000" dirty="0"/>
+          </a:p>
+          <a:p>
+            <a:endParaRPr lang="en-US" altLang="zh-CN" sz="2000" dirty="0"/>
+          </a:p>
+          <a:p>
+            <a:r>
+              <a:rPr lang="zh-CN" altLang="en-US" sz="2000" dirty="0"/>
+              <a:t>同步过程在很多任务上，效率很低。</a:t>
+            </a:r>
             <a:endParaRPr lang="en-US" altLang="zh-CN" sz="2000" dirty="0"/>
           </a:p>
         </p:txBody>
@@ -8708,7 +8193,85 @@
           </a:bodyPr>
           <a:lstStyle/>
           <a:p>
-            <a:endParaRPr lang="en-US" altLang="zh-CN" sz="2000" dirty="0"/>
+            <a:r>
+              <a:rPr lang="zh-CN" altLang="en-US" sz="2000" dirty="0"/>
+              <a:t>异步过程：还以烧水为例，烧水的过程中，去做其他事情，等水烧开了发出提示，这时候你可以终端手头的工作先把处理水烧开了这个</a:t>
+            </a:r>
+            <a:r>
+              <a:rPr lang="zh-CN" altLang="en-US" sz="2000" dirty="0">
+                <a:solidFill>
+                  <a:srgbClr val="C00000"/>
+                </a:solidFill>
+              </a:rPr>
+              <a:t>事件。</a:t>
+            </a:r>
+            <a:endParaRPr lang="en-US" altLang="zh-CN" sz="2000" dirty="0">
+              <a:solidFill>
+                <a:srgbClr val="C00000"/>
+              </a:solidFill>
+            </a:endParaRPr>
+          </a:p>
+          <a:p>
+            <a:endParaRPr lang="en-US" altLang="zh-CN" sz="2000" dirty="0">
+              <a:solidFill>
+                <a:schemeClr val="tx1">
+                  <a:lumMod val="95000"/>
+                  <a:lumOff val="5000"/>
+                </a:schemeClr>
+              </a:solidFill>
+            </a:endParaRPr>
+          </a:p>
+          <a:p>
+            <a:r>
+              <a:rPr lang="zh-CN" altLang="en-US" sz="2000" dirty="0">
+                <a:solidFill>
+                  <a:schemeClr val="tx1">
+                    <a:lumMod val="95000"/>
+                    <a:lumOff val="5000"/>
+                  </a:schemeClr>
+                </a:solidFill>
+              </a:rPr>
+              <a:t>异步提高的是整体的效率，避免不必要的资源浪费。</a:t>
+            </a:r>
+            <a:endParaRPr lang="en-US" altLang="zh-CN" sz="2000" dirty="0">
+              <a:solidFill>
+                <a:schemeClr val="tx1">
+                  <a:lumMod val="95000"/>
+                  <a:lumOff val="5000"/>
+                </a:schemeClr>
+              </a:solidFill>
+            </a:endParaRPr>
+          </a:p>
+          <a:p>
+            <a:endParaRPr lang="en-US" altLang="zh-CN" sz="2000" dirty="0">
+              <a:solidFill>
+                <a:schemeClr val="tx1">
+                  <a:lumMod val="95000"/>
+                  <a:lumOff val="5000"/>
+                </a:schemeClr>
+              </a:solidFill>
+            </a:endParaRPr>
+          </a:p>
+          <a:p>
+            <a:r>
+              <a:rPr lang="zh-CN" altLang="en-US" sz="2000" dirty="0">
+                <a:solidFill>
+                  <a:schemeClr val="tx1">
+                    <a:lumMod val="95000"/>
+                    <a:lumOff val="5000"/>
+                  </a:schemeClr>
+                </a:solidFill>
+              </a:rPr>
+              <a:t>再考虑一个问题：银行办理业务都是同步的过程，一个窗口只能等客户业务完成才处理下一个客户的业务。而如果是异步的方式，当客户在填表格等操作时，这时候业务员是空闲的，这时候可以先处理下一个客户的业务，如果上一个客户表格填写完成就发出一个信号告诉业务员响应这个请求。</a:t>
+            </a:r>
+            <a:endParaRPr lang="en-US" altLang="zh-CN" sz="2000" dirty="0">
+              <a:solidFill>
+                <a:schemeClr val="tx1">
+                  <a:lumMod val="95000"/>
+                  <a:lumOff val="5000"/>
+                </a:schemeClr>
+              </a:solidFill>
+            </a:endParaRPr>
           </a:p>
         </p:txBody>
       </p:sp>
@@ -8765,14 +8328,12 @@
           </a:xfrm>
         </p:spPr>
         <p:txBody>
-          <a:bodyPr>
-            <a:normAutofit/>
-          </a:bodyPr>
+          <a:bodyPr/>
           <a:lstStyle/>
           <a:p>
             <a:r>
               <a:rPr lang="zh-CN" altLang="en-US" dirty="0"/>
-              <a:t>文件操作的同步和异步</a:t>
+              <a:t>深入理解异步</a:t>
             </a:r>
           </a:p>
         </p:txBody>
@@ -8805,32 +8366,24 @@
           </a:bodyPr>
           <a:lstStyle/>
           <a:p>
-            <a:endParaRPr lang="en-US" altLang="zh-CN" sz="2000" dirty="0"/>
-          </a:p>
-          <a:p>
-            <a:endParaRPr lang="en-US" altLang="zh-CN" sz="2000" dirty="0"/>
-          </a:p>
-          <a:p>
-            <a:endParaRPr lang="en-US" altLang="zh-CN" sz="2000" dirty="0"/>
-          </a:p>
-          <a:p>
-            <a:endParaRPr lang="en-US" altLang="zh-CN" sz="2000" dirty="0"/>
-          </a:p>
-          <a:p>
-            <a:pPr marL="0" indent="0">
-              <a:buNone/>
-            </a:pPr>
-            <a:endParaRPr lang="en-US" altLang="zh-CN" sz="2000" dirty="0"/>
-          </a:p>
-          <a:p>
-            <a:endParaRPr lang="en-US" altLang="zh-CN" sz="2000" dirty="0"/>
+            <a:r>
+              <a:rPr lang="zh-CN" altLang="en-US" sz="1800" dirty="0"/>
+              <a:t>异步是靠多个同步的操作组合起来的一种模式。</a:t>
+            </a:r>
+            <a:endParaRPr lang="en-US" altLang="zh-CN" sz="1800" dirty="0"/>
+          </a:p>
+          <a:p>
+            <a:endParaRPr lang="en-US" altLang="zh-CN" sz="1800" dirty="0"/>
+          </a:p>
+          <a:p>
+            <a:endParaRPr lang="en-US" altLang="zh-CN" sz="1800" dirty="0"/>
           </a:p>
         </p:txBody>
       </p:sp>
     </p:spTree>
     <p:extLst>
       <p:ext uri="{BB962C8B-B14F-4D97-AF65-F5344CB8AC3E}">
-        <p14:creationId xmlns:p14="http://schemas.microsoft.com/office/powerpoint/2010/main" val="1018546089"/>
+        <p14:creationId xmlns:p14="http://schemas.microsoft.com/office/powerpoint/2010/main" val="3190725958"/>
       </p:ext>
     </p:extLst>
   </p:cSld>
@@ -8884,18 +8437,19 @@
           <a:lstStyle/>
           <a:p>
             <a:r>
-              <a:rPr lang="zh-CN" altLang="en-US" dirty="0"/>
-              <a:t>深入理解异步</a:t>
-            </a:r>
-          </a:p>
-        </p:txBody>
-      </p:sp>
-      <p:sp>
-        <p:nvSpPr>
-          <p:cNvPr id="6" name="内容占位符 5">
+              <a:rPr lang="en-US" altLang="zh-CN" dirty="0"/>
+              <a:t>2</a:t>
+            </a:r>
+            <a:endParaRPr lang="zh-CN" altLang="en-US" dirty="0"/>
+          </a:p>
+        </p:txBody>
+      </p:sp>
+      <p:sp>
+        <p:nvSpPr>
+          <p:cNvPr id="3" name="内容占位符 2">
             <a:extLst>
               <a:ext uri="{FF2B5EF4-FFF2-40B4-BE49-F238E27FC236}">
-                <a16:creationId xmlns:a16="http://schemas.microsoft.com/office/drawing/2014/main" id="{B83E9AD4-C606-4679-B884-01F71CC97E44}"/>
+                <a16:creationId xmlns:a16="http://schemas.microsoft.com/office/drawing/2014/main" id="{ED7249CC-3D11-4FF8-8CF2-30C36502BA8B}"/>
               </a:ext>
             </a:extLst>
           </p:cNvPr>
@@ -8906,26 +8460,89 @@
             <p:ph idx="1"/>
           </p:nvPr>
         </p:nvSpPr>
-        <p:spPr>
-          <a:xfrm>
-            <a:off x="838200" y="1656500"/>
-            <a:ext cx="10515600" cy="4850832"/>
-          </a:xfrm>
-        </p:spPr>
-        <p:txBody>
-          <a:bodyPr>
-            <a:normAutofit/>
-          </a:bodyPr>
-          <a:lstStyle/>
-          <a:p>
-            <a:endParaRPr lang="en-US" altLang="zh-CN" sz="1800" dirty="0"/>
+        <p:spPr/>
+        <p:txBody>
+          <a:bodyPr/>
+          <a:lstStyle/>
+          <a:p>
+            <a:pPr marL="0" indent="0" algn="ctr">
+              <a:buNone/>
+            </a:pPr>
+            <a:endParaRPr lang="en-US" altLang="zh-CN" dirty="0">
+              <a:solidFill>
+                <a:schemeClr val="accent1">
+                  <a:lumMod val="75000"/>
+                </a:schemeClr>
+              </a:solidFill>
+            </a:endParaRPr>
+          </a:p>
+          <a:p>
+            <a:pPr marL="0" indent="0" algn="ctr">
+              <a:buNone/>
+            </a:pPr>
+            <a:endParaRPr lang="en-US" altLang="zh-CN" dirty="0">
+              <a:solidFill>
+                <a:schemeClr val="accent1">
+                  <a:lumMod val="75000"/>
+                </a:schemeClr>
+              </a:solidFill>
+            </a:endParaRPr>
+          </a:p>
+          <a:p>
+            <a:pPr marL="0" indent="0" algn="ctr">
+              <a:buNone/>
+            </a:pPr>
+            <a:endParaRPr lang="en-US" altLang="zh-CN" dirty="0">
+              <a:solidFill>
+                <a:schemeClr val="accent1">
+                  <a:lumMod val="75000"/>
+                </a:schemeClr>
+              </a:solidFill>
+            </a:endParaRPr>
+          </a:p>
+          <a:p>
+            <a:pPr marL="0" indent="0" algn="ctr">
+              <a:buNone/>
+            </a:pPr>
+            <a:endParaRPr lang="en-US" altLang="zh-CN" dirty="0">
+              <a:solidFill>
+                <a:schemeClr val="accent1">
+                  <a:lumMod val="75000"/>
+                </a:schemeClr>
+              </a:solidFill>
+            </a:endParaRPr>
+          </a:p>
+          <a:p>
+            <a:pPr marL="0" indent="0" algn="ctr">
+              <a:buNone/>
+            </a:pPr>
+            <a:r>
+              <a:rPr lang="en-US" altLang="zh-CN" sz="3200" dirty="0" err="1">
+                <a:solidFill>
+                  <a:schemeClr val="accent1">
+                    <a:lumMod val="75000"/>
+                  </a:schemeClr>
+                </a:solidFill>
+              </a:rPr>
+              <a:t>Swoole</a:t>
+            </a:r>
+            <a:r>
+              <a:rPr lang="zh-CN" altLang="en-US" sz="3200" dirty="0">
+                <a:solidFill>
+                  <a:schemeClr val="accent1">
+                    <a:lumMod val="75000"/>
+                  </a:schemeClr>
+                </a:solidFill>
+              </a:rPr>
+              <a:t>安装与基本使用</a:t>
+            </a:r>
           </a:p>
         </p:txBody>
       </p:sp>
     </p:spTree>
     <p:extLst>
       <p:ext uri="{BB962C8B-B14F-4D97-AF65-F5344CB8AC3E}">
-        <p14:creationId xmlns:p14="http://schemas.microsoft.com/office/powerpoint/2010/main" val="3190725958"/>
+        <p14:creationId xmlns:p14="http://schemas.microsoft.com/office/powerpoint/2010/main" val="678941122"/>
       </p:ext>
     </p:extLst>
   </p:cSld>
@@ -9043,9 +8660,6 @@
               <a:rPr lang="zh-CN" altLang="en-US" sz="2000" dirty="0"/>
               <a:t>语言编写。</a:t>
             </a:r>
-            <a:endParaRPr lang="en-US" altLang="zh-CN" sz="2000" dirty="0"/>
-          </a:p>
-          <a:p>
             <a:r>
               <a:rPr lang="en-US" altLang="zh-CN" sz="2000" dirty="0" err="1"/>
               <a:t>Swoole</a:t>
@@ -9073,6 +8687,9 @@
             <a:endParaRPr lang="en-US" altLang="zh-CN" sz="2000" dirty="0"/>
           </a:p>
           <a:p>
+            <a:endParaRPr lang="en-US" altLang="zh-CN" sz="2000" dirty="0"/>
+          </a:p>
+          <a:p>
             <a:r>
               <a:rPr lang="en-US" altLang="zh-CN" sz="2000" dirty="0" err="1"/>
               <a:t>Swoole</a:t>
@@ -9179,6 +8796,9 @@
               <a:rPr lang="zh-CN" altLang="en-US" sz="2000" dirty="0"/>
               <a:t>。</a:t>
             </a:r>
+            <a:endParaRPr lang="en-US" altLang="zh-CN" sz="2000"/>
+          </a:p>
+          <a:p>
             <a:endParaRPr lang="en-US" altLang="zh-CN" sz="2000" dirty="0"/>
           </a:p>
           <a:p>
@@ -9217,6 +8837,9 @@
             <a:endParaRPr lang="en-US" altLang="zh-CN" sz="2000" dirty="0"/>
           </a:p>
           <a:p>
+            <a:endParaRPr lang="en-US" altLang="zh-CN" sz="2000" dirty="0"/>
+          </a:p>
+          <a:p>
             <a:r>
               <a:rPr lang="en-US" altLang="zh-CN" sz="2000" dirty="0" err="1"/>
               <a:t>Swoole</a:t>
@@ -9241,13 +8864,7 @@
               <a:rPr lang="zh-CN" altLang="en-US" sz="2000" dirty="0"/>
               <a:t>既支持异步，也支持同步。</a:t>
             </a:r>
-            <a:endParaRPr lang="en-US" altLang="zh-CN" sz="2000" dirty="0"/>
-          </a:p>
-          <a:p>
             <a:endParaRPr lang="en-US" altLang="zh-CN" sz="1600" dirty="0"/>
-          </a:p>
-          <a:p>
-            <a:endParaRPr lang="en-US" altLang="zh-CN" sz="2000" dirty="0"/>
           </a:p>
         </p:txBody>
       </p:sp>
@@ -9308,8 +8925,12 @@
           <a:lstStyle/>
           <a:p>
             <a:r>
-              <a:rPr lang="en-US" altLang="zh-CN" dirty="0"/>
-              <a:t>2</a:t>
+              <a:rPr lang="zh-CN" altLang="en-US" dirty="0"/>
+              <a:t>编译安装</a:t>
+            </a:r>
+            <a:r>
+              <a:rPr lang="en-US" altLang="zh-CN" dirty="0" err="1"/>
+              <a:t>Swoole</a:t>
             </a:r>
             <a:endParaRPr lang="zh-CN" altLang="en-US" dirty="0"/>
           </a:p>
@@ -9317,10 +8938,10 @@
       </p:sp>
       <p:sp>
         <p:nvSpPr>
-          <p:cNvPr id="3" name="内容占位符 2">
+          <p:cNvPr id="6" name="内容占位符 5">
             <a:extLst>
               <a:ext uri="{FF2B5EF4-FFF2-40B4-BE49-F238E27FC236}">
-                <a16:creationId xmlns:a16="http://schemas.microsoft.com/office/drawing/2014/main" id="{ED7249CC-3D11-4FF8-8CF2-30C36502BA8B}"/>
+                <a16:creationId xmlns:a16="http://schemas.microsoft.com/office/drawing/2014/main" id="{B83E9AD4-C606-4679-B884-01F71CC97E44}"/>
               </a:ext>
             </a:extLst>
           </p:cNvPr>
@@ -9331,89 +8952,212 @@
             <p:ph idx="1"/>
           </p:nvPr>
         </p:nvSpPr>
-        <p:spPr/>
-        <p:txBody>
-          <a:bodyPr/>
-          <a:lstStyle/>
-          <a:p>
-            <a:pPr marL="0" indent="0" algn="ctr">
+        <p:spPr>
+          <a:xfrm>
+            <a:off x="838200" y="1656500"/>
+            <a:ext cx="10515600" cy="4850832"/>
+          </a:xfrm>
+        </p:spPr>
+        <p:txBody>
+          <a:bodyPr>
+            <a:normAutofit/>
+          </a:bodyPr>
+          <a:lstStyle/>
+          <a:p>
+            <a:r>
+              <a:rPr lang="zh-CN" altLang="en-US" sz="2000" dirty="0"/>
+              <a:t>国内</a:t>
+            </a:r>
+            <a:r>
+              <a:rPr lang="en-US" altLang="zh-CN" sz="2000" dirty="0"/>
+              <a:t>git</a:t>
+            </a:r>
+            <a:r>
+              <a:rPr lang="zh-CN" altLang="en-US" sz="2000" dirty="0"/>
+              <a:t>镜像：</a:t>
+            </a:r>
+            <a:r>
+              <a:rPr lang="en-US" altLang="zh-CN" sz="2000" dirty="0">
+                <a:hlinkClick r:id="rId3"/>
+              </a:rPr>
+              <a:t>https://gitee.com/swoole/swoole</a:t>
+            </a:r>
+            <a:endParaRPr lang="en-US" altLang="zh-CN" sz="2000" dirty="0"/>
+          </a:p>
+          <a:p>
+            <a:r>
+              <a:rPr lang="zh-CN" altLang="en-US" sz="2000" dirty="0"/>
+              <a:t>安装：</a:t>
+            </a:r>
+            <a:endParaRPr lang="en-US" altLang="zh-CN" sz="2000" dirty="0"/>
+          </a:p>
+          <a:p>
+            <a:pPr marL="457200" lvl="1" indent="0">
               <a:buNone/>
             </a:pPr>
-            <a:endParaRPr lang="en-US" altLang="zh-CN" dirty="0">
-              <a:solidFill>
-                <a:schemeClr val="accent1">
-                  <a:lumMod val="75000"/>
-                </a:schemeClr>
-              </a:solidFill>
-            </a:endParaRPr>
-          </a:p>
-          <a:p>
-            <a:pPr marL="0" indent="0" algn="ctr">
+            <a:r>
+              <a:rPr lang="zh-CN" altLang="en-US" sz="1600" dirty="0"/>
+              <a:t>下载</a:t>
+            </a:r>
+            <a:r>
+              <a:rPr lang="en-US" altLang="zh-CN" sz="1600" dirty="0" err="1"/>
+              <a:t>swoole</a:t>
+            </a:r>
+            <a:r>
+              <a:rPr lang="zh-CN" altLang="en-US" sz="1600" dirty="0"/>
+              <a:t>源代码后，使用</a:t>
+            </a:r>
+            <a:r>
+              <a:rPr lang="en-US" altLang="zh-CN" sz="1600" dirty="0"/>
+              <a:t>PHP</a:t>
+            </a:r>
+            <a:r>
+              <a:rPr lang="zh-CN" altLang="en-US" sz="1600" dirty="0"/>
+              <a:t>扩展编译的步骤操作即可。</a:t>
+            </a:r>
+            <a:endParaRPr lang="en-US" altLang="zh-CN" sz="1600" dirty="0"/>
+          </a:p>
+          <a:p>
+            <a:pPr marL="457200" lvl="1" indent="0">
               <a:buNone/>
             </a:pPr>
-            <a:endParaRPr lang="en-US" altLang="zh-CN" dirty="0">
-              <a:solidFill>
-                <a:schemeClr val="accent1">
-                  <a:lumMod val="75000"/>
-                </a:schemeClr>
-              </a:solidFill>
-            </a:endParaRPr>
-          </a:p>
-          <a:p>
-            <a:pPr marL="0" indent="0" algn="ctr">
+            <a:r>
+              <a:rPr lang="en-US" altLang="zh-CN" sz="1600" dirty="0" err="1"/>
+              <a:t>phpize</a:t>
+            </a:r>
+            <a:endParaRPr lang="en-US" altLang="zh-CN" sz="1600" dirty="0"/>
+          </a:p>
+          <a:p>
+            <a:pPr marL="457200" lvl="1" indent="0">
               <a:buNone/>
             </a:pPr>
-            <a:endParaRPr lang="en-US" altLang="zh-CN" dirty="0">
-              <a:solidFill>
-                <a:schemeClr val="accent1">
-                  <a:lumMod val="75000"/>
-                </a:schemeClr>
-              </a:solidFill>
-            </a:endParaRPr>
-          </a:p>
-          <a:p>
-            <a:pPr marL="0" indent="0" algn="ctr">
+            <a:r>
+              <a:rPr lang="en-US" altLang="zh-CN" sz="1600" dirty="0"/>
+              <a:t>./configure –with-</a:t>
+            </a:r>
+            <a:r>
+              <a:rPr lang="en-US" altLang="zh-CN" sz="1600" dirty="0" err="1"/>
+              <a:t>php</a:t>
+            </a:r>
+            <a:r>
+              <a:rPr lang="en-US" altLang="zh-CN" sz="1600" dirty="0"/>
+              <a:t>-config=PHP_INSTALL_DIR/bin/</a:t>
+            </a:r>
+            <a:r>
+              <a:rPr lang="en-US" altLang="zh-CN" sz="1600" dirty="0" err="1"/>
+              <a:t>php</a:t>
+            </a:r>
+            <a:r>
+              <a:rPr lang="en-US" altLang="zh-CN" sz="1600" dirty="0"/>
+              <a:t>-config</a:t>
+            </a:r>
+          </a:p>
+          <a:p>
+            <a:pPr marL="457200" lvl="1" indent="0">
               <a:buNone/>
             </a:pPr>
-            <a:endParaRPr lang="en-US" altLang="zh-CN" dirty="0">
-              <a:solidFill>
-                <a:schemeClr val="accent1">
-                  <a:lumMod val="75000"/>
-                </a:schemeClr>
-              </a:solidFill>
-            </a:endParaRPr>
-          </a:p>
-          <a:p>
-            <a:pPr marL="0" indent="0" algn="ctr">
-              <a:buNone/>
-            </a:pPr>
-            <a:r>
-              <a:rPr lang="en-US" altLang="zh-CN" sz="3200" dirty="0" err="1">
-                <a:solidFill>
-                  <a:schemeClr val="accent1">
-                    <a:lumMod val="75000"/>
-                  </a:schemeClr>
-                </a:solidFill>
-              </a:rPr>
-              <a:t>Swoole</a:t>
-            </a:r>
-            <a:r>
-              <a:rPr lang="zh-CN" altLang="en-US" sz="3200" dirty="0">
-                <a:solidFill>
-                  <a:schemeClr val="accent1">
-                    <a:lumMod val="75000"/>
-                  </a:schemeClr>
-                </a:solidFill>
-              </a:rPr>
-              <a:t>安装与基本使用</a:t>
-            </a:r>
+            <a:r>
+              <a:rPr lang="en-US" altLang="zh-CN" sz="1600" dirty="0"/>
+              <a:t>make install</a:t>
+            </a:r>
+          </a:p>
+          <a:p>
+            <a:r>
+              <a:rPr lang="zh-CN" altLang="en-US" sz="2000" dirty="0"/>
+              <a:t>安装完成后，在</a:t>
+            </a:r>
+            <a:r>
+              <a:rPr lang="en-US" altLang="zh-CN" sz="2000" dirty="0"/>
+              <a:t>php.ini</a:t>
+            </a:r>
+            <a:r>
+              <a:rPr lang="zh-CN" altLang="en-US" sz="2000" dirty="0"/>
+              <a:t>中加入：</a:t>
+            </a:r>
+            <a:r>
+              <a:rPr lang="en-US" altLang="zh-CN" sz="2000" dirty="0"/>
+              <a:t>extension=swoole.so</a:t>
+            </a:r>
+            <a:r>
+              <a:rPr lang="zh-CN" altLang="en-US" sz="2000" dirty="0"/>
+              <a:t>；注意，在</a:t>
+            </a:r>
+            <a:r>
+              <a:rPr lang="en-US" altLang="zh-CN" sz="2000" dirty="0"/>
+              <a:t>PHP7.2</a:t>
+            </a:r>
+            <a:r>
+              <a:rPr lang="zh-CN" altLang="en-US" sz="2000" dirty="0"/>
+              <a:t>中，不需要加入</a:t>
+            </a:r>
+            <a:r>
+              <a:rPr lang="en-US" altLang="zh-CN" sz="2000" dirty="0"/>
+              <a:t>.so</a:t>
+            </a:r>
+          </a:p>
+          <a:p>
+            <a:r>
+              <a:rPr lang="zh-CN" altLang="en-US" sz="2000" dirty="0"/>
+              <a:t>使用</a:t>
+            </a:r>
+            <a:r>
+              <a:rPr lang="en-US" altLang="zh-CN" sz="2000" dirty="0" err="1"/>
+              <a:t>pecl</a:t>
+            </a:r>
+            <a:r>
+              <a:rPr lang="zh-CN" altLang="en-US" sz="2000" dirty="0"/>
+              <a:t>安装：</a:t>
+            </a:r>
+            <a:r>
+              <a:rPr lang="en-US" altLang="zh-CN" sz="2000" dirty="0" err="1"/>
+              <a:t>pecl</a:t>
+            </a:r>
+            <a:r>
+              <a:rPr lang="en-US" altLang="zh-CN" sz="2000" dirty="0"/>
+              <a:t>  install  </a:t>
+            </a:r>
+            <a:r>
+              <a:rPr lang="en-US" altLang="zh-CN" sz="2000" dirty="0" err="1"/>
+              <a:t>swoole</a:t>
+            </a:r>
+            <a:endParaRPr lang="en-US" altLang="zh-CN" sz="2000" dirty="0"/>
+          </a:p>
+          <a:p>
+            <a:r>
+              <a:rPr lang="zh-CN" altLang="en-US" sz="2000" dirty="0"/>
+              <a:t>然后重启</a:t>
+            </a:r>
+            <a:r>
+              <a:rPr lang="en-US" altLang="zh-CN" sz="2000" dirty="0"/>
+              <a:t>web</a:t>
+            </a:r>
+            <a:r>
+              <a:rPr lang="zh-CN" altLang="en-US" sz="2000" dirty="0"/>
+              <a:t>服务： </a:t>
+            </a:r>
+            <a:r>
+              <a:rPr lang="en-US" altLang="zh-CN" sz="2000" dirty="0" err="1"/>
+              <a:t>webrun</a:t>
+            </a:r>
+            <a:r>
+              <a:rPr lang="en-US" altLang="zh-CN" sz="2000" dirty="0"/>
+              <a:t>  restart</a:t>
+            </a:r>
+            <a:r>
+              <a:rPr lang="zh-CN" altLang="en-US" sz="2000" dirty="0"/>
+              <a:t>。</a:t>
+            </a:r>
+            <a:endParaRPr lang="en-US" altLang="zh-CN" sz="2000" dirty="0"/>
+          </a:p>
+          <a:p>
+            <a:endParaRPr lang="en-US" altLang="zh-CN" sz="2000" dirty="0"/>
           </a:p>
         </p:txBody>
       </p:sp>
     </p:spTree>
     <p:extLst>
       <p:ext uri="{BB962C8B-B14F-4D97-AF65-F5344CB8AC3E}">
-        <p14:creationId xmlns:p14="http://schemas.microsoft.com/office/powerpoint/2010/main" val="678941122"/>
+        <p14:creationId xmlns:p14="http://schemas.microsoft.com/office/powerpoint/2010/main" val="1284186908"/>
       </p:ext>
     </p:extLst>
   </p:cSld>

--- a/materials/slides/ch08-async-io-and-swoole.pptx
+++ b/materials/slides/ch08-async-io-and-swoole.pptx
@@ -231,7 +231,7 @@
           <a:p>
             <a:fld id="{E923E828-953C-4D4A-9B10-11E7329F433D}" type="datetimeFigureOut">
               <a:rPr lang="zh-CN" altLang="en-US" smtClean="0"/>
-              <a:t>2018/2/28</a:t>
+              <a:t>2018/3/3</a:t>
             </a:fld>
             <a:endParaRPr lang="zh-CN" altLang="en-US"/>
           </a:p>
@@ -412,7 +412,7 @@
           <a:p>
             <a:fld id="{867C5346-22E5-4085-8130-851344A84DFF}" type="datetimeFigureOut">
               <a:rPr lang="zh-CN" altLang="en-US" smtClean="0"/>
-              <a:t>2018/2/28</a:t>
+              <a:t>2018/3/3</a:t>
             </a:fld>
             <a:endParaRPr lang="zh-CN" altLang="en-US"/>
           </a:p>
@@ -1846,7 +1846,7 @@
           <a:p>
             <a:fld id="{A5E21016-498F-4141-B0CA-D95A38CA7D62}" type="datetimeFigureOut">
               <a:rPr lang="zh-CN" altLang="en-US" smtClean="0"/>
-              <a:t>2018/2/28</a:t>
+              <a:t>2018/3/3</a:t>
             </a:fld>
             <a:endParaRPr lang="zh-CN" altLang="en-US"/>
           </a:p>
@@ -2076,7 +2076,7 @@
           <a:p>
             <a:fld id="{A5E21016-498F-4141-B0CA-D95A38CA7D62}" type="datetimeFigureOut">
               <a:rPr lang="zh-CN" altLang="en-US" smtClean="0"/>
-              <a:t>2018/2/28</a:t>
+              <a:t>2018/3/3</a:t>
             </a:fld>
             <a:endParaRPr lang="zh-CN" altLang="en-US"/>
           </a:p>
@@ -2311,7 +2311,7 @@
           <a:p>
             <a:fld id="{A5E21016-498F-4141-B0CA-D95A38CA7D62}" type="datetimeFigureOut">
               <a:rPr lang="zh-CN" altLang="en-US" smtClean="0"/>
-              <a:t>2018/2/28</a:t>
+              <a:t>2018/3/3</a:t>
             </a:fld>
             <a:endParaRPr lang="zh-CN" altLang="en-US"/>
           </a:p>
@@ -2873,7 +2873,7 @@
           <a:p>
             <a:fld id="{A5E21016-498F-4141-B0CA-D95A38CA7D62}" type="datetimeFigureOut">
               <a:rPr lang="zh-CN" altLang="en-US" smtClean="0"/>
-              <a:t>2018/2/28</a:t>
+              <a:t>2018/3/3</a:t>
             </a:fld>
             <a:endParaRPr lang="zh-CN" altLang="en-US"/>
           </a:p>
@@ -3170,7 +3170,7 @@
           <a:p>
             <a:fld id="{A5E21016-498F-4141-B0CA-D95A38CA7D62}" type="datetimeFigureOut">
               <a:rPr lang="zh-CN" altLang="en-US" smtClean="0"/>
-              <a:t>2018/2/28</a:t>
+              <a:t>2018/3/3</a:t>
             </a:fld>
             <a:endParaRPr lang="zh-CN" altLang="en-US"/>
           </a:p>
@@ -3609,7 +3609,7 @@
           <a:p>
             <a:fld id="{A5E21016-498F-4141-B0CA-D95A38CA7D62}" type="datetimeFigureOut">
               <a:rPr lang="zh-CN" altLang="en-US" smtClean="0"/>
-              <a:t>2018/2/28</a:t>
+              <a:t>2018/3/3</a:t>
             </a:fld>
             <a:endParaRPr lang="zh-CN" altLang="en-US"/>
           </a:p>
@@ -3782,7 +3782,7 @@
           <a:p>
             <a:fld id="{A5E21016-498F-4141-B0CA-D95A38CA7D62}" type="datetimeFigureOut">
               <a:rPr lang="zh-CN" altLang="en-US" smtClean="0"/>
-              <a:t>2018/2/28</a:t>
+              <a:t>2018/3/3</a:t>
             </a:fld>
             <a:endParaRPr lang="zh-CN" altLang="en-US"/>
           </a:p>
@@ -3919,7 +3919,7 @@
           <a:p>
             <a:fld id="{A5E21016-498F-4141-B0CA-D95A38CA7D62}" type="datetimeFigureOut">
               <a:rPr lang="zh-CN" altLang="en-US" smtClean="0"/>
-              <a:t>2018/2/28</a:t>
+              <a:t>2018/3/3</a:t>
             </a:fld>
             <a:endParaRPr lang="zh-CN" altLang="en-US"/>
           </a:p>
@@ -4257,7 +4257,7 @@
           <a:p>
             <a:fld id="{A5E21016-498F-4141-B0CA-D95A38CA7D62}" type="datetimeFigureOut">
               <a:rPr lang="zh-CN" altLang="en-US" smtClean="0"/>
-              <a:t>2018/2/28</a:t>
+              <a:t>2018/3/3</a:t>
             </a:fld>
             <a:endParaRPr lang="zh-CN" altLang="en-US"/>
           </a:p>
@@ -4572,7 +4572,7 @@
           <a:p>
             <a:fld id="{A5E21016-498F-4141-B0CA-D95A38CA7D62}" type="datetimeFigureOut">
               <a:rPr lang="zh-CN" altLang="en-US" smtClean="0"/>
-              <a:t>2018/2/28</a:t>
+              <a:t>2018/3/3</a:t>
             </a:fld>
             <a:endParaRPr lang="zh-CN" altLang="en-US"/>
           </a:p>
@@ -8373,6 +8373,47 @@
             <a:endParaRPr lang="en-US" altLang="zh-CN" sz="1800" dirty="0"/>
           </a:p>
           <a:p>
+            <a:endParaRPr lang="en-US" altLang="zh-CN" sz="1800" dirty="0"/>
+          </a:p>
+          <a:p>
+            <a:r>
+              <a:rPr lang="zh-CN" altLang="en-US" sz="1800" dirty="0"/>
+              <a:t>一些异步</a:t>
+            </a:r>
+            <a:r>
+              <a:rPr lang="en-US" altLang="zh-CN" sz="1800" dirty="0"/>
+              <a:t>IO</a:t>
+            </a:r>
+            <a:r>
+              <a:rPr lang="zh-CN" altLang="en-US" sz="1800" dirty="0"/>
+              <a:t>扩展库使用的是多进程多线程模式实现的。这种方式就是多线程同步模型实现异步。</a:t>
+            </a:r>
+            <a:endParaRPr lang="en-US" altLang="zh-CN" sz="1800" dirty="0"/>
+          </a:p>
+          <a:p>
+            <a:endParaRPr lang="en-US" altLang="zh-CN" sz="1800" dirty="0"/>
+          </a:p>
+          <a:p>
+            <a:r>
+              <a:rPr lang="zh-CN" altLang="en-US" sz="1800" dirty="0"/>
+              <a:t>对任何任务拆分来说总会到达一个不可分解，必须是同步的操作的最小任务。</a:t>
+            </a:r>
+            <a:endParaRPr lang="en-US" altLang="zh-CN" sz="1800" dirty="0"/>
+          </a:p>
+          <a:p>
+            <a:endParaRPr lang="en-US" altLang="zh-CN" sz="1800" dirty="0"/>
+          </a:p>
+          <a:p>
+            <a:r>
+              <a:rPr lang="zh-CN" altLang="en-US" sz="1800"/>
+              <a:t>异步在编程上的形式往往使用事件驱动以及回调函数的形式来处理。</a:t>
+            </a:r>
+            <a:endParaRPr lang="en-US" altLang="zh-CN" sz="1800" dirty="0"/>
+          </a:p>
+          <a:p>
+            <a:pPr marL="0" indent="0">
+              <a:buNone/>
+            </a:pPr>
             <a:endParaRPr lang="en-US" altLang="zh-CN" sz="1800" dirty="0"/>
           </a:p>
           <a:p>

--- a/materials/slides/ch08-async-io-and-swoole.pptx
+++ b/materials/slides/ch08-async-io-and-swoole.pptx
@@ -231,7 +231,7 @@
           <a:p>
             <a:fld id="{E923E828-953C-4D4A-9B10-11E7329F433D}" type="datetimeFigureOut">
               <a:rPr lang="zh-CN" altLang="en-US" smtClean="0"/>
-              <a:t>2018/3/3</a:t>
+              <a:t>2018/4/3</a:t>
             </a:fld>
             <a:endParaRPr lang="zh-CN" altLang="en-US"/>
           </a:p>
@@ -412,7 +412,7 @@
           <a:p>
             <a:fld id="{867C5346-22E5-4085-8130-851344A84DFF}" type="datetimeFigureOut">
               <a:rPr lang="zh-CN" altLang="en-US" smtClean="0"/>
-              <a:t>2018/3/3</a:t>
+              <a:t>2018/4/3</a:t>
             </a:fld>
             <a:endParaRPr lang="zh-CN" altLang="en-US"/>
           </a:p>
@@ -1846,7 +1846,7 @@
           <a:p>
             <a:fld id="{A5E21016-498F-4141-B0CA-D95A38CA7D62}" type="datetimeFigureOut">
               <a:rPr lang="zh-CN" altLang="en-US" smtClean="0"/>
-              <a:t>2018/3/3</a:t>
+              <a:t>2018/4/3</a:t>
             </a:fld>
             <a:endParaRPr lang="zh-CN" altLang="en-US"/>
           </a:p>
@@ -2076,7 +2076,7 @@
           <a:p>
             <a:fld id="{A5E21016-498F-4141-B0CA-D95A38CA7D62}" type="datetimeFigureOut">
               <a:rPr lang="zh-CN" altLang="en-US" smtClean="0"/>
-              <a:t>2018/3/3</a:t>
+              <a:t>2018/4/3</a:t>
             </a:fld>
             <a:endParaRPr lang="zh-CN" altLang="en-US"/>
           </a:p>
@@ -2311,7 +2311,7 @@
           <a:p>
             <a:fld id="{A5E21016-498F-4141-B0CA-D95A38CA7D62}" type="datetimeFigureOut">
               <a:rPr lang="zh-CN" altLang="en-US" smtClean="0"/>
-              <a:t>2018/3/3</a:t>
+              <a:t>2018/4/3</a:t>
             </a:fld>
             <a:endParaRPr lang="zh-CN" altLang="en-US"/>
           </a:p>
@@ -2873,7 +2873,7 @@
           <a:p>
             <a:fld id="{A5E21016-498F-4141-B0CA-D95A38CA7D62}" type="datetimeFigureOut">
               <a:rPr lang="zh-CN" altLang="en-US" smtClean="0"/>
-              <a:t>2018/3/3</a:t>
+              <a:t>2018/4/3</a:t>
             </a:fld>
             <a:endParaRPr lang="zh-CN" altLang="en-US"/>
           </a:p>
@@ -3170,7 +3170,7 @@
           <a:p>
             <a:fld id="{A5E21016-498F-4141-B0CA-D95A38CA7D62}" type="datetimeFigureOut">
               <a:rPr lang="zh-CN" altLang="en-US" smtClean="0"/>
-              <a:t>2018/3/3</a:t>
+              <a:t>2018/4/3</a:t>
             </a:fld>
             <a:endParaRPr lang="zh-CN" altLang="en-US"/>
           </a:p>
@@ -3609,7 +3609,7 @@
           <a:p>
             <a:fld id="{A5E21016-498F-4141-B0CA-D95A38CA7D62}" type="datetimeFigureOut">
               <a:rPr lang="zh-CN" altLang="en-US" smtClean="0"/>
-              <a:t>2018/3/3</a:t>
+              <a:t>2018/4/3</a:t>
             </a:fld>
             <a:endParaRPr lang="zh-CN" altLang="en-US"/>
           </a:p>
@@ -3782,7 +3782,7 @@
           <a:p>
             <a:fld id="{A5E21016-498F-4141-B0CA-D95A38CA7D62}" type="datetimeFigureOut">
               <a:rPr lang="zh-CN" altLang="en-US" smtClean="0"/>
-              <a:t>2018/3/3</a:t>
+              <a:t>2018/4/3</a:t>
             </a:fld>
             <a:endParaRPr lang="zh-CN" altLang="en-US"/>
           </a:p>
@@ -3919,7 +3919,7 @@
           <a:p>
             <a:fld id="{A5E21016-498F-4141-B0CA-D95A38CA7D62}" type="datetimeFigureOut">
               <a:rPr lang="zh-CN" altLang="en-US" smtClean="0"/>
-              <a:t>2018/3/3</a:t>
+              <a:t>2018/4/3</a:t>
             </a:fld>
             <a:endParaRPr lang="zh-CN" altLang="en-US"/>
           </a:p>
@@ -4257,7 +4257,7 @@
           <a:p>
             <a:fld id="{A5E21016-498F-4141-B0CA-D95A38CA7D62}" type="datetimeFigureOut">
               <a:rPr lang="zh-CN" altLang="en-US" smtClean="0"/>
-              <a:t>2018/3/3</a:t>
+              <a:t>2018/4/3</a:t>
             </a:fld>
             <a:endParaRPr lang="zh-CN" altLang="en-US"/>
           </a:p>
@@ -4572,7 +4572,7 @@
           <a:p>
             <a:fld id="{A5E21016-498F-4141-B0CA-D95A38CA7D62}" type="datetimeFigureOut">
               <a:rPr lang="zh-CN" altLang="en-US" smtClean="0"/>
-              <a:t>2018/3/3</a:t>
+              <a:t>2018/4/3</a:t>
             </a:fld>
             <a:endParaRPr lang="zh-CN" altLang="en-US"/>
           </a:p>
@@ -5171,7 +5171,7 @@
         <p:spPr>
           <a:xfrm>
             <a:off x="672483" y="1012055"/>
-            <a:ext cx="10847034" cy="4893647"/>
+            <a:ext cx="10847034" cy="4955203"/>
           </a:xfrm>
           <a:prstGeom prst="rect">
             <a:avLst/>
@@ -5245,26 +5245,26 @@
           <a:p>
             <a:pPr algn="ctr"/>
             <a:r>
-              <a:rPr lang="zh-CN" altLang="en-US" sz="2800" dirty="0"/>
+              <a:rPr lang="zh-CN" altLang="en-US" sz="3200" dirty="0"/>
               <a:t>第八讲 异步</a:t>
             </a:r>
             <a:r>
-              <a:rPr lang="en-US" altLang="zh-CN" sz="2800" dirty="0"/>
+              <a:rPr lang="en-US" altLang="zh-CN" sz="3200" dirty="0"/>
               <a:t>IO</a:t>
             </a:r>
             <a:r>
-              <a:rPr lang="zh-CN" altLang="en-US" sz="2800" dirty="0"/>
+              <a:rPr lang="zh-CN" altLang="en-US" sz="3200" dirty="0"/>
               <a:t>与</a:t>
             </a:r>
             <a:r>
-              <a:rPr lang="en-US" altLang="zh-CN" sz="2800" dirty="0" err="1"/>
+              <a:rPr lang="en-US" altLang="zh-CN" sz="3200" dirty="0" err="1"/>
               <a:t>Swoole</a:t>
             </a:r>
             <a:r>
-              <a:rPr lang="zh-CN" altLang="en-US" sz="2800" dirty="0"/>
+              <a:rPr lang="zh-CN" altLang="en-US" sz="3200" dirty="0"/>
               <a:t>扩展</a:t>
             </a:r>
-            <a:endParaRPr lang="en-US" altLang="zh-CN" sz="2800" dirty="0"/>
+            <a:endParaRPr lang="en-US" altLang="zh-CN" sz="3200" dirty="0"/>
           </a:p>
           <a:p>
             <a:endParaRPr lang="en-US" altLang="zh-CN" dirty="0"/>
@@ -6278,88 +6278,88 @@
           <a:lstStyle/>
           <a:p>
             <a:r>
-              <a:rPr lang="zh-CN" altLang="en-US" sz="2000" dirty="0"/>
+              <a:rPr lang="zh-CN" altLang="en-US" dirty="0"/>
               <a:t>之前的演示代码是在终端直接执行，如果</a:t>
             </a:r>
             <a:r>
-              <a:rPr lang="en-US" altLang="zh-CN" sz="2000" dirty="0"/>
+              <a:rPr lang="en-US" altLang="zh-CN" dirty="0"/>
               <a:t>shell</a:t>
             </a:r>
             <a:r>
-              <a:rPr lang="zh-CN" altLang="en-US" sz="2000" dirty="0"/>
+              <a:rPr lang="zh-CN" altLang="en-US" dirty="0"/>
               <a:t>结束运行，则程序也退出。这时候需要把</a:t>
             </a:r>
             <a:r>
-              <a:rPr lang="en-US" altLang="zh-CN" sz="2000" dirty="0" err="1"/>
+              <a:rPr lang="en-US" altLang="zh-CN" dirty="0" err="1"/>
               <a:t>Swoole</a:t>
             </a:r>
             <a:r>
-              <a:rPr lang="zh-CN" altLang="en-US" sz="2000" dirty="0"/>
+              <a:rPr lang="zh-CN" altLang="en-US" dirty="0"/>
               <a:t>的程序变成守护进程。</a:t>
             </a:r>
-            <a:endParaRPr lang="en-US" altLang="zh-CN" sz="2000" dirty="0"/>
-          </a:p>
-          <a:p>
-            <a:r>
-              <a:rPr lang="zh-CN" altLang="en-US" sz="2000" dirty="0"/>
+            <a:endParaRPr lang="en-US" altLang="zh-CN" dirty="0"/>
+          </a:p>
+          <a:p>
+            <a:r>
+              <a:rPr lang="zh-CN" altLang="en-US" dirty="0"/>
               <a:t>两种方式：</a:t>
             </a:r>
-            <a:endParaRPr lang="en-US" altLang="zh-CN" sz="2000" dirty="0"/>
+            <a:endParaRPr lang="en-US" altLang="zh-CN" dirty="0"/>
           </a:p>
           <a:p>
             <a:pPr lvl="1"/>
             <a:r>
-              <a:rPr lang="en-US" altLang="zh-CN" sz="1800" dirty="0"/>
+              <a:rPr lang="en-US" altLang="zh-CN" dirty="0"/>
               <a:t>1.  </a:t>
             </a:r>
             <a:r>
-              <a:rPr lang="zh-CN" altLang="en-US" sz="1800" dirty="0"/>
+              <a:rPr lang="zh-CN" altLang="en-US" dirty="0"/>
               <a:t>使用</a:t>
             </a:r>
             <a:r>
-              <a:rPr lang="en-US" altLang="zh-CN" sz="1800" dirty="0"/>
+              <a:rPr lang="en-US" altLang="zh-CN" dirty="0"/>
               <a:t>PCNTL+POSIX</a:t>
             </a:r>
             <a:r>
-              <a:rPr lang="zh-CN" altLang="en-US" sz="1800" dirty="0"/>
+              <a:rPr lang="zh-CN" altLang="en-US" dirty="0"/>
               <a:t>扩展编写守护进程的方式。</a:t>
             </a:r>
-            <a:endParaRPr lang="en-US" altLang="zh-CN" sz="1800" dirty="0"/>
+            <a:endParaRPr lang="en-US" altLang="zh-CN" dirty="0"/>
           </a:p>
           <a:p>
             <a:pPr lvl="1"/>
             <a:r>
-              <a:rPr lang="en-US" altLang="zh-CN" sz="1800" dirty="0"/>
+              <a:rPr lang="en-US" altLang="zh-CN" dirty="0"/>
               <a:t>2.  </a:t>
             </a:r>
             <a:r>
-              <a:rPr lang="zh-CN" altLang="en-US" sz="1800" dirty="0"/>
+              <a:rPr lang="zh-CN" altLang="en-US" dirty="0"/>
               <a:t>使用</a:t>
             </a:r>
             <a:r>
-              <a:rPr lang="en-US" altLang="zh-CN" sz="1800" dirty="0" err="1"/>
+              <a:rPr lang="en-US" altLang="zh-CN" dirty="0" err="1"/>
               <a:t>Swoole</a:t>
             </a:r>
             <a:r>
-              <a:rPr lang="zh-CN" altLang="en-US" sz="1800" dirty="0"/>
+              <a:rPr lang="zh-CN" altLang="en-US" dirty="0"/>
               <a:t>的配置选项：</a:t>
             </a:r>
-            <a:endParaRPr lang="en-US" altLang="zh-CN" sz="1800" dirty="0"/>
+            <a:endParaRPr lang="en-US" altLang="zh-CN" dirty="0"/>
           </a:p>
           <a:p>
             <a:pPr marL="914400" lvl="2" indent="0">
               <a:buNone/>
             </a:pPr>
             <a:r>
-              <a:rPr lang="en-US" altLang="zh-CN" sz="1600" dirty="0"/>
+              <a:rPr lang="en-US" altLang="zh-CN" dirty="0"/>
               <a:t>$</a:t>
             </a:r>
             <a:r>
-              <a:rPr lang="en-US" altLang="zh-CN" sz="1600" dirty="0" err="1"/>
+              <a:rPr lang="en-US" altLang="zh-CN" dirty="0" err="1"/>
               <a:t>sw_http_server</a:t>
             </a:r>
             <a:r>
-              <a:rPr lang="en-US" altLang="zh-CN" sz="1600" dirty="0"/>
+              <a:rPr lang="en-US" altLang="zh-CN" dirty="0"/>
               <a:t>-&gt;set([</a:t>
             </a:r>
           </a:p>
@@ -6368,15 +6368,15 @@
               <a:buNone/>
             </a:pPr>
             <a:r>
-              <a:rPr lang="en-US" altLang="zh-CN" sz="1600" dirty="0"/>
+              <a:rPr lang="en-US" altLang="zh-CN" dirty="0"/>
               <a:t>        ‘</a:t>
             </a:r>
             <a:r>
-              <a:rPr lang="en-US" altLang="zh-CN" sz="1600" dirty="0" err="1"/>
+              <a:rPr lang="en-US" altLang="zh-CN" dirty="0" err="1"/>
               <a:t>daemonize</a:t>
             </a:r>
             <a:r>
-              <a:rPr lang="en-US" altLang="zh-CN" sz="1600" dirty="0"/>
+              <a:rPr lang="en-US" altLang="zh-CN" dirty="0"/>
               <a:t>’ =&gt; 1</a:t>
             </a:r>
           </a:p>
@@ -6385,13 +6385,13 @@
               <a:buNone/>
             </a:pPr>
             <a:r>
-              <a:rPr lang="en-US" altLang="zh-CN" sz="1600" dirty="0"/>
+              <a:rPr lang="en-US" altLang="zh-CN" dirty="0"/>
               <a:t>]);</a:t>
             </a:r>
           </a:p>
           <a:p>
             <a:r>
-              <a:rPr lang="zh-CN" altLang="en-US" sz="2000" dirty="0"/>
+              <a:rPr lang="zh-CN" altLang="en-US" dirty="0"/>
               <a:t>完整代码参考示例文件。</a:t>
             </a:r>
           </a:p>
@@ -6650,33 +6650,33 @@
           <a:lstStyle/>
           <a:p>
             <a:r>
-              <a:rPr lang="zh-CN" altLang="en-US" sz="2000" dirty="0"/>
+              <a:rPr lang="zh-CN" altLang="en-US" sz="2400" dirty="0"/>
               <a:t>返回静态文件，不做动态处理。</a:t>
             </a:r>
-            <a:endParaRPr lang="en-US" altLang="zh-CN" sz="2000" dirty="0"/>
-          </a:p>
-          <a:p>
-            <a:endParaRPr lang="en-US" altLang="zh-CN" sz="2000" dirty="0"/>
-          </a:p>
-          <a:p>
-            <a:r>
-              <a:rPr lang="zh-CN" altLang="en-US" sz="2000" dirty="0"/>
+            <a:endParaRPr lang="en-US" altLang="zh-CN" sz="2400" dirty="0"/>
+          </a:p>
+          <a:p>
+            <a:endParaRPr lang="en-US" altLang="zh-CN" sz="2400" dirty="0"/>
+          </a:p>
+          <a:p>
+            <a:r>
+              <a:rPr lang="zh-CN" altLang="en-US" sz="2400" dirty="0"/>
               <a:t>可用于静态网站。</a:t>
             </a:r>
-            <a:endParaRPr lang="en-US" altLang="zh-CN" sz="2000" dirty="0"/>
-          </a:p>
-          <a:p>
-            <a:endParaRPr lang="en-US" altLang="zh-CN" sz="2000" dirty="0"/>
-          </a:p>
-          <a:p>
-            <a:r>
-              <a:rPr lang="zh-CN" altLang="en-US" sz="2000" dirty="0"/>
+            <a:endParaRPr lang="en-US" altLang="zh-CN" sz="2400" dirty="0"/>
+          </a:p>
+          <a:p>
+            <a:endParaRPr lang="en-US" altLang="zh-CN" sz="2400" dirty="0"/>
+          </a:p>
+          <a:p>
+            <a:r>
+              <a:rPr lang="zh-CN" altLang="en-US" sz="2400" dirty="0"/>
               <a:t>大规模网站，会单独有一个静态文件分发服务器。对于变动不频繁的页面部署在一个单独的服务上，减轻整体系统的负载压力。</a:t>
             </a:r>
-            <a:endParaRPr lang="en-US" altLang="zh-CN" sz="2000" dirty="0"/>
-          </a:p>
-          <a:p>
-            <a:endParaRPr lang="en-US" altLang="zh-CN" sz="2000" dirty="0"/>
+            <a:endParaRPr lang="en-US" altLang="zh-CN" sz="2400" dirty="0"/>
+          </a:p>
+          <a:p>
+            <a:endParaRPr lang="en-US" altLang="zh-CN" sz="2400" dirty="0"/>
           </a:p>
         </p:txBody>
       </p:sp>
@@ -6780,39 +6780,101 @@
           <a:lstStyle/>
           <a:p>
             <a:r>
-              <a:rPr lang="zh-CN" altLang="en-US" sz="2000" dirty="0">
+              <a:rPr lang="zh-CN" altLang="en-US" sz="2400" dirty="0">
                 <a:latin typeface="等线" panose="02010600030101010101" pitchFamily="2" charset="-122"/>
                 <a:ea typeface="等线" panose="02010600030101010101" pitchFamily="2" charset="-122"/>
               </a:rPr>
               <a:t>使用</a:t>
             </a:r>
             <a:r>
-              <a:rPr lang="en-US" altLang="zh-CN" sz="2000" dirty="0" err="1">
+              <a:rPr lang="en-US" altLang="zh-CN" sz="2400" dirty="0" err="1">
                 <a:latin typeface="等线" panose="02010600030101010101" pitchFamily="2" charset="-122"/>
                 <a:ea typeface="等线" panose="02010600030101010101" pitchFamily="2" charset="-122"/>
               </a:rPr>
               <a:t>Swoole</a:t>
             </a:r>
             <a:r>
-              <a:rPr lang="zh-CN" altLang="en-US" sz="2000" dirty="0">
+              <a:rPr lang="zh-CN" altLang="en-US" sz="2400" dirty="0">
                 <a:latin typeface="等线" panose="02010600030101010101" pitchFamily="2" charset="-122"/>
                 <a:ea typeface="等线" panose="02010600030101010101" pitchFamily="2" charset="-122"/>
               </a:rPr>
               <a:t>实现静态文件服务器很简单，</a:t>
             </a:r>
             <a:r>
-              <a:rPr lang="en-US" altLang="zh-CN" sz="2000" dirty="0" err="1">
+              <a:rPr lang="en-US" altLang="zh-CN" sz="2400" dirty="0" err="1">
                 <a:latin typeface="等线" panose="02010600030101010101" pitchFamily="2" charset="-122"/>
                 <a:ea typeface="等线" panose="02010600030101010101" pitchFamily="2" charset="-122"/>
               </a:rPr>
               <a:t>Swoole</a:t>
             </a:r>
             <a:r>
-              <a:rPr lang="zh-CN" altLang="en-US" sz="2000" dirty="0">
+              <a:rPr lang="zh-CN" altLang="en-US" sz="2400" dirty="0">
                 <a:latin typeface="等线" panose="02010600030101010101" pitchFamily="2" charset="-122"/>
                 <a:ea typeface="等线" panose="02010600030101010101" pitchFamily="2" charset="-122"/>
               </a:rPr>
               <a:t>提供了</a:t>
+            </a:r>
+            <a:r>
+              <a:rPr lang="en-US" altLang="zh-CN" sz="2400" dirty="0" err="1">
+                <a:latin typeface="等线" panose="02010600030101010101" pitchFamily="2" charset="-122"/>
+                <a:ea typeface="等线" panose="02010600030101010101" pitchFamily="2" charset="-122"/>
+              </a:rPr>
+              <a:t>document_root</a:t>
+            </a:r>
+            <a:r>
+              <a:rPr lang="zh-CN" altLang="en-US" sz="2400" dirty="0">
+                <a:latin typeface="等线" panose="02010600030101010101" pitchFamily="2" charset="-122"/>
+                <a:ea typeface="等线" panose="02010600030101010101" pitchFamily="2" charset="-122"/>
+              </a:rPr>
+              <a:t>配置选项。</a:t>
+            </a:r>
+            <a:endParaRPr lang="en-US" altLang="zh-CN" sz="2400" dirty="0">
+              <a:latin typeface="等线" panose="02010600030101010101" pitchFamily="2" charset="-122"/>
+              <a:ea typeface="等线" panose="02010600030101010101" pitchFamily="2" charset="-122"/>
+            </a:endParaRPr>
+          </a:p>
+          <a:p>
+            <a:r>
+              <a:rPr lang="zh-CN" altLang="en-US" sz="2400" dirty="0">
+                <a:latin typeface="等线" panose="02010600030101010101" pitchFamily="2" charset="-122"/>
+                <a:ea typeface="等线" panose="02010600030101010101" pitchFamily="2" charset="-122"/>
+              </a:rPr>
+              <a:t>通过两个选项组合即可实现：</a:t>
+            </a:r>
+            <a:endParaRPr lang="en-US" altLang="zh-CN" sz="2400" dirty="0">
+              <a:latin typeface="等线" panose="02010600030101010101" pitchFamily="2" charset="-122"/>
+              <a:ea typeface="等线" panose="02010600030101010101" pitchFamily="2" charset="-122"/>
+            </a:endParaRPr>
+          </a:p>
+          <a:p>
+            <a:pPr marL="457200" lvl="1" indent="0">
+              <a:buNone/>
+            </a:pPr>
+            <a:r>
+              <a:rPr lang="en-US" altLang="zh-CN" sz="1800" dirty="0">
+                <a:latin typeface="等线" panose="02010600030101010101" pitchFamily="2" charset="-122"/>
+                <a:ea typeface="等线" panose="02010600030101010101" pitchFamily="2" charset="-122"/>
+              </a:rPr>
+              <a:t>    </a:t>
+            </a:r>
+            <a:r>
+              <a:rPr lang="en-US" altLang="zh-CN" sz="2000" dirty="0">
+                <a:latin typeface="等线" panose="02010600030101010101" pitchFamily="2" charset="-122"/>
+                <a:ea typeface="等线" panose="02010600030101010101" pitchFamily="2" charset="-122"/>
+              </a:rPr>
+              <a:t>$server-&gt;set([</a:t>
+            </a:r>
+          </a:p>
+          <a:p>
+            <a:pPr marL="457200" lvl="1" indent="0">
+              <a:buNone/>
+            </a:pPr>
+            <a:r>
+              <a:rPr lang="en-US" altLang="zh-CN" sz="2000" dirty="0">
+                <a:latin typeface="等线" panose="02010600030101010101" pitchFamily="2" charset="-122"/>
+                <a:ea typeface="等线" panose="02010600030101010101" pitchFamily="2" charset="-122"/>
+              </a:rPr>
+              <a:t>        ‘</a:t>
             </a:r>
             <a:r>
               <a:rPr lang="en-US" altLang="zh-CN" sz="2000" dirty="0" err="1">
@@ -6822,164 +6884,51 @@
               <a:t>document_root</a:t>
             </a:r>
             <a:r>
-              <a:rPr lang="zh-CN" altLang="en-US" sz="2000" dirty="0">
+              <a:rPr lang="en-US" altLang="zh-CN" sz="2000" dirty="0">
                 <a:latin typeface="等线" panose="02010600030101010101" pitchFamily="2" charset="-122"/>
                 <a:ea typeface="等线" panose="02010600030101010101" pitchFamily="2" charset="-122"/>
               </a:rPr>
-              <a:t>配置选项。</a:t>
-            </a:r>
-            <a:endParaRPr lang="en-US" altLang="zh-CN" sz="2000" dirty="0">
-              <a:latin typeface="等线" panose="02010600030101010101" pitchFamily="2" charset="-122"/>
-              <a:ea typeface="等线" panose="02010600030101010101" pitchFamily="2" charset="-122"/>
-            </a:endParaRPr>
-          </a:p>
-          <a:p>
-            <a:r>
-              <a:rPr lang="zh-CN" altLang="en-US" sz="2000" dirty="0">
+              <a:t>’ =&gt; ‘/home/</a:t>
+            </a:r>
+            <a:r>
+              <a:rPr lang="en-US" altLang="zh-CN" sz="2000" dirty="0" err="1">
                 <a:latin typeface="等线" panose="02010600030101010101" pitchFamily="2" charset="-122"/>
                 <a:ea typeface="等线" panose="02010600030101010101" pitchFamily="2" charset="-122"/>
               </a:rPr>
-              <a:t>通过两个选项组合即可实现：</a:t>
-            </a:r>
-            <a:endParaRPr lang="en-US" altLang="zh-CN" sz="2000" dirty="0">
-              <a:latin typeface="等线" panose="02010600030101010101" pitchFamily="2" charset="-122"/>
-              <a:ea typeface="等线" panose="02010600030101010101" pitchFamily="2" charset="-122"/>
-            </a:endParaRPr>
+              <a:t>wy</a:t>
+            </a:r>
+            <a:r>
+              <a:rPr lang="en-US" altLang="zh-CN" sz="2000" dirty="0">
+                <a:latin typeface="等线" panose="02010600030101010101" pitchFamily="2" charset="-122"/>
+                <a:ea typeface="等线" panose="02010600030101010101" pitchFamily="2" charset="-122"/>
+              </a:rPr>
+              <a:t>/www/</a:t>
+            </a:r>
+            <a:r>
+              <a:rPr lang="en-US" altLang="zh-CN" sz="2000" dirty="0" err="1">
+                <a:latin typeface="等线" panose="02010600030101010101" pitchFamily="2" charset="-122"/>
+                <a:ea typeface="等线" panose="02010600030101010101" pitchFamily="2" charset="-122"/>
+              </a:rPr>
+              <a:t>swoole_static</a:t>
+            </a:r>
+            <a:r>
+              <a:rPr lang="en-US" altLang="zh-CN" sz="2000" dirty="0">
+                <a:latin typeface="等线" panose="02010600030101010101" pitchFamily="2" charset="-122"/>
+                <a:ea typeface="等线" panose="02010600030101010101" pitchFamily="2" charset="-122"/>
+              </a:rPr>
+              <a:t>’,</a:t>
+            </a:r>
           </a:p>
           <a:p>
             <a:pPr marL="457200" lvl="1" indent="0">
               <a:buNone/>
             </a:pPr>
             <a:r>
-              <a:rPr lang="en-US" altLang="zh-CN" sz="1600" dirty="0">
-                <a:latin typeface="等线" panose="02010600030101010101" pitchFamily="2" charset="-122"/>
-                <a:ea typeface="等线" panose="02010600030101010101" pitchFamily="2" charset="-122"/>
-              </a:rPr>
-              <a:t>    </a:t>
-            </a:r>
-            <a:r>
-              <a:rPr lang="en-US" altLang="zh-CN" sz="1800" dirty="0">
-                <a:latin typeface="等线" panose="02010600030101010101" pitchFamily="2" charset="-122"/>
-                <a:ea typeface="等线" panose="02010600030101010101" pitchFamily="2" charset="-122"/>
-              </a:rPr>
-              <a:t>$server-&gt;set([</a:t>
-            </a:r>
-          </a:p>
-          <a:p>
-            <a:pPr marL="457200" lvl="1" indent="0">
-              <a:buNone/>
-            </a:pPr>
-            <a:r>
-              <a:rPr lang="en-US" altLang="zh-CN" sz="1800" dirty="0">
+              <a:rPr lang="en-US" altLang="zh-CN" sz="2000" dirty="0">
                 <a:latin typeface="等线" panose="02010600030101010101" pitchFamily="2" charset="-122"/>
                 <a:ea typeface="等线" panose="02010600030101010101" pitchFamily="2" charset="-122"/>
               </a:rPr>
               <a:t>        ‘</a:t>
-            </a:r>
-            <a:r>
-              <a:rPr lang="en-US" altLang="zh-CN" sz="1800" dirty="0" err="1">
-                <a:latin typeface="等线" panose="02010600030101010101" pitchFamily="2" charset="-122"/>
-                <a:ea typeface="等线" panose="02010600030101010101" pitchFamily="2" charset="-122"/>
-              </a:rPr>
-              <a:t>document_root</a:t>
-            </a:r>
-            <a:r>
-              <a:rPr lang="en-US" altLang="zh-CN" sz="1800" dirty="0">
-                <a:latin typeface="等线" panose="02010600030101010101" pitchFamily="2" charset="-122"/>
-                <a:ea typeface="等线" panose="02010600030101010101" pitchFamily="2" charset="-122"/>
-              </a:rPr>
-              <a:t>’ =&gt; ‘/home/</a:t>
-            </a:r>
-            <a:r>
-              <a:rPr lang="en-US" altLang="zh-CN" sz="1800" dirty="0" err="1">
-                <a:latin typeface="等线" panose="02010600030101010101" pitchFamily="2" charset="-122"/>
-                <a:ea typeface="等线" panose="02010600030101010101" pitchFamily="2" charset="-122"/>
-              </a:rPr>
-              <a:t>wy</a:t>
-            </a:r>
-            <a:r>
-              <a:rPr lang="en-US" altLang="zh-CN" sz="1800" dirty="0">
-                <a:latin typeface="等线" panose="02010600030101010101" pitchFamily="2" charset="-122"/>
-                <a:ea typeface="等线" panose="02010600030101010101" pitchFamily="2" charset="-122"/>
-              </a:rPr>
-              <a:t>/www/</a:t>
-            </a:r>
-            <a:r>
-              <a:rPr lang="en-US" altLang="zh-CN" sz="1800" dirty="0" err="1">
-                <a:latin typeface="等线" panose="02010600030101010101" pitchFamily="2" charset="-122"/>
-                <a:ea typeface="等线" panose="02010600030101010101" pitchFamily="2" charset="-122"/>
-              </a:rPr>
-              <a:t>swoole_static</a:t>
-            </a:r>
-            <a:r>
-              <a:rPr lang="en-US" altLang="zh-CN" sz="1800" dirty="0">
-                <a:latin typeface="等线" panose="02010600030101010101" pitchFamily="2" charset="-122"/>
-                <a:ea typeface="等线" panose="02010600030101010101" pitchFamily="2" charset="-122"/>
-              </a:rPr>
-              <a:t>’,</a:t>
-            </a:r>
-          </a:p>
-          <a:p>
-            <a:pPr marL="457200" lvl="1" indent="0">
-              <a:buNone/>
-            </a:pPr>
-            <a:r>
-              <a:rPr lang="en-US" altLang="zh-CN" sz="1800" dirty="0">
-                <a:latin typeface="等线" panose="02010600030101010101" pitchFamily="2" charset="-122"/>
-                <a:ea typeface="等线" panose="02010600030101010101" pitchFamily="2" charset="-122"/>
-              </a:rPr>
-              <a:t>        ‘</a:t>
-            </a:r>
-            <a:r>
-              <a:rPr lang="en-US" altLang="zh-CN" sz="1800" dirty="0" err="1">
-                <a:latin typeface="等线" panose="02010600030101010101" pitchFamily="2" charset="-122"/>
-                <a:ea typeface="等线" panose="02010600030101010101" pitchFamily="2" charset="-122"/>
-              </a:rPr>
-              <a:t>enable_static_handler</a:t>
-            </a:r>
-            <a:r>
-              <a:rPr lang="en-US" altLang="zh-CN" sz="1800" dirty="0">
-                <a:latin typeface="等线" panose="02010600030101010101" pitchFamily="2" charset="-122"/>
-                <a:ea typeface="等线" panose="02010600030101010101" pitchFamily="2" charset="-122"/>
-              </a:rPr>
-              <a:t>’ =&gt; true</a:t>
-            </a:r>
-          </a:p>
-          <a:p>
-            <a:pPr marL="457200" lvl="1" indent="0">
-              <a:buNone/>
-            </a:pPr>
-            <a:r>
-              <a:rPr lang="en-US" altLang="zh-CN" sz="1800" dirty="0">
-                <a:latin typeface="等线" panose="02010600030101010101" pitchFamily="2" charset="-122"/>
-                <a:ea typeface="等线" panose="02010600030101010101" pitchFamily="2" charset="-122"/>
-              </a:rPr>
-              <a:t>    ]);</a:t>
-            </a:r>
-          </a:p>
-          <a:p>
-            <a:pPr marL="457200" lvl="1" indent="0">
-              <a:buNone/>
-            </a:pPr>
-            <a:endParaRPr lang="en-US" altLang="zh-CN" sz="1800" dirty="0">
-              <a:latin typeface="等线" panose="02010600030101010101" pitchFamily="2" charset="-122"/>
-              <a:ea typeface="等线" panose="02010600030101010101" pitchFamily="2" charset="-122"/>
-            </a:endParaRPr>
-          </a:p>
-          <a:p>
-            <a:r>
-              <a:rPr lang="en-US" altLang="zh-CN" sz="2000" dirty="0" err="1">
-                <a:latin typeface="等线" panose="02010600030101010101" pitchFamily="2" charset="-122"/>
-                <a:ea typeface="等线" panose="02010600030101010101" pitchFamily="2" charset="-122"/>
-              </a:rPr>
-              <a:t>document_root</a:t>
-            </a:r>
-            <a:r>
-              <a:rPr lang="zh-CN" altLang="en-US" sz="2000" dirty="0">
-                <a:latin typeface="等线" panose="02010600030101010101" pitchFamily="2" charset="-122"/>
-                <a:ea typeface="等线" panose="02010600030101010101" pitchFamily="2" charset="-122"/>
-              </a:rPr>
-              <a:t>配置静态文件路径，</a:t>
             </a:r>
             <a:r>
               <a:rPr lang="en-US" altLang="zh-CN" sz="2000" dirty="0" err="1">
@@ -6989,65 +6938,118 @@
               <a:t>enable_static_handler</a:t>
             </a:r>
             <a:r>
-              <a:rPr lang="zh-CN" altLang="en-US" sz="2000" dirty="0">
+              <a:rPr lang="en-US" altLang="zh-CN" sz="2000" dirty="0">
                 <a:latin typeface="等线" panose="02010600030101010101" pitchFamily="2" charset="-122"/>
                 <a:ea typeface="等线" panose="02010600030101010101" pitchFamily="2" charset="-122"/>
               </a:rPr>
-              <a:t>设置允许静态文件请求处理。</a:t>
-            </a:r>
+              <a:t>’ =&gt; true</a:t>
+            </a:r>
+          </a:p>
+          <a:p>
+            <a:pPr marL="457200" lvl="1" indent="0">
+              <a:buNone/>
+            </a:pPr>
+            <a:r>
+              <a:rPr lang="en-US" altLang="zh-CN" sz="2000" dirty="0">
+                <a:latin typeface="等线" panose="02010600030101010101" pitchFamily="2" charset="-122"/>
+                <a:ea typeface="等线" panose="02010600030101010101" pitchFamily="2" charset="-122"/>
+              </a:rPr>
+              <a:t>    ]);</a:t>
+            </a:r>
+          </a:p>
+          <a:p>
+            <a:pPr marL="457200" lvl="1" indent="0">
+              <a:buNone/>
+            </a:pPr>
             <a:endParaRPr lang="en-US" altLang="zh-CN" sz="2000" dirty="0">
               <a:latin typeface="等线" panose="02010600030101010101" pitchFamily="2" charset="-122"/>
               <a:ea typeface="等线" panose="02010600030101010101" pitchFamily="2" charset="-122"/>
             </a:endParaRPr>
           </a:p>
           <a:p>
-            <a:endParaRPr lang="en-US" altLang="zh-CN" sz="2000" dirty="0">
+            <a:r>
+              <a:rPr lang="en-US" altLang="zh-CN" sz="2400" dirty="0" err="1">
+                <a:latin typeface="等线" panose="02010600030101010101" pitchFamily="2" charset="-122"/>
+                <a:ea typeface="等线" panose="02010600030101010101" pitchFamily="2" charset="-122"/>
+              </a:rPr>
+              <a:t>document_root</a:t>
+            </a:r>
+            <a:r>
+              <a:rPr lang="zh-CN" altLang="en-US" sz="2400" dirty="0">
+                <a:latin typeface="等线" panose="02010600030101010101" pitchFamily="2" charset="-122"/>
+                <a:ea typeface="等线" panose="02010600030101010101" pitchFamily="2" charset="-122"/>
+              </a:rPr>
+              <a:t>配置静态文件路径，</a:t>
+            </a:r>
+            <a:r>
+              <a:rPr lang="en-US" altLang="zh-CN" sz="2400" dirty="0" err="1">
+                <a:latin typeface="等线" panose="02010600030101010101" pitchFamily="2" charset="-122"/>
+                <a:ea typeface="等线" panose="02010600030101010101" pitchFamily="2" charset="-122"/>
+              </a:rPr>
+              <a:t>enable_static_handler</a:t>
+            </a:r>
+            <a:r>
+              <a:rPr lang="zh-CN" altLang="en-US" sz="2400" dirty="0">
+                <a:latin typeface="等线" panose="02010600030101010101" pitchFamily="2" charset="-122"/>
+                <a:ea typeface="等线" panose="02010600030101010101" pitchFamily="2" charset="-122"/>
+              </a:rPr>
+              <a:t>设置允许静态文件请求</a:t>
+            </a:r>
+            <a:r>
+              <a:rPr lang="zh-CN" altLang="en-US" sz="2400">
+                <a:latin typeface="等线" panose="02010600030101010101" pitchFamily="2" charset="-122"/>
+                <a:ea typeface="等线" panose="02010600030101010101" pitchFamily="2" charset="-122"/>
+              </a:rPr>
+              <a:t>处理。</a:t>
+            </a:r>
+            <a:endParaRPr lang="en-US" altLang="zh-CN" sz="2400" dirty="0">
               <a:latin typeface="等线" panose="02010600030101010101" pitchFamily="2" charset="-122"/>
               <a:ea typeface="等线" panose="02010600030101010101" pitchFamily="2" charset="-122"/>
             </a:endParaRPr>
           </a:p>
           <a:p>
             <a:r>
-              <a:rPr lang="zh-CN" altLang="en-US" sz="2000" dirty="0">
+              <a:rPr lang="zh-CN" altLang="en-US" sz="2400" dirty="0">
                 <a:latin typeface="等线" panose="02010600030101010101" pitchFamily="2" charset="-122"/>
                 <a:ea typeface="等线" panose="02010600030101010101" pitchFamily="2" charset="-122"/>
               </a:rPr>
-              <a:t>这两个选项设置后，如果在设置的路径存在请求的文件则直接返回文件数据。</a:t>
-            </a:r>
-            <a:endParaRPr lang="en-US" altLang="zh-CN" sz="2000" dirty="0">
+              <a:t>这两个选项设置后，如果在设置的路径存在请求的文件则直接返回文件</a:t>
+            </a:r>
+            <a:r>
+              <a:rPr lang="zh-CN" altLang="en-US" sz="2400">
+                <a:latin typeface="等线" panose="02010600030101010101" pitchFamily="2" charset="-122"/>
+                <a:ea typeface="等线" panose="02010600030101010101" pitchFamily="2" charset="-122"/>
+              </a:rPr>
+              <a:t>数据。</a:t>
+            </a:r>
+            <a:endParaRPr lang="en-US" altLang="zh-CN" sz="2400" dirty="0">
               <a:latin typeface="等线" panose="02010600030101010101" pitchFamily="2" charset="-122"/>
               <a:ea typeface="等线" panose="02010600030101010101" pitchFamily="2" charset="-122"/>
             </a:endParaRPr>
           </a:p>
           <a:p>
-            <a:endParaRPr lang="en-US" altLang="zh-CN" sz="2000" dirty="0">
-              <a:latin typeface="等线" panose="02010600030101010101" pitchFamily="2" charset="-122"/>
-              <a:ea typeface="等线" panose="02010600030101010101" pitchFamily="2" charset="-122"/>
-            </a:endParaRPr>
-          </a:p>
-          <a:p>
-            <a:r>
-              <a:rPr lang="zh-CN" altLang="en-US" sz="2000" dirty="0">
+            <a:r>
+              <a:rPr lang="zh-CN" altLang="en-US" sz="2400" dirty="0">
                 <a:latin typeface="等线" panose="02010600030101010101" pitchFamily="2" charset="-122"/>
                 <a:ea typeface="等线" panose="02010600030101010101" pitchFamily="2" charset="-122"/>
               </a:rPr>
               <a:t>如果存在文件，就不会再触发</a:t>
             </a:r>
             <a:r>
-              <a:rPr lang="en-US" altLang="zh-CN" sz="2000" dirty="0" err="1">
+              <a:rPr lang="en-US" altLang="zh-CN" sz="2400" dirty="0" err="1">
                 <a:latin typeface="等线" panose="02010600030101010101" pitchFamily="2" charset="-122"/>
                 <a:ea typeface="等线" panose="02010600030101010101" pitchFamily="2" charset="-122"/>
               </a:rPr>
               <a:t>onRequest</a:t>
             </a:r>
             <a:r>
-              <a:rPr lang="zh-CN" altLang="en-US" sz="2000" dirty="0">
+              <a:rPr lang="zh-CN" altLang="en-US" sz="2400" dirty="0">
                 <a:latin typeface="等线" panose="02010600030101010101" pitchFamily="2" charset="-122"/>
                 <a:ea typeface="等线" panose="02010600030101010101" pitchFamily="2" charset="-122"/>
               </a:rPr>
               <a:t>事件。</a:t>
             </a:r>
-            <a:endParaRPr lang="en-US" altLang="zh-CN" sz="2000" dirty="0">
+            <a:endParaRPr lang="en-US" altLang="zh-CN" sz="2400" dirty="0">
               <a:latin typeface="等线" panose="02010600030101010101" pitchFamily="2" charset="-122"/>
               <a:ea typeface="等线" panose="02010600030101010101" pitchFamily="2" charset="-122"/>
             </a:endParaRPr>
@@ -7146,60 +7148,60 @@
           <a:lstStyle/>
           <a:p>
             <a:r>
-              <a:rPr lang="zh-CN" altLang="en-US" sz="2000" dirty="0">
+              <a:rPr lang="zh-CN" altLang="en-US" sz="2400" dirty="0">
                 <a:latin typeface="等线" panose="02010600030101010101" pitchFamily="2" charset="-122"/>
                 <a:ea typeface="等线" panose="02010600030101010101" pitchFamily="2" charset="-122"/>
               </a:rPr>
               <a:t>如果文件未发现，则会触发</a:t>
             </a:r>
             <a:r>
-              <a:rPr lang="en-US" altLang="zh-CN" sz="2000" dirty="0" err="1">
+              <a:rPr lang="en-US" altLang="zh-CN" sz="2400" dirty="0" err="1">
                 <a:latin typeface="等线" panose="02010600030101010101" pitchFamily="2" charset="-122"/>
                 <a:ea typeface="等线" panose="02010600030101010101" pitchFamily="2" charset="-122"/>
               </a:rPr>
               <a:t>onRequest</a:t>
             </a:r>
             <a:r>
-              <a:rPr lang="zh-CN" altLang="en-US" sz="2000" dirty="0">
+              <a:rPr lang="zh-CN" altLang="en-US" sz="2400" dirty="0">
                 <a:latin typeface="等线" panose="02010600030101010101" pitchFamily="2" charset="-122"/>
                 <a:ea typeface="等线" panose="02010600030101010101" pitchFamily="2" charset="-122"/>
               </a:rPr>
               <a:t>事件处理请求。</a:t>
             </a:r>
-            <a:endParaRPr lang="en-US" altLang="zh-CN" sz="2000" dirty="0">
+            <a:endParaRPr lang="en-US" altLang="zh-CN" sz="2400" dirty="0">
               <a:latin typeface="等线" panose="02010600030101010101" pitchFamily="2" charset="-122"/>
               <a:ea typeface="等线" panose="02010600030101010101" pitchFamily="2" charset="-122"/>
             </a:endParaRPr>
           </a:p>
           <a:p>
-            <a:endParaRPr lang="en-US" altLang="zh-CN" sz="2000" dirty="0">
+            <a:endParaRPr lang="en-US" altLang="zh-CN" sz="2400" dirty="0">
               <a:latin typeface="等线" panose="02010600030101010101" pitchFamily="2" charset="-122"/>
               <a:ea typeface="等线" panose="02010600030101010101" pitchFamily="2" charset="-122"/>
             </a:endParaRPr>
           </a:p>
           <a:p>
             <a:r>
-              <a:rPr lang="zh-CN" altLang="en-US" sz="2000" dirty="0">
+              <a:rPr lang="zh-CN" altLang="en-US" sz="2400" dirty="0">
                 <a:latin typeface="等线" panose="02010600030101010101" pitchFamily="2" charset="-122"/>
                 <a:ea typeface="等线" panose="02010600030101010101" pitchFamily="2" charset="-122"/>
               </a:rPr>
               <a:t>可以在</a:t>
             </a:r>
             <a:r>
-              <a:rPr lang="en-US" altLang="zh-CN" sz="2000" dirty="0" err="1">
+              <a:rPr lang="en-US" altLang="zh-CN" sz="2400" dirty="0" err="1">
                 <a:latin typeface="等线" panose="02010600030101010101" pitchFamily="2" charset="-122"/>
                 <a:ea typeface="等线" panose="02010600030101010101" pitchFamily="2" charset="-122"/>
               </a:rPr>
               <a:t>onRequest</a:t>
             </a:r>
             <a:r>
-              <a:rPr lang="zh-CN" altLang="en-US" sz="2000" dirty="0">
+              <a:rPr lang="zh-CN" altLang="en-US" sz="2400" dirty="0">
                 <a:latin typeface="等线" panose="02010600030101010101" pitchFamily="2" charset="-122"/>
                 <a:ea typeface="等线" panose="02010600030101010101" pitchFamily="2" charset="-122"/>
               </a:rPr>
               <a:t>事件回调函数中给出错误提示：</a:t>
             </a:r>
-            <a:endParaRPr lang="en-US" altLang="zh-CN" sz="2000" dirty="0">
+            <a:endParaRPr lang="en-US" altLang="zh-CN" sz="2400" dirty="0">
               <a:latin typeface="等线" panose="02010600030101010101" pitchFamily="2" charset="-122"/>
               <a:ea typeface="等线" panose="02010600030101010101" pitchFamily="2" charset="-122"/>
             </a:endParaRPr>
@@ -7279,8 +7281,8 @@
         </p:blipFill>
         <p:spPr>
           <a:xfrm>
-            <a:off x="1281713" y="3989846"/>
-            <a:ext cx="9628573" cy="1417320"/>
+            <a:off x="1009151" y="3849168"/>
+            <a:ext cx="9987657" cy="1470177"/>
           </a:xfrm>
           <a:prstGeom prst="rect">
             <a:avLst/>
@@ -7374,78 +7376,75 @@
           <a:lstStyle/>
           <a:p>
             <a:r>
-              <a:rPr lang="zh-CN" altLang="en-US" sz="2000" dirty="0"/>
+              <a:rPr lang="zh-CN" altLang="en-US" sz="2400" dirty="0"/>
               <a:t>作为一个静态文件服务程序，运行时要在后台运行，否则</a:t>
             </a:r>
             <a:r>
-              <a:rPr lang="en-US" altLang="zh-CN" sz="2000" dirty="0"/>
+              <a:rPr lang="en-US" altLang="zh-CN" sz="2400" dirty="0"/>
               <a:t>shell</a:t>
             </a:r>
             <a:r>
-              <a:rPr lang="zh-CN" altLang="en-US" sz="2000" dirty="0"/>
+              <a:rPr lang="zh-CN" altLang="en-US" sz="2400" dirty="0"/>
               <a:t>退出，就会随之退出。</a:t>
             </a:r>
-            <a:endParaRPr lang="en-US" altLang="zh-CN" sz="2000" dirty="0"/>
-          </a:p>
-          <a:p>
-            <a:endParaRPr lang="en-US" altLang="zh-CN" sz="2000" dirty="0"/>
-          </a:p>
-          <a:p>
-            <a:r>
-              <a:rPr lang="zh-CN" altLang="en-US" sz="2000" dirty="0"/>
+            <a:endParaRPr lang="en-US" altLang="zh-CN" sz="2400" dirty="0"/>
+          </a:p>
+          <a:p>
+            <a:endParaRPr lang="en-US" altLang="zh-CN" sz="2400" dirty="0"/>
+          </a:p>
+          <a:p>
+            <a:r>
+              <a:rPr lang="zh-CN" altLang="en-US" sz="2400" dirty="0"/>
               <a:t>使用配置创建守护进程：</a:t>
             </a:r>
-            <a:endParaRPr lang="en-US" altLang="zh-CN" sz="2000" dirty="0"/>
-          </a:p>
-          <a:p>
-            <a:endParaRPr lang="en-US" altLang="zh-CN" sz="2000" dirty="0"/>
-          </a:p>
-          <a:p>
-            <a:endParaRPr lang="en-US" altLang="zh-CN" sz="2000" dirty="0"/>
-          </a:p>
-          <a:p>
-            <a:endParaRPr lang="en-US" altLang="zh-CN" sz="2000" dirty="0"/>
-          </a:p>
-          <a:p>
-            <a:endParaRPr lang="en-US" altLang="zh-CN" sz="2000" dirty="0"/>
-          </a:p>
-          <a:p>
-            <a:endParaRPr lang="en-US" altLang="zh-CN" sz="2000" dirty="0"/>
-          </a:p>
-          <a:p>
-            <a:endParaRPr lang="en-US" altLang="zh-CN" sz="2000" dirty="0"/>
-          </a:p>
-          <a:p>
-            <a:endParaRPr lang="en-US" altLang="zh-CN" sz="2000" dirty="0"/>
-          </a:p>
-          <a:p>
-            <a:r>
-              <a:rPr lang="zh-CN" altLang="en-US" sz="2000" dirty="0"/>
-              <a:t>最后一行加入‘</a:t>
-            </a:r>
-            <a:r>
-              <a:rPr lang="en-US" altLang="zh-CN" sz="2000" dirty="0" err="1"/>
-              <a:t>daemonize</a:t>
-            </a:r>
-            <a:r>
-              <a:rPr lang="zh-CN" altLang="en-US" sz="2000" dirty="0"/>
-              <a:t>’</a:t>
-            </a:r>
-            <a:r>
-              <a:rPr lang="en-US" altLang="zh-CN" sz="2000" dirty="0"/>
-              <a:t>=&gt;1</a:t>
-            </a:r>
-            <a:r>
-              <a:rPr lang="zh-CN" altLang="en-US" sz="2000" dirty="0"/>
-              <a:t>即可。</a:t>
-            </a:r>
-            <a:endParaRPr lang="en-US" altLang="zh-CN" sz="2000" dirty="0"/>
+            <a:endParaRPr lang="en-US" altLang="zh-CN" sz="2400" dirty="0"/>
+          </a:p>
+          <a:p>
+            <a:endParaRPr lang="en-US" altLang="zh-CN" sz="2400" dirty="0"/>
+          </a:p>
+          <a:p>
+            <a:endParaRPr lang="en-US" altLang="zh-CN" sz="2400" dirty="0"/>
+          </a:p>
+          <a:p>
+            <a:endParaRPr lang="en-US" altLang="zh-CN" sz="2400" dirty="0"/>
           </a:p>
           <a:p>
             <a:pPr marL="0" indent="0">
               <a:buNone/>
             </a:pPr>
-            <a:endParaRPr lang="zh-CN" altLang="en-US" sz="2000" dirty="0"/>
+            <a:endParaRPr lang="en-US" altLang="zh-CN" sz="2400" dirty="0"/>
+          </a:p>
+          <a:p>
+            <a:endParaRPr lang="en-US" altLang="zh-CN" sz="2400" dirty="0"/>
+          </a:p>
+          <a:p>
+            <a:r>
+              <a:rPr lang="zh-CN" altLang="en-US" sz="2400" dirty="0"/>
+              <a:t>最后一行加入‘</a:t>
+            </a:r>
+            <a:r>
+              <a:rPr lang="en-US" altLang="zh-CN" sz="2400" dirty="0" err="1"/>
+              <a:t>daemonize</a:t>
+            </a:r>
+            <a:r>
+              <a:rPr lang="zh-CN" altLang="en-US" sz="2400" dirty="0"/>
+              <a:t>’</a:t>
+            </a:r>
+            <a:r>
+              <a:rPr lang="en-US" altLang="zh-CN" sz="2400" dirty="0"/>
+              <a:t>=&gt;1</a:t>
+            </a:r>
+            <a:r>
+              <a:rPr lang="zh-CN" altLang="en-US" sz="2400" dirty="0"/>
+              <a:t>即可。</a:t>
+            </a:r>
+            <a:endParaRPr lang="en-US" altLang="zh-CN" sz="2400" dirty="0"/>
+          </a:p>
+          <a:p>
+            <a:pPr marL="0" indent="0">
+              <a:buNone/>
+            </a:pPr>
+            <a:endParaRPr lang="zh-CN" altLang="en-US" sz="2400" dirty="0"/>
           </a:p>
         </p:txBody>
       </p:sp>
@@ -7477,8 +7476,8 @@
         </p:blipFill>
         <p:spPr>
           <a:xfrm>
-            <a:off x="1199964" y="3139032"/>
-            <a:ext cx="9319939" cy="2062468"/>
+            <a:off x="1252718" y="3358840"/>
+            <a:ext cx="9574349" cy="2118768"/>
           </a:xfrm>
           <a:prstGeom prst="rect">
             <a:avLst/>
@@ -7564,7 +7563,7 @@
             <p:ph idx="1"/>
             <p:extLst>
               <p:ext uri="{D42A27DB-BD31-4B8C-83A1-F6EECF244321}">
-                <p14:modId xmlns:p14="http://schemas.microsoft.com/office/powerpoint/2010/main" val="2693306284"/>
+                <p14:modId xmlns:p14="http://schemas.microsoft.com/office/powerpoint/2010/main" val="501102352"/>
               </p:ext>
             </p:extLst>
           </p:nvPr>
@@ -7596,35 +7595,35 @@
                     <a:p>
                       <a:pPr lvl="4" algn="l"/>
                       <a:r>
-                        <a:rPr lang="zh-CN" altLang="en-US" sz="2000" b="0" dirty="0">
+                        <a:rPr lang="zh-CN" altLang="en-US" sz="2400" b="0" dirty="0">
                           <a:latin typeface="汉仪家书简" panose="02010609000101010101" pitchFamily="49" charset="-122"/>
                           <a:ea typeface="汉仪家书简" panose="02010609000101010101" pitchFamily="49" charset="-122"/>
                         </a:rPr>
                         <a:t>异步</a:t>
                       </a:r>
                       <a:r>
-                        <a:rPr lang="en-US" altLang="zh-CN" sz="2000" b="0" dirty="0">
+                        <a:rPr lang="en-US" altLang="zh-CN" sz="2400" b="0" dirty="0">
                           <a:latin typeface="汉仪家书简" panose="02010609000101010101" pitchFamily="49" charset="-122"/>
                           <a:ea typeface="汉仪家书简" panose="02010609000101010101" pitchFamily="49" charset="-122"/>
                         </a:rPr>
                         <a:t>IO</a:t>
                       </a:r>
                       <a:r>
-                        <a:rPr lang="zh-CN" altLang="en-US" sz="2000" b="0" dirty="0">
+                        <a:rPr lang="zh-CN" altLang="en-US" sz="2400" b="0" dirty="0">
                           <a:latin typeface="汉仪家书简" panose="02010609000101010101" pitchFamily="49" charset="-122"/>
                           <a:ea typeface="汉仪家书简" panose="02010609000101010101" pitchFamily="49" charset="-122"/>
                         </a:rPr>
                         <a:t>与</a:t>
                       </a:r>
                       <a:r>
-                        <a:rPr lang="en-US" altLang="zh-CN" sz="2000" b="0" dirty="0" err="1">
+                        <a:rPr lang="en-US" altLang="zh-CN" sz="2400" b="0" dirty="0" err="1">
                           <a:latin typeface="汉仪家书简" panose="02010609000101010101" pitchFamily="49" charset="-122"/>
                           <a:ea typeface="汉仪家书简" panose="02010609000101010101" pitchFamily="49" charset="-122"/>
                         </a:rPr>
                         <a:t>Swoole</a:t>
                       </a:r>
                       <a:r>
-                        <a:rPr lang="zh-CN" altLang="en-US" sz="2000" b="0" dirty="0">
+                        <a:rPr lang="zh-CN" altLang="en-US" sz="2400" b="0" dirty="0">
                           <a:latin typeface="汉仪家书简" panose="02010609000101010101" pitchFamily="49" charset="-122"/>
                           <a:ea typeface="汉仪家书简" panose="02010609000101010101" pitchFamily="49" charset="-122"/>
                         </a:rPr>
@@ -7675,14 +7674,14 @@
                     <a:p>
                       <a:pPr lvl="4" algn="l"/>
                       <a:r>
-                        <a:rPr lang="en-US" altLang="zh-CN" sz="2000" dirty="0" err="1">
+                        <a:rPr lang="en-US" altLang="zh-CN" sz="2400" dirty="0" err="1">
                           <a:latin typeface="汉仪家书简" panose="02010609000101010101" pitchFamily="49" charset="-122"/>
                           <a:ea typeface="汉仪家书简" panose="02010609000101010101" pitchFamily="49" charset="-122"/>
                         </a:rPr>
                         <a:t>Swoole</a:t>
                       </a:r>
                       <a:r>
-                        <a:rPr lang="zh-CN" altLang="en-US" sz="2000" dirty="0">
+                        <a:rPr lang="zh-CN" altLang="en-US" sz="2400" dirty="0">
                           <a:latin typeface="汉仪家书简" panose="02010609000101010101" pitchFamily="49" charset="-122"/>
                           <a:ea typeface="汉仪家书简" panose="02010609000101010101" pitchFamily="49" charset="-122"/>
                         </a:rPr>
@@ -7733,21 +7732,21 @@
                     <a:p>
                       <a:pPr lvl="4" algn="l"/>
                       <a:r>
-                        <a:rPr lang="zh-CN" altLang="en-US" sz="2000" dirty="0">
+                        <a:rPr lang="zh-CN" altLang="en-US" sz="2400" dirty="0">
                           <a:latin typeface="汉仪家书简" panose="02010609000101010101" pitchFamily="49" charset="-122"/>
                           <a:ea typeface="汉仪家书简" panose="02010609000101010101" pitchFamily="49" charset="-122"/>
                         </a:rPr>
                         <a:t>使用</a:t>
                       </a:r>
                       <a:r>
-                        <a:rPr lang="en-US" altLang="zh-CN" sz="2000" dirty="0" err="1">
+                        <a:rPr lang="en-US" altLang="zh-CN" sz="2400" dirty="0" err="1">
                           <a:latin typeface="汉仪家书简" panose="02010609000101010101" pitchFamily="49" charset="-122"/>
                           <a:ea typeface="汉仪家书简" panose="02010609000101010101" pitchFamily="49" charset="-122"/>
                         </a:rPr>
                         <a:t>Swoole</a:t>
                       </a:r>
                       <a:r>
-                        <a:rPr lang="zh-CN" altLang="en-US" sz="2000" dirty="0">
+                        <a:rPr lang="zh-CN" altLang="en-US" sz="2400" dirty="0">
                           <a:latin typeface="汉仪家书简" panose="02010609000101010101" pitchFamily="49" charset="-122"/>
                           <a:ea typeface="汉仪家书简" panose="02010609000101010101" pitchFamily="49" charset="-122"/>
                         </a:rPr>
@@ -8075,30 +8074,30 @@
           <a:lstStyle/>
           <a:p>
             <a:r>
-              <a:rPr lang="zh-CN" altLang="en-US" sz="2000" dirty="0"/>
+              <a:rPr lang="zh-CN" altLang="en-US" sz="2400" dirty="0"/>
               <a:t>以烧水为例：同步过程就是一直等待水烧开，沏到壶里。中间不做其他事情。</a:t>
             </a:r>
-            <a:endParaRPr lang="en-US" altLang="zh-CN" sz="2000" dirty="0"/>
-          </a:p>
-          <a:p>
-            <a:endParaRPr lang="en-US" altLang="zh-CN" sz="2000" dirty="0"/>
-          </a:p>
-          <a:p>
-            <a:r>
-              <a:rPr lang="zh-CN" altLang="en-US" sz="2000" dirty="0"/>
+            <a:endParaRPr lang="en-US" altLang="zh-CN" sz="2400" dirty="0"/>
+          </a:p>
+          <a:p>
+            <a:endParaRPr lang="en-US" altLang="zh-CN" sz="2400" dirty="0"/>
+          </a:p>
+          <a:p>
+            <a:r>
+              <a:rPr lang="zh-CN" altLang="en-US" sz="2400" dirty="0"/>
               <a:t>对于不需要即时返回结果的操作，同步过程加大了网络延迟，降低了网站整体的响应速度。</a:t>
             </a:r>
-            <a:endParaRPr lang="en-US" altLang="zh-CN" sz="2000" dirty="0"/>
-          </a:p>
-          <a:p>
-            <a:endParaRPr lang="en-US" altLang="zh-CN" sz="2000" dirty="0"/>
-          </a:p>
-          <a:p>
-            <a:r>
-              <a:rPr lang="zh-CN" altLang="en-US" sz="2000" dirty="0"/>
+            <a:endParaRPr lang="en-US" altLang="zh-CN" sz="2400" dirty="0"/>
+          </a:p>
+          <a:p>
+            <a:endParaRPr lang="en-US" altLang="zh-CN" sz="2400" dirty="0"/>
+          </a:p>
+          <a:p>
+            <a:r>
+              <a:rPr lang="zh-CN" altLang="en-US" sz="2400" dirty="0"/>
               <a:t>同步过程在很多任务上，效率很低。</a:t>
             </a:r>
-            <a:endParaRPr lang="en-US" altLang="zh-CN" sz="2000" dirty="0"/>
+            <a:endParaRPr lang="en-US" altLang="zh-CN" sz="2400" dirty="0"/>
           </a:p>
         </p:txBody>
       </p:sp>
@@ -8194,25 +8193,25 @@
           <a:lstStyle/>
           <a:p>
             <a:r>
-              <a:rPr lang="zh-CN" altLang="en-US" sz="2000" dirty="0"/>
+              <a:rPr lang="zh-CN" altLang="en-US" sz="2400" dirty="0"/>
               <a:t>异步过程：还以烧水为例，烧水的过程中，去做其他事情，等水烧开了发出提示，这时候你可以终端手头的工作先把处理水烧开了这个</a:t>
             </a:r>
             <a:r>
-              <a:rPr lang="zh-CN" altLang="en-US" sz="2000" dirty="0">
+              <a:rPr lang="zh-CN" altLang="en-US" sz="2400" dirty="0">
                 <a:solidFill>
                   <a:srgbClr val="C00000"/>
                 </a:solidFill>
               </a:rPr>
               <a:t>事件。</a:t>
             </a:r>
-            <a:endParaRPr lang="en-US" altLang="zh-CN" sz="2000" dirty="0">
+            <a:endParaRPr lang="en-US" altLang="zh-CN" sz="2400" dirty="0">
               <a:solidFill>
                 <a:srgbClr val="C00000"/>
               </a:solidFill>
             </a:endParaRPr>
           </a:p>
           <a:p>
-            <a:endParaRPr lang="en-US" altLang="zh-CN" sz="2000" dirty="0">
+            <a:endParaRPr lang="en-US" altLang="zh-CN" sz="2400" dirty="0">
               <a:solidFill>
                 <a:schemeClr val="tx1">
                   <a:lumMod val="95000"/>
@@ -8223,7 +8222,7 @@
           </a:p>
           <a:p>
             <a:r>
-              <a:rPr lang="zh-CN" altLang="en-US" sz="2000" dirty="0">
+              <a:rPr lang="zh-CN" altLang="en-US" sz="2400" dirty="0">
                 <a:solidFill>
                   <a:schemeClr val="tx1">
                     <a:lumMod val="95000"/>
@@ -8233,7 +8232,7 @@
               </a:rPr>
               <a:t>异步提高的是整体的效率，避免不必要的资源浪费。</a:t>
             </a:r>
-            <a:endParaRPr lang="en-US" altLang="zh-CN" sz="2000" dirty="0">
+            <a:endParaRPr lang="en-US" altLang="zh-CN" sz="2400" dirty="0">
               <a:solidFill>
                 <a:schemeClr val="tx1">
                   <a:lumMod val="95000"/>
@@ -8243,7 +8242,7 @@
             </a:endParaRPr>
           </a:p>
           <a:p>
-            <a:endParaRPr lang="en-US" altLang="zh-CN" sz="2000" dirty="0">
+            <a:endParaRPr lang="en-US" altLang="zh-CN" sz="2400" dirty="0">
               <a:solidFill>
                 <a:schemeClr val="tx1">
                   <a:lumMod val="95000"/>
@@ -8254,7 +8253,7 @@
           </a:p>
           <a:p>
             <a:r>
-              <a:rPr lang="zh-CN" altLang="en-US" sz="2000" dirty="0">
+              <a:rPr lang="zh-CN" altLang="en-US" sz="2400" dirty="0">
                 <a:solidFill>
                   <a:schemeClr val="tx1">
                     <a:lumMod val="95000"/>
@@ -8262,9 +8261,42 @@
                   </a:schemeClr>
                 </a:solidFill>
               </a:rPr>
-              <a:t>再考虑一个问题：银行办理业务都是同步的过程，一个窗口只能等客户业务完成才处理下一个客户的业务。而如果是异步的方式，当客户在填表格等操作时，这时候业务员是空闲的，这时候可以先处理下一个客户的业务，如果上一个客户表格填写完成就发出一个信号告诉业务员响应这个请求。</a:t>
-            </a:r>
-            <a:endParaRPr lang="en-US" altLang="zh-CN" sz="2000" dirty="0">
+              <a:t>再考虑一个问题：银行办理业务都是同步的过程，一个窗口只能等客户业务完成才处理下一个客户的业务。而如果是异步的方式，当客户在填表格等操作时，这时候业务员是空闲的，这时候可以先处理下一个客户的业务，如果上一个客户表格填写完成就发出</a:t>
+            </a:r>
+            <a:r>
+              <a:rPr lang="zh-CN" altLang="en-US" sz="2400">
+                <a:solidFill>
+                  <a:schemeClr val="tx1">
+                    <a:lumMod val="95000"/>
+                    <a:lumOff val="5000"/>
+                  </a:schemeClr>
+                </a:solidFill>
+              </a:rPr>
+              <a:t>一个信号</a:t>
+            </a:r>
+            <a:r>
+              <a:rPr lang="zh-CN" altLang="en-US" sz="2400" dirty="0">
+                <a:solidFill>
+                  <a:schemeClr val="tx1">
+                    <a:lumMod val="95000"/>
+                    <a:lumOff val="5000"/>
+                  </a:schemeClr>
+                </a:solidFill>
+              </a:rPr>
+              <a:t>告诉业务员响应这个</a:t>
+            </a:r>
+            <a:r>
+              <a:rPr lang="zh-CN" altLang="en-US" sz="2400">
+                <a:solidFill>
+                  <a:schemeClr val="tx1">
+                    <a:lumMod val="95000"/>
+                    <a:lumOff val="5000"/>
+                  </a:schemeClr>
+                </a:solidFill>
+              </a:rPr>
+              <a:t>请求。所以现在银行办理业务都是要求客户提前填写表格，提高业务处理效率。</a:t>
+            </a:r>
+            <a:endParaRPr lang="en-US" altLang="zh-CN" sz="2400" dirty="0">
               <a:solidFill>
                 <a:schemeClr val="tx1">
                   <a:lumMod val="95000"/>
@@ -8367,57 +8399,57 @@
           <a:lstStyle/>
           <a:p>
             <a:r>
-              <a:rPr lang="zh-CN" altLang="en-US" sz="1800" dirty="0"/>
+              <a:rPr lang="zh-CN" altLang="en-US" sz="2400" dirty="0"/>
               <a:t>异步是靠多个同步的操作组合起来的一种模式。</a:t>
             </a:r>
-            <a:endParaRPr lang="en-US" altLang="zh-CN" sz="1800" dirty="0"/>
-          </a:p>
-          <a:p>
-            <a:endParaRPr lang="en-US" altLang="zh-CN" sz="1800" dirty="0"/>
-          </a:p>
-          <a:p>
-            <a:r>
-              <a:rPr lang="zh-CN" altLang="en-US" sz="1800" dirty="0"/>
+            <a:endParaRPr lang="en-US" altLang="zh-CN" sz="2400" dirty="0"/>
+          </a:p>
+          <a:p>
+            <a:endParaRPr lang="en-US" altLang="zh-CN" sz="2400" dirty="0"/>
+          </a:p>
+          <a:p>
+            <a:r>
+              <a:rPr lang="zh-CN" altLang="en-US" sz="2400" dirty="0"/>
               <a:t>一些异步</a:t>
             </a:r>
             <a:r>
-              <a:rPr lang="en-US" altLang="zh-CN" sz="1800" dirty="0"/>
+              <a:rPr lang="en-US" altLang="zh-CN" sz="2400" dirty="0"/>
               <a:t>IO</a:t>
             </a:r>
             <a:r>
-              <a:rPr lang="zh-CN" altLang="en-US" sz="1800" dirty="0"/>
+              <a:rPr lang="zh-CN" altLang="en-US" sz="2400" dirty="0"/>
               <a:t>扩展库使用的是多进程多线程模式实现的。这种方式就是多线程同步模型实现异步。</a:t>
             </a:r>
-            <a:endParaRPr lang="en-US" altLang="zh-CN" sz="1800" dirty="0"/>
-          </a:p>
-          <a:p>
-            <a:endParaRPr lang="en-US" altLang="zh-CN" sz="1800" dirty="0"/>
-          </a:p>
-          <a:p>
-            <a:r>
-              <a:rPr lang="zh-CN" altLang="en-US" sz="1800" dirty="0"/>
+            <a:endParaRPr lang="en-US" altLang="zh-CN" sz="2400" dirty="0"/>
+          </a:p>
+          <a:p>
+            <a:endParaRPr lang="en-US" altLang="zh-CN" sz="2400" dirty="0"/>
+          </a:p>
+          <a:p>
+            <a:r>
+              <a:rPr lang="zh-CN" altLang="en-US" sz="2400" dirty="0"/>
               <a:t>对任何任务拆分来说总会到达一个不可分解，必须是同步的操作的最小任务。</a:t>
             </a:r>
-            <a:endParaRPr lang="en-US" altLang="zh-CN" sz="1800" dirty="0"/>
-          </a:p>
-          <a:p>
-            <a:endParaRPr lang="en-US" altLang="zh-CN" sz="1800" dirty="0"/>
-          </a:p>
-          <a:p>
-            <a:r>
-              <a:rPr lang="zh-CN" altLang="en-US" sz="1800"/>
+            <a:endParaRPr lang="en-US" altLang="zh-CN" sz="2400" dirty="0"/>
+          </a:p>
+          <a:p>
+            <a:endParaRPr lang="en-US" altLang="zh-CN" sz="2400" dirty="0"/>
+          </a:p>
+          <a:p>
+            <a:r>
+              <a:rPr lang="zh-CN" altLang="en-US" sz="2400"/>
               <a:t>异步在编程上的形式往往使用事件驱动以及回调函数的形式来处理。</a:t>
             </a:r>
-            <a:endParaRPr lang="en-US" altLang="zh-CN" sz="1800" dirty="0"/>
+            <a:endParaRPr lang="en-US" altLang="zh-CN" sz="2400" dirty="0"/>
           </a:p>
           <a:p>
             <a:pPr marL="0" indent="0">
               <a:buNone/>
             </a:pPr>
-            <a:endParaRPr lang="en-US" altLang="zh-CN" sz="1800" dirty="0"/>
-          </a:p>
-          <a:p>
-            <a:endParaRPr lang="en-US" altLang="zh-CN" sz="1800" dirty="0"/>
+            <a:endParaRPr lang="en-US" altLang="zh-CN" sz="2400" dirty="0"/>
+          </a:p>
+          <a:p>
+            <a:endParaRPr lang="en-US" altLang="zh-CN" sz="2400" dirty="0"/>
           </a:p>
         </p:txBody>
       </p:sp>
@@ -8678,234 +8710,233 @@
           <a:lstStyle/>
           <a:p>
             <a:r>
-              <a:rPr lang="en-US" altLang="zh-CN" sz="2000" dirty="0" err="1"/>
+              <a:rPr lang="en-US" altLang="zh-CN" sz="2400" dirty="0" err="1"/>
               <a:t>Swoole</a:t>
             </a:r>
             <a:r>
-              <a:rPr lang="zh-CN" altLang="en-US" sz="2000" dirty="0"/>
+              <a:rPr lang="zh-CN" altLang="en-US" sz="2400" dirty="0"/>
               <a:t>是</a:t>
             </a:r>
             <a:r>
-              <a:rPr lang="en-US" altLang="zh-CN" sz="2000" dirty="0"/>
+              <a:rPr lang="en-US" altLang="zh-CN" sz="2400" dirty="0"/>
               <a:t>PHP</a:t>
             </a:r>
             <a:r>
-              <a:rPr lang="zh-CN" altLang="en-US" sz="2000" dirty="0"/>
+              <a:rPr lang="zh-CN" altLang="en-US" sz="2400" dirty="0"/>
               <a:t>的异步、并行、高性能网络通信引擎，使用纯</a:t>
             </a:r>
             <a:r>
-              <a:rPr lang="en-US" altLang="zh-CN" sz="2000" dirty="0"/>
+              <a:rPr lang="en-US" altLang="zh-CN" sz="2400" dirty="0"/>
               <a:t>C</a:t>
             </a:r>
             <a:r>
-              <a:rPr lang="zh-CN" altLang="en-US" sz="2000" dirty="0"/>
+              <a:rPr lang="zh-CN" altLang="en-US" sz="2400" dirty="0"/>
               <a:t>语言编写。</a:t>
             </a:r>
             <a:r>
-              <a:rPr lang="en-US" altLang="zh-CN" sz="2000" dirty="0" err="1"/>
+              <a:rPr lang="en-US" altLang="zh-CN" sz="2400" dirty="0" err="1"/>
               <a:t>Swoole</a:t>
             </a:r>
             <a:r>
-              <a:rPr lang="zh-CN" altLang="en-US" sz="2000" dirty="0"/>
+              <a:rPr lang="zh-CN" altLang="en-US" sz="2400" dirty="0"/>
               <a:t>底层内置了异步非阻塞、多线程的网络</a:t>
             </a:r>
             <a:r>
-              <a:rPr lang="en-US" altLang="zh-CN" sz="2000" dirty="0"/>
+              <a:rPr lang="en-US" altLang="zh-CN" sz="2400" dirty="0"/>
               <a:t>IO</a:t>
             </a:r>
             <a:r>
-              <a:rPr lang="zh-CN" altLang="en-US" sz="2000" dirty="0"/>
+              <a:rPr lang="zh-CN" altLang="en-US" sz="2400" dirty="0"/>
               <a:t>服务器。</a:t>
             </a:r>
             <a:r>
-              <a:rPr lang="en-US" altLang="zh-CN" sz="2000" dirty="0"/>
+              <a:rPr lang="en-US" altLang="zh-CN" sz="2400" dirty="0"/>
               <a:t>PHP</a:t>
             </a:r>
             <a:r>
-              <a:rPr lang="zh-CN" altLang="en-US" sz="2000" dirty="0"/>
-              <a:t>程序员仅需处理事件回调即可，无需关心底层。</a:t>
-            </a:r>
-            <a:endParaRPr lang="en-US" altLang="zh-CN" sz="2000" dirty="0"/>
-          </a:p>
-          <a:p>
-            <a:endParaRPr lang="en-US" altLang="zh-CN" sz="2000" dirty="0"/>
-          </a:p>
-          <a:p>
-            <a:r>
-              <a:rPr lang="en-US" altLang="zh-CN" sz="2000" dirty="0" err="1"/>
+              <a:rPr lang="zh-CN" altLang="en-US" sz="2400" dirty="0"/>
+              <a:t>程序员仅需处理事件回调即可，无需关心</a:t>
+            </a:r>
+            <a:r>
+              <a:rPr lang="zh-CN" altLang="en-US" sz="2400"/>
+              <a:t>底层。</a:t>
+            </a:r>
+            <a:endParaRPr lang="en-US" altLang="zh-CN" sz="2400" dirty="0"/>
+          </a:p>
+          <a:p>
+            <a:r>
+              <a:rPr lang="en-US" altLang="zh-CN" sz="2400" dirty="0" err="1"/>
               <a:t>Swoole</a:t>
             </a:r>
             <a:r>
-              <a:rPr lang="zh-CN" altLang="en-US" sz="2000" dirty="0"/>
+              <a:rPr lang="zh-CN" altLang="en-US" sz="2400" dirty="0"/>
               <a:t>内置了</a:t>
             </a:r>
             <a:r>
-              <a:rPr lang="en-US" altLang="zh-CN" sz="2000" dirty="0"/>
+              <a:rPr lang="en-US" altLang="zh-CN" sz="2400" dirty="0"/>
               <a:t>Http/</a:t>
             </a:r>
             <a:r>
-              <a:rPr lang="en-US" altLang="zh-CN" sz="2000" dirty="0" err="1"/>
+              <a:rPr lang="en-US" altLang="zh-CN" sz="2400" dirty="0" err="1"/>
               <a:t>WebSocket</a:t>
             </a:r>
             <a:r>
-              <a:rPr lang="zh-CN" altLang="en-US" sz="2000" dirty="0"/>
+              <a:rPr lang="zh-CN" altLang="en-US" sz="2400" dirty="0"/>
               <a:t>服务器端</a:t>
             </a:r>
             <a:r>
-              <a:rPr lang="en-US" altLang="zh-CN" sz="2000" dirty="0"/>
+              <a:rPr lang="en-US" altLang="zh-CN" sz="2400" dirty="0"/>
               <a:t>/</a:t>
             </a:r>
             <a:r>
-              <a:rPr lang="zh-CN" altLang="en-US" sz="2000" dirty="0"/>
+              <a:rPr lang="zh-CN" altLang="en-US" sz="2400" dirty="0"/>
               <a:t>客户端、</a:t>
             </a:r>
             <a:r>
-              <a:rPr lang="en-US" altLang="zh-CN" sz="2000" dirty="0"/>
+              <a:rPr lang="en-US" altLang="zh-CN" sz="2400" dirty="0"/>
               <a:t>Http2.0</a:t>
             </a:r>
             <a:r>
-              <a:rPr lang="zh-CN" altLang="en-US" sz="2000" dirty="0"/>
+              <a:rPr lang="zh-CN" altLang="en-US" sz="2400" dirty="0"/>
               <a:t>服务器端</a:t>
             </a:r>
             <a:r>
-              <a:rPr lang="en-US" altLang="zh-CN" sz="2000" dirty="0"/>
+              <a:rPr lang="en-US" altLang="zh-CN" sz="2400" dirty="0"/>
               <a:t>/</a:t>
             </a:r>
             <a:r>
-              <a:rPr lang="zh-CN" altLang="en-US" sz="2000" dirty="0"/>
+              <a:rPr lang="zh-CN" altLang="en-US" sz="2400" dirty="0"/>
               <a:t>客户端。</a:t>
             </a:r>
-            <a:endParaRPr lang="en-US" altLang="zh-CN" sz="2000" dirty="0"/>
-          </a:p>
-          <a:p>
-            <a:r>
-              <a:rPr lang="en-US" altLang="zh-CN" sz="2000" dirty="0" err="1"/>
+            <a:endParaRPr lang="en-US" altLang="zh-CN" sz="2400" dirty="0"/>
+          </a:p>
+          <a:p>
+            <a:r>
+              <a:rPr lang="en-US" altLang="zh-CN" sz="2400" dirty="0" err="1"/>
               <a:t>Swoole</a:t>
             </a:r>
             <a:r>
-              <a:rPr lang="zh-CN" altLang="en-US" sz="2000" dirty="0"/>
+              <a:rPr lang="zh-CN" altLang="en-US" sz="2400" dirty="0"/>
               <a:t>是以</a:t>
             </a:r>
             <a:r>
-              <a:rPr lang="en-US" altLang="zh-CN" sz="2000" dirty="0"/>
+              <a:rPr lang="en-US" altLang="zh-CN" sz="2400" dirty="0"/>
               <a:t>PHP</a:t>
             </a:r>
             <a:r>
-              <a:rPr lang="zh-CN" altLang="en-US" sz="2000" dirty="0"/>
+              <a:rPr lang="zh-CN" altLang="en-US" sz="2400" dirty="0"/>
               <a:t>扩展的形式集成到</a:t>
             </a:r>
             <a:r>
-              <a:rPr lang="en-US" altLang="zh-CN" sz="2000" dirty="0"/>
+              <a:rPr lang="en-US" altLang="zh-CN" sz="2400" dirty="0"/>
               <a:t>PHP</a:t>
             </a:r>
             <a:r>
-              <a:rPr lang="zh-CN" altLang="en-US" sz="2000" dirty="0"/>
+              <a:rPr lang="zh-CN" altLang="en-US" sz="2400" dirty="0"/>
               <a:t>的。</a:t>
             </a:r>
-            <a:endParaRPr lang="en-US" altLang="zh-CN" sz="2000" dirty="0"/>
-          </a:p>
-          <a:p>
-            <a:r>
-              <a:rPr lang="en-US" altLang="zh-CN" sz="2000" dirty="0"/>
+            <a:endParaRPr lang="en-US" altLang="zh-CN" sz="2400" dirty="0"/>
+          </a:p>
+          <a:p>
+            <a:r>
+              <a:rPr lang="en-US" altLang="zh-CN" sz="2400" dirty="0"/>
               <a:t>1.8.7+</a:t>
             </a:r>
             <a:r>
-              <a:rPr lang="zh-CN" altLang="en-US" sz="2000" dirty="0"/>
+              <a:rPr lang="zh-CN" altLang="en-US" sz="2400" dirty="0"/>
               <a:t>版本已完全支持</a:t>
             </a:r>
             <a:r>
-              <a:rPr lang="en-US" altLang="zh-CN" sz="2000" dirty="0"/>
+              <a:rPr lang="en-US" altLang="zh-CN" sz="2400" dirty="0"/>
               <a:t>PHP7</a:t>
             </a:r>
             <a:r>
-              <a:rPr lang="zh-CN" altLang="en-US" sz="2000" dirty="0"/>
+              <a:rPr lang="zh-CN" altLang="en-US" sz="2400" dirty="0"/>
               <a:t>，</a:t>
             </a:r>
             <a:r>
-              <a:rPr lang="en-US" altLang="zh-CN" sz="2000" dirty="0"/>
+              <a:rPr lang="en-US" altLang="zh-CN" sz="2400" dirty="0"/>
               <a:t>2.0.12+</a:t>
             </a:r>
             <a:r>
-              <a:rPr lang="zh-CN" altLang="en-US" sz="2000" dirty="0"/>
+              <a:rPr lang="zh-CN" altLang="en-US" sz="2400" dirty="0"/>
               <a:t>版本不再支持</a:t>
             </a:r>
             <a:r>
-              <a:rPr lang="en-US" altLang="zh-CN" sz="2000" dirty="0"/>
+              <a:rPr lang="en-US" altLang="zh-CN" sz="2400"/>
               <a:t>PHP5</a:t>
             </a:r>
             <a:r>
-              <a:rPr lang="zh-CN" altLang="en-US" sz="2000" dirty="0"/>
+              <a:rPr lang="zh-CN" altLang="en-US" sz="2400"/>
               <a:t>。</a:t>
             </a:r>
-            <a:endParaRPr lang="en-US" altLang="zh-CN" sz="2000"/>
-          </a:p>
-          <a:p>
-            <a:endParaRPr lang="en-US" altLang="zh-CN" sz="2000" dirty="0"/>
-          </a:p>
-          <a:p>
-            <a:r>
-              <a:rPr lang="en-US" altLang="zh-CN" sz="2000" dirty="0" err="1"/>
+            <a:endParaRPr lang="en-US" altLang="zh-CN" sz="2400" dirty="0"/>
+          </a:p>
+          <a:p>
+            <a:r>
+              <a:rPr lang="en-US" altLang="zh-CN" sz="2400" dirty="0" err="1"/>
               <a:t>Swoole</a:t>
             </a:r>
             <a:r>
-              <a:rPr lang="zh-CN" altLang="en-US" sz="2000" dirty="0"/>
+              <a:rPr lang="zh-CN" altLang="en-US" sz="2400" dirty="0"/>
               <a:t>是开源的，授权协议是</a:t>
             </a:r>
             <a:r>
-              <a:rPr lang="en-US" altLang="zh-CN" sz="2000" dirty="0"/>
+              <a:rPr lang="en-US" altLang="zh-CN" sz="2400" dirty="0"/>
               <a:t>Apache2.0</a:t>
             </a:r>
             <a:r>
-              <a:rPr lang="zh-CN" altLang="en-US" sz="2000" dirty="0"/>
+              <a:rPr lang="zh-CN" altLang="en-US" sz="2400" dirty="0"/>
               <a:t>。企业和个人开发者均可免费使用</a:t>
             </a:r>
             <a:r>
-              <a:rPr lang="en-US" altLang="zh-CN" sz="2000" dirty="0" err="1"/>
+              <a:rPr lang="en-US" altLang="zh-CN" sz="2400" dirty="0" err="1"/>
               <a:t>Swoole</a:t>
             </a:r>
             <a:r>
-              <a:rPr lang="zh-CN" altLang="en-US" sz="2000" dirty="0"/>
+              <a:rPr lang="zh-CN" altLang="en-US" sz="2400" dirty="0"/>
               <a:t>的代码，并且在</a:t>
             </a:r>
             <a:r>
-              <a:rPr lang="en-US" altLang="zh-CN" sz="2000" dirty="0" err="1"/>
+              <a:rPr lang="en-US" altLang="zh-CN" sz="2400" dirty="0" err="1"/>
               <a:t>Swoole</a:t>
             </a:r>
             <a:r>
-              <a:rPr lang="zh-CN" altLang="en-US" sz="2000" dirty="0"/>
-              <a:t>之上所作的修改可用于商业产品，无需开源（注：必须保留原作者的版权声明）。</a:t>
-            </a:r>
-            <a:endParaRPr lang="en-US" altLang="zh-CN" sz="2000" dirty="0"/>
-          </a:p>
-          <a:p>
-            <a:endParaRPr lang="en-US" altLang="zh-CN" sz="2000" dirty="0"/>
-          </a:p>
-          <a:p>
-            <a:r>
-              <a:rPr lang="en-US" altLang="zh-CN" sz="2000" dirty="0" err="1"/>
+              <a:rPr lang="zh-CN" altLang="en-US" sz="2400" dirty="0"/>
+              <a:t>之上所作的修改可用于商业产品，无需开源（注：必须保留原作者的版权声明</a:t>
+            </a:r>
+            <a:r>
+              <a:rPr lang="zh-CN" altLang="en-US" sz="2400"/>
+              <a:t>）。</a:t>
+            </a:r>
+            <a:endParaRPr lang="en-US" altLang="zh-CN" sz="2400" dirty="0"/>
+          </a:p>
+          <a:p>
+            <a:r>
+              <a:rPr lang="en-US" altLang="zh-CN" sz="2400" dirty="0" err="1"/>
               <a:t>Swoole</a:t>
             </a:r>
             <a:r>
-              <a:rPr lang="zh-CN" altLang="en-US" sz="2000" dirty="0"/>
+              <a:rPr lang="zh-CN" altLang="en-US" sz="2400" dirty="0"/>
               <a:t>的处理过程很像</a:t>
             </a:r>
             <a:r>
-              <a:rPr lang="en-US" altLang="zh-CN" sz="2000" dirty="0"/>
+              <a:rPr lang="en-US" altLang="zh-CN" sz="2400" dirty="0"/>
               <a:t>NodeJS</a:t>
             </a:r>
             <a:r>
-              <a:rPr lang="zh-CN" altLang="en-US" sz="2000" dirty="0"/>
+              <a:rPr lang="zh-CN" altLang="en-US" sz="2400" dirty="0"/>
               <a:t>，使用回调函数的形式，采用异步操作。但不同的是，</a:t>
             </a:r>
             <a:r>
-              <a:rPr lang="en-US" altLang="zh-CN" sz="2000" dirty="0" err="1"/>
+              <a:rPr lang="en-US" altLang="zh-CN" sz="2400" dirty="0" err="1"/>
               <a:t>Swoole</a:t>
             </a:r>
             <a:r>
-              <a:rPr lang="zh-CN" altLang="en-US" sz="2000" dirty="0"/>
+              <a:rPr lang="zh-CN" altLang="en-US" sz="2400" dirty="0"/>
               <a:t>既支持异步，也支持同步。</a:t>
             </a:r>
-            <a:endParaRPr lang="en-US" altLang="zh-CN" sz="1600" dirty="0"/>
+            <a:endParaRPr lang="en-US" altLang="zh-CN" sz="1800" dirty="0"/>
           </a:p>
         </p:txBody>
       </p:sp>
@@ -9006,90 +9037,90 @@
           <a:lstStyle/>
           <a:p>
             <a:r>
-              <a:rPr lang="zh-CN" altLang="en-US" sz="2000" dirty="0"/>
+              <a:rPr lang="zh-CN" altLang="en-US" dirty="0"/>
               <a:t>国内</a:t>
             </a:r>
             <a:r>
-              <a:rPr lang="en-US" altLang="zh-CN" sz="2000" dirty="0"/>
+              <a:rPr lang="en-US" altLang="zh-CN" dirty="0"/>
               <a:t>git</a:t>
             </a:r>
             <a:r>
-              <a:rPr lang="zh-CN" altLang="en-US" sz="2000" dirty="0"/>
+              <a:rPr lang="zh-CN" altLang="en-US" dirty="0"/>
               <a:t>镜像：</a:t>
             </a:r>
             <a:r>
-              <a:rPr lang="en-US" altLang="zh-CN" sz="2000" dirty="0">
+              <a:rPr lang="en-US" altLang="zh-CN" dirty="0">
                 <a:hlinkClick r:id="rId3"/>
               </a:rPr>
               <a:t>https://gitee.com/swoole/swoole</a:t>
             </a:r>
-            <a:endParaRPr lang="en-US" altLang="zh-CN" sz="2000" dirty="0"/>
-          </a:p>
-          <a:p>
-            <a:r>
-              <a:rPr lang="zh-CN" altLang="en-US" sz="2000" dirty="0"/>
+            <a:endParaRPr lang="en-US" altLang="zh-CN" dirty="0"/>
+          </a:p>
+          <a:p>
+            <a:r>
+              <a:rPr lang="zh-CN" altLang="en-US" dirty="0"/>
               <a:t>安装：</a:t>
             </a:r>
-            <a:endParaRPr lang="en-US" altLang="zh-CN" sz="2000" dirty="0"/>
+            <a:endParaRPr lang="en-US" altLang="zh-CN" dirty="0"/>
           </a:p>
           <a:p>
             <a:pPr marL="457200" lvl="1" indent="0">
               <a:buNone/>
             </a:pPr>
             <a:r>
-              <a:rPr lang="zh-CN" altLang="en-US" sz="1600" dirty="0"/>
+              <a:rPr lang="zh-CN" altLang="en-US" sz="2000" dirty="0"/>
               <a:t>下载</a:t>
             </a:r>
             <a:r>
-              <a:rPr lang="en-US" altLang="zh-CN" sz="1600" dirty="0" err="1"/>
+              <a:rPr lang="en-US" altLang="zh-CN" sz="2000" dirty="0" err="1"/>
               <a:t>swoole</a:t>
             </a:r>
             <a:r>
-              <a:rPr lang="zh-CN" altLang="en-US" sz="1600" dirty="0"/>
+              <a:rPr lang="zh-CN" altLang="en-US" sz="2000" dirty="0"/>
               <a:t>源代码后，使用</a:t>
             </a:r>
             <a:r>
-              <a:rPr lang="en-US" altLang="zh-CN" sz="1600" dirty="0"/>
+              <a:rPr lang="en-US" altLang="zh-CN" sz="2000" dirty="0"/>
               <a:t>PHP</a:t>
             </a:r>
             <a:r>
-              <a:rPr lang="zh-CN" altLang="en-US" sz="1600" dirty="0"/>
+              <a:rPr lang="zh-CN" altLang="en-US" sz="2000" dirty="0"/>
               <a:t>扩展编译的步骤操作即可。</a:t>
             </a:r>
-            <a:endParaRPr lang="en-US" altLang="zh-CN" sz="1600" dirty="0"/>
+            <a:endParaRPr lang="en-US" altLang="zh-CN" sz="2000" dirty="0"/>
           </a:p>
           <a:p>
             <a:pPr marL="457200" lvl="1" indent="0">
               <a:buNone/>
             </a:pPr>
             <a:r>
-              <a:rPr lang="en-US" altLang="zh-CN" sz="1600" dirty="0" err="1"/>
+              <a:rPr lang="en-US" altLang="zh-CN" sz="2000" dirty="0" err="1"/>
               <a:t>phpize</a:t>
             </a:r>
-            <a:endParaRPr lang="en-US" altLang="zh-CN" sz="1600" dirty="0"/>
+            <a:endParaRPr lang="en-US" altLang="zh-CN" sz="2000" dirty="0"/>
           </a:p>
           <a:p>
             <a:pPr marL="457200" lvl="1" indent="0">
               <a:buNone/>
             </a:pPr>
             <a:r>
-              <a:rPr lang="en-US" altLang="zh-CN" sz="1600" dirty="0"/>
+              <a:rPr lang="en-US" altLang="zh-CN" sz="2000" dirty="0"/>
               <a:t>./configure –with-</a:t>
             </a:r>
             <a:r>
-              <a:rPr lang="en-US" altLang="zh-CN" sz="1600" dirty="0" err="1"/>
+              <a:rPr lang="en-US" altLang="zh-CN" sz="2000" dirty="0" err="1"/>
               <a:t>php</a:t>
             </a:r>
             <a:r>
-              <a:rPr lang="en-US" altLang="zh-CN" sz="1600" dirty="0"/>
+              <a:rPr lang="en-US" altLang="zh-CN" sz="2000" dirty="0"/>
               <a:t>-config=PHP_INSTALL_DIR/bin/</a:t>
             </a:r>
             <a:r>
-              <a:rPr lang="en-US" altLang="zh-CN" sz="1600" dirty="0" err="1"/>
+              <a:rPr lang="en-US" altLang="zh-CN" sz="2000" dirty="0" err="1"/>
               <a:t>php</a:t>
             </a:r>
             <a:r>
-              <a:rPr lang="en-US" altLang="zh-CN" sz="1600" dirty="0"/>
+              <a:rPr lang="en-US" altLang="zh-CN" sz="2000" dirty="0"/>
               <a:t>-config</a:t>
             </a:r>
           </a:p>
@@ -9098,100 +9129,78 @@
               <a:buNone/>
             </a:pPr>
             <a:r>
-              <a:rPr lang="en-US" altLang="zh-CN" sz="1600" dirty="0"/>
+              <a:rPr lang="en-US" altLang="zh-CN" sz="2000" dirty="0"/>
               <a:t>make install</a:t>
             </a:r>
           </a:p>
           <a:p>
             <a:r>
-              <a:rPr lang="zh-CN" altLang="en-US" sz="2000" dirty="0"/>
+              <a:rPr lang="zh-CN" altLang="en-US" dirty="0"/>
               <a:t>安装完成后，在</a:t>
             </a:r>
             <a:r>
-              <a:rPr lang="en-US" altLang="zh-CN" sz="2000" dirty="0"/>
+              <a:rPr lang="en-US" altLang="zh-CN" dirty="0"/>
               <a:t>php.ini</a:t>
             </a:r>
             <a:r>
-              <a:rPr lang="zh-CN" altLang="en-US" sz="2000" dirty="0"/>
+              <a:rPr lang="zh-CN" altLang="en-US" dirty="0"/>
               <a:t>中加入：</a:t>
             </a:r>
             <a:r>
-              <a:rPr lang="en-US" altLang="zh-CN" sz="2000" dirty="0"/>
+              <a:rPr lang="en-US" altLang="zh-CN" dirty="0"/>
               <a:t>extension=swoole.so</a:t>
             </a:r>
             <a:r>
-              <a:rPr lang="zh-CN" altLang="en-US" sz="2000" dirty="0"/>
+              <a:rPr lang="zh-CN" altLang="en-US" dirty="0"/>
               <a:t>；注意，在</a:t>
             </a:r>
             <a:r>
-              <a:rPr lang="en-US" altLang="zh-CN" sz="2000" dirty="0"/>
+              <a:rPr lang="en-US" altLang="zh-CN" dirty="0"/>
               <a:t>PHP7.2</a:t>
             </a:r>
             <a:r>
-              <a:rPr lang="zh-CN" altLang="en-US" sz="2000" dirty="0"/>
+              <a:rPr lang="zh-CN" altLang="en-US" dirty="0"/>
               <a:t>中，不需要加入</a:t>
             </a:r>
             <a:r>
-              <a:rPr lang="en-US" altLang="zh-CN" sz="2000" dirty="0"/>
+              <a:rPr lang="en-US" altLang="zh-CN"/>
               <a:t>.so</a:t>
             </a:r>
           </a:p>
           <a:p>
             <a:r>
-              <a:rPr lang="zh-CN" altLang="en-US" sz="2000" dirty="0"/>
-              <a:t>使用</a:t>
-            </a:r>
-            <a:r>
-              <a:rPr lang="en-US" altLang="zh-CN" sz="2000" dirty="0" err="1"/>
-              <a:t>pecl</a:t>
-            </a:r>
-            <a:r>
-              <a:rPr lang="zh-CN" altLang="en-US" sz="2000" dirty="0"/>
-              <a:t>安装：</a:t>
-            </a:r>
-            <a:r>
-              <a:rPr lang="en-US" altLang="zh-CN" sz="2000" dirty="0" err="1"/>
-              <a:t>pecl</a:t>
-            </a:r>
-            <a:r>
-              <a:rPr lang="en-US" altLang="zh-CN" sz="2000" dirty="0"/>
-              <a:t>  install  </a:t>
-            </a:r>
-            <a:r>
-              <a:rPr lang="en-US" altLang="zh-CN" sz="2000" dirty="0" err="1"/>
-              <a:t>swoole</a:t>
-            </a:r>
-            <a:endParaRPr lang="en-US" altLang="zh-CN" sz="2000" dirty="0"/>
-          </a:p>
-          <a:p>
-            <a:r>
-              <a:rPr lang="zh-CN" altLang="en-US" sz="2000" dirty="0"/>
-              <a:t>然后重启</a:t>
-            </a:r>
-            <a:r>
-              <a:rPr lang="en-US" altLang="zh-CN" sz="2000" dirty="0"/>
+              <a:rPr lang="zh-CN" altLang="en-US"/>
+              <a:t>然后</a:t>
+            </a:r>
+            <a:r>
+              <a:rPr lang="zh-CN" altLang="en-US" dirty="0"/>
+              <a:t>重启</a:t>
+            </a:r>
+            <a:r>
+              <a:rPr lang="en-US" altLang="zh-CN" dirty="0"/>
               <a:t>web</a:t>
             </a:r>
             <a:r>
-              <a:rPr lang="zh-CN" altLang="en-US" sz="2000" dirty="0"/>
+              <a:rPr lang="zh-CN" altLang="en-US" dirty="0"/>
               <a:t>服务： </a:t>
             </a:r>
             <a:r>
-              <a:rPr lang="en-US" altLang="zh-CN" sz="2000" dirty="0" err="1"/>
+              <a:rPr lang="en-US" altLang="zh-CN" dirty="0" err="1"/>
               <a:t>webrun</a:t>
             </a:r>
             <a:r>
-              <a:rPr lang="en-US" altLang="zh-CN" sz="2000" dirty="0"/>
-              <a:t>  restart</a:t>
-            </a:r>
-            <a:r>
-              <a:rPr lang="zh-CN" altLang="en-US" sz="2000" dirty="0"/>
+              <a:rPr lang="en-US" altLang="zh-CN" dirty="0"/>
+              <a:t>  </a:t>
+            </a:r>
+            <a:r>
+              <a:rPr lang="en-US" altLang="zh-CN"/>
+              <a:t>restart</a:t>
+            </a:r>
+            <a:r>
+              <a:rPr lang="zh-CN" altLang="en-US"/>
               <a:t>。</a:t>
             </a:r>
-            <a:endParaRPr lang="en-US" altLang="zh-CN" sz="2000" dirty="0"/>
-          </a:p>
-          <a:p>
-            <a:endParaRPr lang="en-US" altLang="zh-CN" sz="2000" dirty="0"/>
+            <a:endParaRPr lang="en-US" altLang="zh-CN" dirty="0"/>
           </a:p>
         </p:txBody>
       </p:sp>

--- a/materials/slides/ch08-async-io-and-swoole.pptx
+++ b/materials/slides/ch08-async-io-and-swoole.pptx
@@ -231,7 +231,7 @@
           <a:p>
             <a:fld id="{E923E828-953C-4D4A-9B10-11E7329F433D}" type="datetimeFigureOut">
               <a:rPr lang="zh-CN" altLang="en-US" smtClean="0"/>
-              <a:t>2018/4/3</a:t>
+              <a:t>2018/4/4</a:t>
             </a:fld>
             <a:endParaRPr lang="zh-CN" altLang="en-US"/>
           </a:p>
@@ -412,7 +412,7 @@
           <a:p>
             <a:fld id="{867C5346-22E5-4085-8130-851344A84DFF}" type="datetimeFigureOut">
               <a:rPr lang="zh-CN" altLang="en-US" smtClean="0"/>
-              <a:t>2018/4/3</a:t>
+              <a:t>2018/4/4</a:t>
             </a:fld>
             <a:endParaRPr lang="zh-CN" altLang="en-US"/>
           </a:p>
@@ -1846,7 +1846,7 @@
           <a:p>
             <a:fld id="{A5E21016-498F-4141-B0CA-D95A38CA7D62}" type="datetimeFigureOut">
               <a:rPr lang="zh-CN" altLang="en-US" smtClean="0"/>
-              <a:t>2018/4/3</a:t>
+              <a:t>2018/4/4</a:t>
             </a:fld>
             <a:endParaRPr lang="zh-CN" altLang="en-US"/>
           </a:p>
@@ -2076,7 +2076,7 @@
           <a:p>
             <a:fld id="{A5E21016-498F-4141-B0CA-D95A38CA7D62}" type="datetimeFigureOut">
               <a:rPr lang="zh-CN" altLang="en-US" smtClean="0"/>
-              <a:t>2018/4/3</a:t>
+              <a:t>2018/4/4</a:t>
             </a:fld>
             <a:endParaRPr lang="zh-CN" altLang="en-US"/>
           </a:p>
@@ -2311,7 +2311,7 @@
           <a:p>
             <a:fld id="{A5E21016-498F-4141-B0CA-D95A38CA7D62}" type="datetimeFigureOut">
               <a:rPr lang="zh-CN" altLang="en-US" smtClean="0"/>
-              <a:t>2018/4/3</a:t>
+              <a:t>2018/4/4</a:t>
             </a:fld>
             <a:endParaRPr lang="zh-CN" altLang="en-US"/>
           </a:p>
@@ -2873,7 +2873,7 @@
           <a:p>
             <a:fld id="{A5E21016-498F-4141-B0CA-D95A38CA7D62}" type="datetimeFigureOut">
               <a:rPr lang="zh-CN" altLang="en-US" smtClean="0"/>
-              <a:t>2018/4/3</a:t>
+              <a:t>2018/4/4</a:t>
             </a:fld>
             <a:endParaRPr lang="zh-CN" altLang="en-US"/>
           </a:p>
@@ -3170,7 +3170,7 @@
           <a:p>
             <a:fld id="{A5E21016-498F-4141-B0CA-D95A38CA7D62}" type="datetimeFigureOut">
               <a:rPr lang="zh-CN" altLang="en-US" smtClean="0"/>
-              <a:t>2018/4/3</a:t>
+              <a:t>2018/4/4</a:t>
             </a:fld>
             <a:endParaRPr lang="zh-CN" altLang="en-US"/>
           </a:p>
@@ -3609,7 +3609,7 @@
           <a:p>
             <a:fld id="{A5E21016-498F-4141-B0CA-D95A38CA7D62}" type="datetimeFigureOut">
               <a:rPr lang="zh-CN" altLang="en-US" smtClean="0"/>
-              <a:t>2018/4/3</a:t>
+              <a:t>2018/4/4</a:t>
             </a:fld>
             <a:endParaRPr lang="zh-CN" altLang="en-US"/>
           </a:p>
@@ -3782,7 +3782,7 @@
           <a:p>
             <a:fld id="{A5E21016-498F-4141-B0CA-D95A38CA7D62}" type="datetimeFigureOut">
               <a:rPr lang="zh-CN" altLang="en-US" smtClean="0"/>
-              <a:t>2018/4/3</a:t>
+              <a:t>2018/4/4</a:t>
             </a:fld>
             <a:endParaRPr lang="zh-CN" altLang="en-US"/>
           </a:p>
@@ -3919,7 +3919,7 @@
           <a:p>
             <a:fld id="{A5E21016-498F-4141-B0CA-D95A38CA7D62}" type="datetimeFigureOut">
               <a:rPr lang="zh-CN" altLang="en-US" smtClean="0"/>
-              <a:t>2018/4/3</a:t>
+              <a:t>2018/4/4</a:t>
             </a:fld>
             <a:endParaRPr lang="zh-CN" altLang="en-US"/>
           </a:p>
@@ -4257,7 +4257,7 @@
           <a:p>
             <a:fld id="{A5E21016-498F-4141-B0CA-D95A38CA7D62}" type="datetimeFigureOut">
               <a:rPr lang="zh-CN" altLang="en-US" smtClean="0"/>
-              <a:t>2018/4/3</a:t>
+              <a:t>2018/4/4</a:t>
             </a:fld>
             <a:endParaRPr lang="zh-CN" altLang="en-US"/>
           </a:p>
@@ -4572,7 +4572,7 @@
           <a:p>
             <a:fld id="{A5E21016-498F-4141-B0CA-D95A38CA7D62}" type="datetimeFigureOut">
               <a:rPr lang="zh-CN" altLang="en-US" smtClean="0"/>
-              <a:t>2018/4/3</a:t>
+              <a:t>2018/4/4</a:t>
             </a:fld>
             <a:endParaRPr lang="zh-CN" altLang="en-US"/>
           </a:p>
@@ -5348,10 +5348,10 @@
       </p:sp>
       <p:pic>
         <p:nvPicPr>
-          <p:cNvPr id="9" name="内容占位符 8">
+          <p:cNvPr id="6" name="内容占位符 5">
             <a:extLst>
               <a:ext uri="{FF2B5EF4-FFF2-40B4-BE49-F238E27FC236}">
-                <a16:creationId xmlns:a16="http://schemas.microsoft.com/office/drawing/2014/main" id="{D0A0BCB8-6FD1-42B4-BD5C-1C9C2546D13A}"/>
+                <a16:creationId xmlns:a16="http://schemas.microsoft.com/office/drawing/2014/main" id="{BF0BBF5C-323E-406E-8613-79339F3A4C43}"/>
               </a:ext>
             </a:extLst>
           </p:cNvPr>
@@ -5376,8 +5376,8 @@
         </p:blipFill>
         <p:spPr>
           <a:xfrm>
-            <a:off x="838200" y="1587758"/>
-            <a:ext cx="10527430" cy="5017227"/>
+            <a:off x="1128931" y="1936261"/>
+            <a:ext cx="9689579" cy="3928208"/>
           </a:xfrm>
         </p:spPr>
       </p:pic>
@@ -6858,11 +6858,18 @@
               <a:t>    </a:t>
             </a:r>
             <a:r>
+              <a:rPr lang="en-US" altLang="zh-CN" sz="2000">
+                <a:latin typeface="等线" panose="02010600030101010101" pitchFamily="2" charset="-122"/>
+                <a:ea typeface="等线" panose="02010600030101010101" pitchFamily="2" charset="-122"/>
+              </a:rPr>
+              <a:t>$sw_http_serv-&gt;</a:t>
+            </a:r>
+            <a:r>
               <a:rPr lang="en-US" altLang="zh-CN" sz="2000" dirty="0">
                 <a:latin typeface="等线" panose="02010600030101010101" pitchFamily="2" charset="-122"/>
                 <a:ea typeface="等线" panose="02010600030101010101" pitchFamily="2" charset="-122"/>
               </a:rPr>
-              <a:t>$server-&gt;set([</a:t>
+              <a:t>set([</a:t>
             </a:r>
           </a:p>
           <a:p>
@@ -6888,21 +6895,21 @@
                 <a:latin typeface="等线" panose="02010600030101010101" pitchFamily="2" charset="-122"/>
                 <a:ea typeface="等线" panose="02010600030101010101" pitchFamily="2" charset="-122"/>
               </a:rPr>
-              <a:t>’ =&gt; ‘/home/</a:t>
-            </a:r>
-            <a:r>
-              <a:rPr lang="en-US" altLang="zh-CN" sz="2000" dirty="0" err="1">
+              <a:t>’ </a:t>
+            </a:r>
+            <a:r>
+              <a:rPr lang="en-US" altLang="zh-CN" sz="2000">
                 <a:latin typeface="等线" panose="02010600030101010101" pitchFamily="2" charset="-122"/>
                 <a:ea typeface="等线" panose="02010600030101010101" pitchFamily="2" charset="-122"/>
               </a:rPr>
-              <a:t>wy</a:t>
+              <a:t>=&gt; ‘/var/</a:t>
             </a:r>
             <a:r>
               <a:rPr lang="en-US" altLang="zh-CN" sz="2000" dirty="0">
                 <a:latin typeface="等线" panose="02010600030101010101" pitchFamily="2" charset="-122"/>
                 <a:ea typeface="等线" panose="02010600030101010101" pitchFamily="2" charset="-122"/>
               </a:rPr>
-              <a:t>/www/</a:t>
+              <a:t>www/</a:t>
             </a:r>
             <a:r>
               <a:rPr lang="en-US" altLang="zh-CN" sz="2000" dirty="0" err="1">
@@ -7255,10 +7262,10 @@
       </p:sp>
       <p:pic>
         <p:nvPicPr>
-          <p:cNvPr id="3" name="图片 2">
+          <p:cNvPr id="5" name="图片 4">
             <a:extLst>
               <a:ext uri="{FF2B5EF4-FFF2-40B4-BE49-F238E27FC236}">
-                <a16:creationId xmlns:a16="http://schemas.microsoft.com/office/drawing/2014/main" id="{1411C3EA-5AB6-4585-B1A2-C0E713D0F6E3}"/>
+                <a16:creationId xmlns:a16="http://schemas.microsoft.com/office/drawing/2014/main" id="{2D0021B2-47CE-483B-A2B8-8226052C5DB2}"/>
               </a:ext>
             </a:extLst>
           </p:cNvPr>
@@ -7281,8 +7288,8 @@
         </p:blipFill>
         <p:spPr>
           <a:xfrm>
-            <a:off x="1009151" y="3849168"/>
-            <a:ext cx="9987657" cy="1470177"/>
+            <a:off x="838200" y="3669617"/>
+            <a:ext cx="10249862" cy="1166152"/>
           </a:xfrm>
           <a:prstGeom prst="rect">
             <a:avLst/>
@@ -7450,10 +7457,10 @@
       </p:sp>
       <p:pic>
         <p:nvPicPr>
-          <p:cNvPr id="5" name="图片 4">
+          <p:cNvPr id="6" name="图片 5">
             <a:extLst>
               <a:ext uri="{FF2B5EF4-FFF2-40B4-BE49-F238E27FC236}">
-                <a16:creationId xmlns:a16="http://schemas.microsoft.com/office/drawing/2014/main" id="{990F988B-D601-4BF2-B8CC-25FD478A00AB}"/>
+                <a16:creationId xmlns:a16="http://schemas.microsoft.com/office/drawing/2014/main" id="{4ECD66AC-ADC9-4B11-9097-4AFB7A704EB2}"/>
               </a:ext>
             </a:extLst>
           </p:cNvPr>
@@ -7476,8 +7483,8 @@
         </p:blipFill>
         <p:spPr>
           <a:xfrm>
-            <a:off x="1252718" y="3358840"/>
-            <a:ext cx="9574349" cy="2118768"/>
+            <a:off x="1220370" y="3339289"/>
+            <a:ext cx="8869347" cy="2182280"/>
           </a:xfrm>
           <a:prstGeom prst="rect">
             <a:avLst/>
@@ -8194,7 +8201,15 @@
           <a:p>
             <a:r>
               <a:rPr lang="zh-CN" altLang="en-US" sz="2400" dirty="0"/>
-              <a:t>异步过程：还以烧水为例，烧水的过程中，去做其他事情，等水烧开了发出提示，这时候你可以终端手头的工作先把处理水烧开了这个</a:t>
+              <a:t>异步过程：还以烧水为例，烧水的过程中，去做其他事情，等水烧开了发出提示，这时候你可以终端手头的</a:t>
+            </a:r>
+            <a:r>
+              <a:rPr lang="zh-CN" altLang="en-US" sz="2400"/>
+              <a:t>工作先处理</a:t>
+            </a:r>
+            <a:r>
+              <a:rPr lang="zh-CN" altLang="en-US" sz="2400" dirty="0"/>
+              <a:t>水烧开了这个</a:t>
             </a:r>
             <a:r>
               <a:rPr lang="zh-CN" altLang="en-US" sz="2400" dirty="0">
@@ -8261,7 +8276,29 @@
                   </a:schemeClr>
                 </a:solidFill>
               </a:rPr>
-              <a:t>再考虑一个问题：银行办理业务都是同步的过程，一个窗口只能等客户业务完成才处理下一个客户的业务。而如果是异步的方式，当客户在填表格等操作时，这时候业务员是空闲的，这时候可以先处理下一个客户的业务，如果上一个客户表格填写完成就发出</a:t>
+              <a:t>再考虑一个问题：银行</a:t>
+            </a:r>
+            <a:r>
+              <a:rPr lang="zh-CN" altLang="en-US" sz="2400">
+                <a:solidFill>
+                  <a:schemeClr val="tx1">
+                    <a:lumMod val="95000"/>
+                    <a:lumOff val="5000"/>
+                  </a:schemeClr>
+                </a:solidFill>
+              </a:rPr>
+              <a:t>办理业务过去都是</a:t>
+            </a:r>
+            <a:r>
+              <a:rPr lang="zh-CN" altLang="en-US" sz="2400" dirty="0">
+                <a:solidFill>
+                  <a:schemeClr val="tx1">
+                    <a:lumMod val="95000"/>
+                    <a:lumOff val="5000"/>
+                  </a:schemeClr>
+                </a:solidFill>
+              </a:rPr>
+              <a:t>同步的过程，一个窗口只能等客户业务完成才处理下一个客户的业务。而如果是异步的方式，当客户在填表格等操作时，这时候业务员是空闲的，这时候可以先处理下一个客户的业务，如果上一个客户表格填写完成就发出</a:t>
             </a:r>
             <a:r>
               <a:rPr lang="zh-CN" altLang="en-US" sz="2400">
